--- a/260finalPresentation.pptx
+++ b/260finalPresentation.pptx
@@ -4,38 +4,27 @@
   <p:sldMasterIdLst>
     <p:sldMasterId id="2147483648" r:id="rId1"/>
   </p:sldMasterIdLst>
+  <p:notesMasterIdLst>
+    <p:notesMasterId r:id="rId19"/>
+  </p:notesMasterIdLst>
   <p:sldIdLst>
     <p:sldId id="284" r:id="rId2"/>
-    <p:sldId id="256" r:id="rId3"/>
-    <p:sldId id="285" r:id="rId4"/>
-    <p:sldId id="270" r:id="rId5"/>
-    <p:sldId id="257" r:id="rId6"/>
-    <p:sldId id="258" r:id="rId7"/>
-    <p:sldId id="286" r:id="rId8"/>
-    <p:sldId id="259" r:id="rId9"/>
-    <p:sldId id="260" r:id="rId10"/>
-    <p:sldId id="261" r:id="rId11"/>
-    <p:sldId id="262" r:id="rId12"/>
-    <p:sldId id="263" r:id="rId13"/>
-    <p:sldId id="264" r:id="rId14"/>
-    <p:sldId id="273" r:id="rId15"/>
-    <p:sldId id="274" r:id="rId16"/>
-    <p:sldId id="275" r:id="rId17"/>
-    <p:sldId id="276" r:id="rId18"/>
-    <p:sldId id="277" r:id="rId19"/>
-    <p:sldId id="278" r:id="rId20"/>
-    <p:sldId id="279" r:id="rId21"/>
-    <p:sldId id="280" r:id="rId22"/>
-    <p:sldId id="281" r:id="rId23"/>
-    <p:sldId id="282" r:id="rId24"/>
-    <p:sldId id="283" r:id="rId25"/>
-    <p:sldId id="265" r:id="rId26"/>
-    <p:sldId id="266" r:id="rId27"/>
-    <p:sldId id="267" r:id="rId28"/>
-    <p:sldId id="268" r:id="rId29"/>
-    <p:sldId id="269" r:id="rId30"/>
-    <p:sldId id="271" r:id="rId31"/>
-    <p:sldId id="272" r:id="rId32"/>
+    <p:sldId id="288" r:id="rId3"/>
+    <p:sldId id="289" r:id="rId4"/>
+    <p:sldId id="291" r:id="rId5"/>
+    <p:sldId id="290" r:id="rId6"/>
+    <p:sldId id="286" r:id="rId7"/>
+    <p:sldId id="292" r:id="rId8"/>
+    <p:sldId id="260" r:id="rId9"/>
+    <p:sldId id="299" r:id="rId10"/>
+    <p:sldId id="293" r:id="rId11"/>
+    <p:sldId id="294" r:id="rId12"/>
+    <p:sldId id="295" r:id="rId13"/>
+    <p:sldId id="296" r:id="rId14"/>
+    <p:sldId id="297" r:id="rId15"/>
+    <p:sldId id="298" r:id="rId16"/>
+    <p:sldId id="301" r:id="rId17"/>
+    <p:sldId id="300" r:id="rId18"/>
   </p:sldIdLst>
   <p:sldSz cx="9144000" cy="6858000" type="screen4x3"/>
   <p:notesSz cx="6858000" cy="9144000"/>
@@ -135,6 +124,3386 @@
     </a:lvl9pPr>
   </p:defaultTextStyle>
 </p:presentation>
+</file>
+
+<file path=ppt/notesMasters/notesMaster1.xml><?xml version="1.0" encoding="utf-8"?>
+<p:notesMaster xmlns:a="http://schemas.openxmlformats.org/drawingml/2006/main" xmlns:r="http://schemas.openxmlformats.org/officeDocument/2006/relationships" xmlns:p="http://schemas.openxmlformats.org/presentationml/2006/main">
+  <p:cSld>
+    <p:bg>
+      <p:bgRef idx="1001">
+        <a:schemeClr val="bg1"/>
+      </p:bgRef>
+    </p:bg>
+    <p:spTree>
+      <p:nvGrpSpPr>
+        <p:cNvPr id="1" name=""/>
+        <p:cNvGrpSpPr/>
+        <p:nvPr/>
+      </p:nvGrpSpPr>
+      <p:grpSpPr>
+        <a:xfrm>
+          <a:off x="0" y="0"/>
+          <a:ext cx="0" cy="0"/>
+          <a:chOff x="0" y="0"/>
+          <a:chExt cx="0" cy="0"/>
+        </a:xfrm>
+      </p:grpSpPr>
+      <p:sp>
+        <p:nvSpPr>
+          <p:cNvPr id="2" name="Header Placeholder 1"/>
+          <p:cNvSpPr>
+            <a:spLocks noGrp="1"/>
+          </p:cNvSpPr>
+          <p:nvPr>
+            <p:ph type="hdr" sz="quarter"/>
+          </p:nvPr>
+        </p:nvSpPr>
+        <p:spPr>
+          <a:xfrm>
+            <a:off x="0" y="0"/>
+            <a:ext cx="2971800" cy="457200"/>
+          </a:xfrm>
+          <a:prstGeom prst="rect">
+            <a:avLst/>
+          </a:prstGeom>
+        </p:spPr>
+        <p:txBody>
+          <a:bodyPr vert="horz" lIns="91440" tIns="45720" rIns="91440" bIns="45720" rtlCol="0"/>
+          <a:lstStyle>
+            <a:lvl1pPr algn="l">
+              <a:defRPr sz="1200"/>
+            </a:lvl1pPr>
+          </a:lstStyle>
+          <a:p>
+            <a:endParaRPr lang="en-US"/>
+          </a:p>
+        </p:txBody>
+      </p:sp>
+      <p:sp>
+        <p:nvSpPr>
+          <p:cNvPr id="3" name="Date Placeholder 2"/>
+          <p:cNvSpPr>
+            <a:spLocks noGrp="1"/>
+          </p:cNvSpPr>
+          <p:nvPr>
+            <p:ph type="dt" idx="1"/>
+          </p:nvPr>
+        </p:nvSpPr>
+        <p:spPr>
+          <a:xfrm>
+            <a:off x="3884613" y="0"/>
+            <a:ext cx="2971800" cy="457200"/>
+          </a:xfrm>
+          <a:prstGeom prst="rect">
+            <a:avLst/>
+          </a:prstGeom>
+        </p:spPr>
+        <p:txBody>
+          <a:bodyPr vert="horz" lIns="91440" tIns="45720" rIns="91440" bIns="45720" rtlCol="0"/>
+          <a:lstStyle>
+            <a:lvl1pPr algn="r">
+              <a:defRPr sz="1200"/>
+            </a:lvl1pPr>
+          </a:lstStyle>
+          <a:p>
+            <a:fld id="{94D2D007-9F87-DD42-A9D6-2E7FA36ECD87}" type="datetimeFigureOut">
+              <a:rPr lang="en-US" smtClean="0"/>
+              <a:t>12/9/17</a:t>
+            </a:fld>
+            <a:endParaRPr lang="en-US"/>
+          </a:p>
+        </p:txBody>
+      </p:sp>
+      <p:sp>
+        <p:nvSpPr>
+          <p:cNvPr id="4" name="Slide Image Placeholder 3"/>
+          <p:cNvSpPr>
+            <a:spLocks noGrp="1" noRot="1" noChangeAspect="1"/>
+          </p:cNvSpPr>
+          <p:nvPr>
+            <p:ph type="sldImg" idx="2"/>
+          </p:nvPr>
+        </p:nvSpPr>
+        <p:spPr>
+          <a:xfrm>
+            <a:off x="1143000" y="685800"/>
+            <a:ext cx="4572000" cy="3429000"/>
+          </a:xfrm>
+          <a:prstGeom prst="rect">
+            <a:avLst/>
+          </a:prstGeom>
+          <a:noFill/>
+          <a:ln w="12700">
+            <a:solidFill>
+              <a:prstClr val="black"/>
+            </a:solidFill>
+          </a:ln>
+        </p:spPr>
+        <p:txBody>
+          <a:bodyPr vert="horz" lIns="91440" tIns="45720" rIns="91440" bIns="45720" rtlCol="0" anchor="ctr"/>
+          <a:lstStyle/>
+          <a:p>
+            <a:endParaRPr lang="en-US"/>
+          </a:p>
+        </p:txBody>
+      </p:sp>
+      <p:sp>
+        <p:nvSpPr>
+          <p:cNvPr id="5" name="Notes Placeholder 4"/>
+          <p:cNvSpPr>
+            <a:spLocks noGrp="1"/>
+          </p:cNvSpPr>
+          <p:nvPr>
+            <p:ph type="body" sz="quarter" idx="3"/>
+          </p:nvPr>
+        </p:nvSpPr>
+        <p:spPr>
+          <a:xfrm>
+            <a:off x="685800" y="4343400"/>
+            <a:ext cx="5486400" cy="4114800"/>
+          </a:xfrm>
+          <a:prstGeom prst="rect">
+            <a:avLst/>
+          </a:prstGeom>
+        </p:spPr>
+        <p:txBody>
+          <a:bodyPr vert="horz" lIns="91440" tIns="45720" rIns="91440" bIns="45720" rtlCol="0"/>
+          <a:lstStyle/>
+          <a:p>
+            <a:pPr lvl="0"/>
+            <a:r>
+              <a:rPr lang="en-US" smtClean="0"/>
+              <a:t>Click to edit Master text styles</a:t>
+            </a:r>
+          </a:p>
+          <a:p>
+            <a:pPr lvl="1"/>
+            <a:r>
+              <a:rPr lang="en-US" smtClean="0"/>
+              <a:t>Second level</a:t>
+            </a:r>
+          </a:p>
+          <a:p>
+            <a:pPr lvl="2"/>
+            <a:r>
+              <a:rPr lang="en-US" smtClean="0"/>
+              <a:t>Third level</a:t>
+            </a:r>
+          </a:p>
+          <a:p>
+            <a:pPr lvl="3"/>
+            <a:r>
+              <a:rPr lang="en-US" smtClean="0"/>
+              <a:t>Fourth level</a:t>
+            </a:r>
+          </a:p>
+          <a:p>
+            <a:pPr lvl="4"/>
+            <a:r>
+              <a:rPr lang="en-US" smtClean="0"/>
+              <a:t>Fifth level</a:t>
+            </a:r>
+            <a:endParaRPr lang="en-US"/>
+          </a:p>
+        </p:txBody>
+      </p:sp>
+      <p:sp>
+        <p:nvSpPr>
+          <p:cNvPr id="6" name="Footer Placeholder 5"/>
+          <p:cNvSpPr>
+            <a:spLocks noGrp="1"/>
+          </p:cNvSpPr>
+          <p:nvPr>
+            <p:ph type="ftr" sz="quarter" idx="4"/>
+          </p:nvPr>
+        </p:nvSpPr>
+        <p:spPr>
+          <a:xfrm>
+            <a:off x="0" y="8685213"/>
+            <a:ext cx="2971800" cy="457200"/>
+          </a:xfrm>
+          <a:prstGeom prst="rect">
+            <a:avLst/>
+          </a:prstGeom>
+        </p:spPr>
+        <p:txBody>
+          <a:bodyPr vert="horz" lIns="91440" tIns="45720" rIns="91440" bIns="45720" rtlCol="0" anchor="b"/>
+          <a:lstStyle>
+            <a:lvl1pPr algn="l">
+              <a:defRPr sz="1200"/>
+            </a:lvl1pPr>
+          </a:lstStyle>
+          <a:p>
+            <a:endParaRPr lang="en-US"/>
+          </a:p>
+        </p:txBody>
+      </p:sp>
+      <p:sp>
+        <p:nvSpPr>
+          <p:cNvPr id="7" name="Slide Number Placeholder 6"/>
+          <p:cNvSpPr>
+            <a:spLocks noGrp="1"/>
+          </p:cNvSpPr>
+          <p:nvPr>
+            <p:ph type="sldNum" sz="quarter" idx="5"/>
+          </p:nvPr>
+        </p:nvSpPr>
+        <p:spPr>
+          <a:xfrm>
+            <a:off x="3884613" y="8685213"/>
+            <a:ext cx="2971800" cy="457200"/>
+          </a:xfrm>
+          <a:prstGeom prst="rect">
+            <a:avLst/>
+          </a:prstGeom>
+        </p:spPr>
+        <p:txBody>
+          <a:bodyPr vert="horz" lIns="91440" tIns="45720" rIns="91440" bIns="45720" rtlCol="0" anchor="b"/>
+          <a:lstStyle>
+            <a:lvl1pPr algn="r">
+              <a:defRPr sz="1200"/>
+            </a:lvl1pPr>
+          </a:lstStyle>
+          <a:p>
+            <a:fld id="{852F0A82-AFCF-AD4E-B0BE-96B91B3E53B3}" type="slidenum">
+              <a:rPr lang="en-US" smtClean="0"/>
+              <a:t>‹#›</a:t>
+            </a:fld>
+            <a:endParaRPr lang="en-US"/>
+          </a:p>
+        </p:txBody>
+      </p:sp>
+    </p:spTree>
+    <p:extLst>
+      <p:ext uri="{BB962C8B-B14F-4D97-AF65-F5344CB8AC3E}">
+        <p14:creationId xmlns:p14="http://schemas.microsoft.com/office/powerpoint/2010/main" val="3349981170"/>
+      </p:ext>
+    </p:extLst>
+  </p:cSld>
+  <p:clrMap bg1="lt1" tx1="dk1" bg2="lt2" tx2="dk2" accent1="accent1" accent2="accent2" accent3="accent3" accent4="accent4" accent5="accent5" accent6="accent6" hlink="hlink" folHlink="folHlink"/>
+  <p:notesStyle>
+    <a:lvl1pPr marL="0" algn="l" defTabSz="457200" rtl="0" eaLnBrk="1" latinLnBrk="0" hangingPunct="1">
+      <a:defRPr sz="1200" kern="1200">
+        <a:solidFill>
+          <a:schemeClr val="tx1"/>
+        </a:solidFill>
+        <a:latin typeface="+mn-lt"/>
+        <a:ea typeface="+mn-ea"/>
+        <a:cs typeface="+mn-cs"/>
+      </a:defRPr>
+    </a:lvl1pPr>
+    <a:lvl2pPr marL="457200" algn="l" defTabSz="457200" rtl="0" eaLnBrk="1" latinLnBrk="0" hangingPunct="1">
+      <a:defRPr sz="1200" kern="1200">
+        <a:solidFill>
+          <a:schemeClr val="tx1"/>
+        </a:solidFill>
+        <a:latin typeface="+mn-lt"/>
+        <a:ea typeface="+mn-ea"/>
+        <a:cs typeface="+mn-cs"/>
+      </a:defRPr>
+    </a:lvl2pPr>
+    <a:lvl3pPr marL="914400" algn="l" defTabSz="457200" rtl="0" eaLnBrk="1" latinLnBrk="0" hangingPunct="1">
+      <a:defRPr sz="1200" kern="1200">
+        <a:solidFill>
+          <a:schemeClr val="tx1"/>
+        </a:solidFill>
+        <a:latin typeface="+mn-lt"/>
+        <a:ea typeface="+mn-ea"/>
+        <a:cs typeface="+mn-cs"/>
+      </a:defRPr>
+    </a:lvl3pPr>
+    <a:lvl4pPr marL="1371600" algn="l" defTabSz="457200" rtl="0" eaLnBrk="1" latinLnBrk="0" hangingPunct="1">
+      <a:defRPr sz="1200" kern="1200">
+        <a:solidFill>
+          <a:schemeClr val="tx1"/>
+        </a:solidFill>
+        <a:latin typeface="+mn-lt"/>
+        <a:ea typeface="+mn-ea"/>
+        <a:cs typeface="+mn-cs"/>
+      </a:defRPr>
+    </a:lvl4pPr>
+    <a:lvl5pPr marL="1828800" algn="l" defTabSz="457200" rtl="0" eaLnBrk="1" latinLnBrk="0" hangingPunct="1">
+      <a:defRPr sz="1200" kern="1200">
+        <a:solidFill>
+          <a:schemeClr val="tx1"/>
+        </a:solidFill>
+        <a:latin typeface="+mn-lt"/>
+        <a:ea typeface="+mn-ea"/>
+        <a:cs typeface="+mn-cs"/>
+      </a:defRPr>
+    </a:lvl5pPr>
+    <a:lvl6pPr marL="2286000" algn="l" defTabSz="457200" rtl="0" eaLnBrk="1" latinLnBrk="0" hangingPunct="1">
+      <a:defRPr sz="1200" kern="1200">
+        <a:solidFill>
+          <a:schemeClr val="tx1"/>
+        </a:solidFill>
+        <a:latin typeface="+mn-lt"/>
+        <a:ea typeface="+mn-ea"/>
+        <a:cs typeface="+mn-cs"/>
+      </a:defRPr>
+    </a:lvl6pPr>
+    <a:lvl7pPr marL="2743200" algn="l" defTabSz="457200" rtl="0" eaLnBrk="1" latinLnBrk="0" hangingPunct="1">
+      <a:defRPr sz="1200" kern="1200">
+        <a:solidFill>
+          <a:schemeClr val="tx1"/>
+        </a:solidFill>
+        <a:latin typeface="+mn-lt"/>
+        <a:ea typeface="+mn-ea"/>
+        <a:cs typeface="+mn-cs"/>
+      </a:defRPr>
+    </a:lvl7pPr>
+    <a:lvl8pPr marL="3200400" algn="l" defTabSz="457200" rtl="0" eaLnBrk="1" latinLnBrk="0" hangingPunct="1">
+      <a:defRPr sz="1200" kern="1200">
+        <a:solidFill>
+          <a:schemeClr val="tx1"/>
+        </a:solidFill>
+        <a:latin typeface="+mn-lt"/>
+        <a:ea typeface="+mn-ea"/>
+        <a:cs typeface="+mn-cs"/>
+      </a:defRPr>
+    </a:lvl8pPr>
+    <a:lvl9pPr marL="3657600" algn="l" defTabSz="457200" rtl="0" eaLnBrk="1" latinLnBrk="0" hangingPunct="1">
+      <a:defRPr sz="1200" kern="1200">
+        <a:solidFill>
+          <a:schemeClr val="tx1"/>
+        </a:solidFill>
+        <a:latin typeface="+mn-lt"/>
+        <a:ea typeface="+mn-ea"/>
+        <a:cs typeface="+mn-cs"/>
+      </a:defRPr>
+    </a:lvl9pPr>
+  </p:notesStyle>
+</p:notesMaster>
+</file>
+
+<file path=ppt/notesSlides/notesSlide1.xml><?xml version="1.0" encoding="utf-8"?>
+<p:notes xmlns:a="http://schemas.openxmlformats.org/drawingml/2006/main" xmlns:r="http://schemas.openxmlformats.org/officeDocument/2006/relationships" xmlns:p="http://schemas.openxmlformats.org/presentationml/2006/main">
+  <p:cSld>
+    <p:spTree>
+      <p:nvGrpSpPr>
+        <p:cNvPr id="1" name=""/>
+        <p:cNvGrpSpPr/>
+        <p:nvPr/>
+      </p:nvGrpSpPr>
+      <p:grpSpPr>
+        <a:xfrm>
+          <a:off x="0" y="0"/>
+          <a:ext cx="0" cy="0"/>
+          <a:chOff x="0" y="0"/>
+          <a:chExt cx="0" cy="0"/>
+        </a:xfrm>
+      </p:grpSpPr>
+      <p:sp>
+        <p:nvSpPr>
+          <p:cNvPr id="2" name="Slide Image Placeholder 1"/>
+          <p:cNvSpPr>
+            <a:spLocks noGrp="1" noRot="1" noChangeAspect="1"/>
+          </p:cNvSpPr>
+          <p:nvPr>
+            <p:ph type="sldImg"/>
+          </p:nvPr>
+        </p:nvSpPr>
+        <p:spPr/>
+      </p:sp>
+      <p:sp>
+        <p:nvSpPr>
+          <p:cNvPr id="3" name="Notes Placeholder 2"/>
+          <p:cNvSpPr>
+            <a:spLocks noGrp="1"/>
+          </p:cNvSpPr>
+          <p:nvPr>
+            <p:ph type="body" idx="1"/>
+          </p:nvPr>
+        </p:nvSpPr>
+        <p:spPr/>
+        <p:txBody>
+          <a:bodyPr/>
+          <a:lstStyle/>
+          <a:p>
+            <a:r>
+              <a:rPr lang="en-US" dirty="0" err="1" smtClean="0"/>
+              <a:t>Uber</a:t>
+            </a:r>
+            <a:r>
+              <a:rPr lang="en-US" dirty="0" smtClean="0"/>
+              <a:t> or</a:t>
+            </a:r>
+            <a:r>
+              <a:rPr lang="en-US" baseline="0" dirty="0" smtClean="0"/>
+              <a:t> </a:t>
+            </a:r>
+            <a:r>
+              <a:rPr lang="en-US" baseline="0" dirty="0" err="1" smtClean="0"/>
+              <a:t>Lyft</a:t>
+            </a:r>
+            <a:r>
+              <a:rPr lang="en-US" baseline="0" dirty="0" smtClean="0"/>
+              <a:t>: Which is the better option from </a:t>
+            </a:r>
+            <a:r>
+              <a:rPr lang="en-US" baseline="0" dirty="0" err="1" smtClean="0"/>
+              <a:t>Loogwood</a:t>
+            </a:r>
+            <a:r>
+              <a:rPr lang="en-US" baseline="0" dirty="0" smtClean="0"/>
+              <a:t> to Harvard Square</a:t>
+            </a:r>
+            <a:endParaRPr lang="en-US" dirty="0"/>
+          </a:p>
+        </p:txBody>
+      </p:sp>
+      <p:sp>
+        <p:nvSpPr>
+          <p:cNvPr id="4" name="Slide Number Placeholder 3"/>
+          <p:cNvSpPr>
+            <a:spLocks noGrp="1"/>
+          </p:cNvSpPr>
+          <p:nvPr>
+            <p:ph type="sldNum" sz="quarter" idx="10"/>
+          </p:nvPr>
+        </p:nvSpPr>
+        <p:spPr/>
+        <p:txBody>
+          <a:bodyPr/>
+          <a:lstStyle/>
+          <a:p>
+            <a:fld id="{852F0A82-AFCF-AD4E-B0BE-96B91B3E53B3}" type="slidenum">
+              <a:rPr lang="en-US" smtClean="0"/>
+              <a:t>1</a:t>
+            </a:fld>
+            <a:endParaRPr lang="en-US"/>
+          </a:p>
+        </p:txBody>
+      </p:sp>
+    </p:spTree>
+    <p:extLst>
+      <p:ext uri="{BB962C8B-B14F-4D97-AF65-F5344CB8AC3E}">
+        <p14:creationId xmlns:p14="http://schemas.microsoft.com/office/powerpoint/2010/main" val="4120820001"/>
+      </p:ext>
+    </p:extLst>
+  </p:cSld>
+  <p:clrMapOvr>
+    <a:masterClrMapping/>
+  </p:clrMapOvr>
+</p:notes>
+</file>
+
+<file path=ppt/notesSlides/notesSlide10.xml><?xml version="1.0" encoding="utf-8"?>
+<p:notes xmlns:a="http://schemas.openxmlformats.org/drawingml/2006/main" xmlns:r="http://schemas.openxmlformats.org/officeDocument/2006/relationships" xmlns:p="http://schemas.openxmlformats.org/presentationml/2006/main">
+  <p:cSld>
+    <p:spTree>
+      <p:nvGrpSpPr>
+        <p:cNvPr id="1" name=""/>
+        <p:cNvGrpSpPr/>
+        <p:nvPr/>
+      </p:nvGrpSpPr>
+      <p:grpSpPr>
+        <a:xfrm>
+          <a:off x="0" y="0"/>
+          <a:ext cx="0" cy="0"/>
+          <a:chOff x="0" y="0"/>
+          <a:chExt cx="0" cy="0"/>
+        </a:xfrm>
+      </p:grpSpPr>
+      <p:sp>
+        <p:nvSpPr>
+          <p:cNvPr id="2" name="Slide Image Placeholder 1"/>
+          <p:cNvSpPr>
+            <a:spLocks noGrp="1" noRot="1" noChangeAspect="1"/>
+          </p:cNvSpPr>
+          <p:nvPr>
+            <p:ph type="sldImg"/>
+          </p:nvPr>
+        </p:nvSpPr>
+        <p:spPr/>
+      </p:sp>
+      <p:sp>
+        <p:nvSpPr>
+          <p:cNvPr id="3" name="Notes Placeholder 2"/>
+          <p:cNvSpPr>
+            <a:spLocks noGrp="1"/>
+          </p:cNvSpPr>
+          <p:nvPr>
+            <p:ph type="body" idx="1"/>
+          </p:nvPr>
+        </p:nvSpPr>
+        <p:spPr/>
+        <p:txBody>
+          <a:bodyPr/>
+          <a:lstStyle/>
+          <a:p>
+            <a:pPr marL="0" marR="0" indent="0" algn="l" defTabSz="457200" rtl="0" eaLnBrk="1" fontAlgn="auto" latinLnBrk="0" hangingPunct="1">
+              <a:lnSpc>
+                <a:spcPct val="100000"/>
+              </a:lnSpc>
+              <a:spcBef>
+                <a:spcPts val="0"/>
+              </a:spcBef>
+              <a:spcAft>
+                <a:spcPts val="0"/>
+              </a:spcAft>
+              <a:buClrTx/>
+              <a:buSzTx/>
+              <a:buFontTx/>
+              <a:buNone/>
+              <a:tabLst/>
+              <a:defRPr/>
+            </a:pPr>
+            <a:r>
+              <a:rPr lang="en-US" sz="1200" kern="1200" dirty="0" smtClean="0">
+                <a:solidFill>
+                  <a:schemeClr val="tx1"/>
+                </a:solidFill>
+                <a:latin typeface="+mn-lt"/>
+                <a:ea typeface="+mn-ea"/>
+                <a:cs typeface="+mn-cs"/>
+              </a:rPr>
+              <a:t>The histogram plot we have is the one that </a:t>
+            </a:r>
+            <a:r>
+              <a:rPr lang="en-US" sz="1200" kern="1200" dirty="0" err="1" smtClean="0">
+                <a:solidFill>
+                  <a:schemeClr val="tx1"/>
+                </a:solidFill>
+                <a:latin typeface="+mn-lt"/>
+                <a:ea typeface="+mn-ea"/>
+                <a:cs typeface="+mn-cs"/>
+              </a:rPr>
+              <a:t>descirbe</a:t>
+            </a:r>
+            <a:r>
+              <a:rPr lang="en-US" sz="1200" kern="1200" dirty="0" smtClean="0">
+                <a:solidFill>
+                  <a:schemeClr val="tx1"/>
+                </a:solidFill>
+                <a:latin typeface="+mn-lt"/>
+                <a:ea typeface="+mn-ea"/>
+                <a:cs typeface="+mn-cs"/>
+              </a:rPr>
+              <a:t> the distribution of wait time by two service during the morning and evening rush hour. As we can saw from the plot, during the morning rush hour, the distribution of wait time for </a:t>
+            </a:r>
+            <a:r>
+              <a:rPr lang="en-US" sz="1200" kern="1200" dirty="0" err="1" smtClean="0">
+                <a:solidFill>
+                  <a:schemeClr val="tx1"/>
+                </a:solidFill>
+                <a:latin typeface="+mn-lt"/>
+                <a:ea typeface="+mn-ea"/>
+                <a:cs typeface="+mn-cs"/>
+              </a:rPr>
+              <a:t>Lyft</a:t>
+            </a:r>
+            <a:r>
+              <a:rPr lang="en-US" sz="1200" kern="1200" dirty="0" smtClean="0">
+                <a:solidFill>
+                  <a:schemeClr val="tx1"/>
+                </a:solidFill>
+                <a:latin typeface="+mn-lt"/>
+                <a:ea typeface="+mn-ea"/>
+                <a:cs typeface="+mn-cs"/>
+              </a:rPr>
+              <a:t> and </a:t>
+            </a:r>
+            <a:r>
+              <a:rPr lang="en-US" sz="1200" kern="1200" dirty="0" err="1" smtClean="0">
+                <a:solidFill>
+                  <a:schemeClr val="tx1"/>
+                </a:solidFill>
+                <a:latin typeface="+mn-lt"/>
+                <a:ea typeface="+mn-ea"/>
+                <a:cs typeface="+mn-cs"/>
+              </a:rPr>
+              <a:t>uber</a:t>
+            </a:r>
+            <a:r>
+              <a:rPr lang="en-US" sz="1200" kern="1200" dirty="0" smtClean="0">
+                <a:solidFill>
+                  <a:schemeClr val="tx1"/>
+                </a:solidFill>
+                <a:latin typeface="+mn-lt"/>
+                <a:ea typeface="+mn-ea"/>
+                <a:cs typeface="+mn-cs"/>
+              </a:rPr>
+              <a:t> are all right skew. During the evening rush hour, the distribution of wait time for </a:t>
+            </a:r>
+            <a:r>
+              <a:rPr lang="en-US" sz="1200" kern="1200" dirty="0" err="1" smtClean="0">
+                <a:solidFill>
+                  <a:schemeClr val="tx1"/>
+                </a:solidFill>
+                <a:latin typeface="+mn-lt"/>
+                <a:ea typeface="+mn-ea"/>
+                <a:cs typeface="+mn-cs"/>
+              </a:rPr>
+              <a:t>Lyft</a:t>
+            </a:r>
+            <a:r>
+              <a:rPr lang="en-US" sz="1200" kern="1200" dirty="0" smtClean="0">
+                <a:solidFill>
+                  <a:schemeClr val="tx1"/>
+                </a:solidFill>
+                <a:latin typeface="+mn-lt"/>
+                <a:ea typeface="+mn-ea"/>
+                <a:cs typeface="+mn-cs"/>
+              </a:rPr>
+              <a:t> is normally distributed, but the distribution of wait time for </a:t>
+            </a:r>
+            <a:r>
+              <a:rPr lang="en-US" sz="1200" kern="1200" dirty="0" err="1" smtClean="0">
+                <a:solidFill>
+                  <a:schemeClr val="tx1"/>
+                </a:solidFill>
+                <a:latin typeface="+mn-lt"/>
+                <a:ea typeface="+mn-ea"/>
+                <a:cs typeface="+mn-cs"/>
+              </a:rPr>
+              <a:t>uber</a:t>
+            </a:r>
+            <a:r>
+              <a:rPr lang="en-US" sz="1200" kern="1200" dirty="0" smtClean="0">
+                <a:solidFill>
+                  <a:schemeClr val="tx1"/>
+                </a:solidFill>
+                <a:latin typeface="+mn-lt"/>
+                <a:ea typeface="+mn-ea"/>
+                <a:cs typeface="+mn-cs"/>
+              </a:rPr>
+              <a:t> is still right skew.</a:t>
+            </a:r>
+          </a:p>
+          <a:p>
+            <a:endParaRPr lang="en-US" dirty="0"/>
+          </a:p>
+        </p:txBody>
+      </p:sp>
+      <p:sp>
+        <p:nvSpPr>
+          <p:cNvPr id="4" name="Slide Number Placeholder 3"/>
+          <p:cNvSpPr>
+            <a:spLocks noGrp="1"/>
+          </p:cNvSpPr>
+          <p:nvPr>
+            <p:ph type="sldNum" sz="quarter" idx="10"/>
+          </p:nvPr>
+        </p:nvSpPr>
+        <p:spPr/>
+        <p:txBody>
+          <a:bodyPr/>
+          <a:lstStyle/>
+          <a:p>
+            <a:fld id="{852F0A82-AFCF-AD4E-B0BE-96B91B3E53B3}" type="slidenum">
+              <a:rPr lang="en-US" smtClean="0"/>
+              <a:t>10</a:t>
+            </a:fld>
+            <a:endParaRPr lang="en-US"/>
+          </a:p>
+        </p:txBody>
+      </p:sp>
+    </p:spTree>
+    <p:extLst>
+      <p:ext uri="{BB962C8B-B14F-4D97-AF65-F5344CB8AC3E}">
+        <p14:creationId xmlns:p14="http://schemas.microsoft.com/office/powerpoint/2010/main" val="238993054"/>
+      </p:ext>
+    </p:extLst>
+  </p:cSld>
+  <p:clrMapOvr>
+    <a:masterClrMapping/>
+  </p:clrMapOvr>
+</p:notes>
+</file>
+
+<file path=ppt/notesSlides/notesSlide11.xml><?xml version="1.0" encoding="utf-8"?>
+<p:notes xmlns:a="http://schemas.openxmlformats.org/drawingml/2006/main" xmlns:r="http://schemas.openxmlformats.org/officeDocument/2006/relationships" xmlns:p="http://schemas.openxmlformats.org/presentationml/2006/main">
+  <p:cSld>
+    <p:spTree>
+      <p:nvGrpSpPr>
+        <p:cNvPr id="1" name=""/>
+        <p:cNvGrpSpPr/>
+        <p:nvPr/>
+      </p:nvGrpSpPr>
+      <p:grpSpPr>
+        <a:xfrm>
+          <a:off x="0" y="0"/>
+          <a:ext cx="0" cy="0"/>
+          <a:chOff x="0" y="0"/>
+          <a:chExt cx="0" cy="0"/>
+        </a:xfrm>
+      </p:grpSpPr>
+      <p:sp>
+        <p:nvSpPr>
+          <p:cNvPr id="2" name="Slide Image Placeholder 1"/>
+          <p:cNvSpPr>
+            <a:spLocks noGrp="1" noRot="1" noChangeAspect="1"/>
+          </p:cNvSpPr>
+          <p:nvPr>
+            <p:ph type="sldImg"/>
+          </p:nvPr>
+        </p:nvSpPr>
+        <p:spPr/>
+      </p:sp>
+      <p:sp>
+        <p:nvSpPr>
+          <p:cNvPr id="3" name="Notes Placeholder 2"/>
+          <p:cNvSpPr>
+            <a:spLocks noGrp="1"/>
+          </p:cNvSpPr>
+          <p:nvPr>
+            <p:ph type="body" idx="1"/>
+          </p:nvPr>
+        </p:nvSpPr>
+        <p:spPr/>
+        <p:txBody>
+          <a:bodyPr/>
+          <a:lstStyle/>
+          <a:p>
+            <a:r>
+              <a:rPr lang="en-US" sz="1200" kern="1200" dirty="0" smtClean="0">
+                <a:solidFill>
+                  <a:schemeClr val="tx1"/>
+                </a:solidFill>
+                <a:latin typeface="+mn-lt"/>
+                <a:ea typeface="+mn-ea"/>
+                <a:cs typeface="+mn-cs"/>
+              </a:rPr>
+              <a:t>The plot we have below is the one that compare the price for two service during the morning rush hour. We can find that </a:t>
+            </a:r>
+            <a:r>
+              <a:rPr lang="en-US" sz="1200" kern="1200" dirty="0" err="1" smtClean="0">
+                <a:solidFill>
+                  <a:schemeClr val="tx1"/>
+                </a:solidFill>
+                <a:latin typeface="+mn-lt"/>
+                <a:ea typeface="+mn-ea"/>
+                <a:cs typeface="+mn-cs"/>
+              </a:rPr>
+              <a:t>Lyft</a:t>
+            </a:r>
+            <a:r>
+              <a:rPr lang="en-US" sz="1200" kern="1200" dirty="0" smtClean="0">
+                <a:solidFill>
+                  <a:schemeClr val="tx1"/>
+                </a:solidFill>
+                <a:latin typeface="+mn-lt"/>
+                <a:ea typeface="+mn-ea"/>
+                <a:cs typeface="+mn-cs"/>
+              </a:rPr>
+              <a:t> is cheaper than </a:t>
+            </a:r>
+            <a:r>
+              <a:rPr lang="en-US" sz="1200" kern="1200" dirty="0" err="1" smtClean="0">
+                <a:solidFill>
+                  <a:schemeClr val="tx1"/>
+                </a:solidFill>
+                <a:latin typeface="+mn-lt"/>
+                <a:ea typeface="+mn-ea"/>
+                <a:cs typeface="+mn-cs"/>
+              </a:rPr>
+              <a:t>Uber</a:t>
+            </a:r>
+            <a:r>
+              <a:rPr lang="en-US" sz="1200" kern="1200" dirty="0" smtClean="0">
+                <a:solidFill>
+                  <a:schemeClr val="tx1"/>
+                </a:solidFill>
+                <a:latin typeface="+mn-lt"/>
+                <a:ea typeface="+mn-ea"/>
+                <a:cs typeface="+mn-cs"/>
+              </a:rPr>
+              <a:t> for most of time. But for both of </a:t>
+            </a:r>
+            <a:r>
+              <a:rPr lang="en-US" sz="1200" kern="1200" dirty="0" err="1" smtClean="0">
+                <a:solidFill>
+                  <a:schemeClr val="tx1"/>
+                </a:solidFill>
+                <a:latin typeface="+mn-lt"/>
+                <a:ea typeface="+mn-ea"/>
+                <a:cs typeface="+mn-cs"/>
+              </a:rPr>
+              <a:t>Lyft</a:t>
+            </a:r>
+            <a:r>
+              <a:rPr lang="en-US" sz="1200" kern="1200" dirty="0" smtClean="0">
+                <a:solidFill>
+                  <a:schemeClr val="tx1"/>
+                </a:solidFill>
+                <a:latin typeface="+mn-lt"/>
+                <a:ea typeface="+mn-ea"/>
+                <a:cs typeface="+mn-cs"/>
+              </a:rPr>
+              <a:t> and </a:t>
+            </a:r>
+            <a:r>
+              <a:rPr lang="en-US" sz="1200" kern="1200" dirty="0" err="1" smtClean="0">
+                <a:solidFill>
+                  <a:schemeClr val="tx1"/>
+                </a:solidFill>
+                <a:latin typeface="+mn-lt"/>
+                <a:ea typeface="+mn-ea"/>
+                <a:cs typeface="+mn-cs"/>
+              </a:rPr>
+              <a:t>uber</a:t>
+            </a:r>
+            <a:r>
+              <a:rPr lang="en-US" sz="1200" kern="1200" dirty="0" smtClean="0">
+                <a:solidFill>
+                  <a:schemeClr val="tx1"/>
+                </a:solidFill>
+                <a:latin typeface="+mn-lt"/>
+                <a:ea typeface="+mn-ea"/>
+                <a:cs typeface="+mn-cs"/>
+              </a:rPr>
+              <a:t>, they did have some higher price outliers.</a:t>
+            </a:r>
+            <a:endParaRPr lang="en-US" dirty="0"/>
+          </a:p>
+        </p:txBody>
+      </p:sp>
+      <p:sp>
+        <p:nvSpPr>
+          <p:cNvPr id="4" name="Slide Number Placeholder 3"/>
+          <p:cNvSpPr>
+            <a:spLocks noGrp="1"/>
+          </p:cNvSpPr>
+          <p:nvPr>
+            <p:ph type="sldNum" sz="quarter" idx="10"/>
+          </p:nvPr>
+        </p:nvSpPr>
+        <p:spPr/>
+        <p:txBody>
+          <a:bodyPr/>
+          <a:lstStyle/>
+          <a:p>
+            <a:fld id="{852F0A82-AFCF-AD4E-B0BE-96B91B3E53B3}" type="slidenum">
+              <a:rPr lang="en-US" smtClean="0"/>
+              <a:t>11</a:t>
+            </a:fld>
+            <a:endParaRPr lang="en-US"/>
+          </a:p>
+        </p:txBody>
+      </p:sp>
+    </p:spTree>
+    <p:extLst>
+      <p:ext uri="{BB962C8B-B14F-4D97-AF65-F5344CB8AC3E}">
+        <p14:creationId xmlns:p14="http://schemas.microsoft.com/office/powerpoint/2010/main" val="3349396270"/>
+      </p:ext>
+    </p:extLst>
+  </p:cSld>
+  <p:clrMapOvr>
+    <a:masterClrMapping/>
+  </p:clrMapOvr>
+</p:notes>
+</file>
+
+<file path=ppt/notesSlides/notesSlide12.xml><?xml version="1.0" encoding="utf-8"?>
+<p:notes xmlns:a="http://schemas.openxmlformats.org/drawingml/2006/main" xmlns:r="http://schemas.openxmlformats.org/officeDocument/2006/relationships" xmlns:p="http://schemas.openxmlformats.org/presentationml/2006/main">
+  <p:cSld>
+    <p:spTree>
+      <p:nvGrpSpPr>
+        <p:cNvPr id="1" name=""/>
+        <p:cNvGrpSpPr/>
+        <p:nvPr/>
+      </p:nvGrpSpPr>
+      <p:grpSpPr>
+        <a:xfrm>
+          <a:off x="0" y="0"/>
+          <a:ext cx="0" cy="0"/>
+          <a:chOff x="0" y="0"/>
+          <a:chExt cx="0" cy="0"/>
+        </a:xfrm>
+      </p:grpSpPr>
+      <p:sp>
+        <p:nvSpPr>
+          <p:cNvPr id="2" name="Slide Image Placeholder 1"/>
+          <p:cNvSpPr>
+            <a:spLocks noGrp="1" noRot="1" noChangeAspect="1"/>
+          </p:cNvSpPr>
+          <p:nvPr>
+            <p:ph type="sldImg"/>
+          </p:nvPr>
+        </p:nvSpPr>
+        <p:spPr/>
+      </p:sp>
+      <p:sp>
+        <p:nvSpPr>
+          <p:cNvPr id="3" name="Notes Placeholder 2"/>
+          <p:cNvSpPr>
+            <a:spLocks noGrp="1"/>
+          </p:cNvSpPr>
+          <p:nvPr>
+            <p:ph type="body" idx="1"/>
+          </p:nvPr>
+        </p:nvSpPr>
+        <p:spPr/>
+        <p:txBody>
+          <a:bodyPr/>
+          <a:lstStyle/>
+          <a:p>
+            <a:r>
+              <a:rPr lang="en-US" sz="1200" kern="1200" dirty="0" smtClean="0">
+                <a:solidFill>
+                  <a:schemeClr val="tx1"/>
+                </a:solidFill>
+                <a:latin typeface="+mn-lt"/>
+                <a:ea typeface="+mn-ea"/>
+                <a:cs typeface="+mn-cs"/>
+              </a:rPr>
+              <a:t>The plot we have below is the one that compare the price for two service during the evening rush hour. We can find the price between the </a:t>
+            </a:r>
+            <a:r>
+              <a:rPr lang="en-US" sz="1200" kern="1200" dirty="0" err="1" smtClean="0">
+                <a:solidFill>
+                  <a:schemeClr val="tx1"/>
+                </a:solidFill>
+                <a:latin typeface="+mn-lt"/>
+                <a:ea typeface="+mn-ea"/>
+                <a:cs typeface="+mn-cs"/>
+              </a:rPr>
+              <a:t>Lyft</a:t>
+            </a:r>
+            <a:r>
+              <a:rPr lang="en-US" sz="1200" kern="1200" dirty="0" smtClean="0">
+                <a:solidFill>
+                  <a:schemeClr val="tx1"/>
+                </a:solidFill>
+                <a:latin typeface="+mn-lt"/>
+                <a:ea typeface="+mn-ea"/>
+                <a:cs typeface="+mn-cs"/>
+              </a:rPr>
+              <a:t> and </a:t>
+            </a:r>
+            <a:r>
+              <a:rPr lang="en-US" sz="1200" kern="1200" dirty="0" err="1" smtClean="0">
+                <a:solidFill>
+                  <a:schemeClr val="tx1"/>
+                </a:solidFill>
+                <a:latin typeface="+mn-lt"/>
+                <a:ea typeface="+mn-ea"/>
+                <a:cs typeface="+mn-cs"/>
+              </a:rPr>
+              <a:t>uber</a:t>
+            </a:r>
+            <a:r>
+              <a:rPr lang="en-US" sz="1200" kern="1200" dirty="0" smtClean="0">
+                <a:solidFill>
+                  <a:schemeClr val="tx1"/>
+                </a:solidFill>
+                <a:latin typeface="+mn-lt"/>
+                <a:ea typeface="+mn-ea"/>
+                <a:cs typeface="+mn-cs"/>
+              </a:rPr>
+              <a:t> is similar. We can the cost of </a:t>
+            </a:r>
+            <a:r>
+              <a:rPr lang="en-US" sz="1200" kern="1200" dirty="0" err="1" smtClean="0">
+                <a:solidFill>
+                  <a:schemeClr val="tx1"/>
+                </a:solidFill>
+                <a:latin typeface="+mn-lt"/>
+                <a:ea typeface="+mn-ea"/>
+                <a:cs typeface="+mn-cs"/>
+              </a:rPr>
+              <a:t>lyft</a:t>
+            </a:r>
+            <a:r>
+              <a:rPr lang="en-US" sz="1200" kern="1200" dirty="0" smtClean="0">
+                <a:solidFill>
+                  <a:schemeClr val="tx1"/>
+                </a:solidFill>
+                <a:latin typeface="+mn-lt"/>
+                <a:ea typeface="+mn-ea"/>
+                <a:cs typeface="+mn-cs"/>
+              </a:rPr>
+              <a:t> and </a:t>
+            </a:r>
+            <a:r>
+              <a:rPr lang="en-US" sz="1200" kern="1200" dirty="0" err="1" smtClean="0">
+                <a:solidFill>
+                  <a:schemeClr val="tx1"/>
+                </a:solidFill>
+                <a:latin typeface="+mn-lt"/>
+                <a:ea typeface="+mn-ea"/>
+                <a:cs typeface="+mn-cs"/>
+              </a:rPr>
+              <a:t>uber</a:t>
+            </a:r>
+            <a:r>
+              <a:rPr lang="en-US" sz="1200" kern="1200" dirty="0" smtClean="0">
+                <a:solidFill>
+                  <a:schemeClr val="tx1"/>
+                </a:solidFill>
+                <a:latin typeface="+mn-lt"/>
+                <a:ea typeface="+mn-ea"/>
+                <a:cs typeface="+mn-cs"/>
+              </a:rPr>
+              <a:t> is kind of mixed with each other. However, we can still see the </a:t>
+            </a:r>
+            <a:r>
+              <a:rPr lang="en-US" sz="1200" kern="1200" dirty="0" err="1" smtClean="0">
+                <a:solidFill>
+                  <a:schemeClr val="tx1"/>
+                </a:solidFill>
+                <a:latin typeface="+mn-lt"/>
+                <a:ea typeface="+mn-ea"/>
+                <a:cs typeface="+mn-cs"/>
+              </a:rPr>
+              <a:t>bottome</a:t>
+            </a:r>
+            <a:r>
+              <a:rPr lang="en-US" sz="1200" kern="1200" dirty="0" smtClean="0">
+                <a:solidFill>
+                  <a:schemeClr val="tx1"/>
+                </a:solidFill>
+                <a:latin typeface="+mn-lt"/>
+                <a:ea typeface="+mn-ea"/>
+                <a:cs typeface="+mn-cs"/>
+              </a:rPr>
+              <a:t> line (lower cost) in </a:t>
+            </a:r>
+            <a:r>
+              <a:rPr lang="en-US" sz="1200" kern="1200" dirty="0" err="1" smtClean="0">
+                <a:solidFill>
+                  <a:schemeClr val="tx1"/>
+                </a:solidFill>
+                <a:latin typeface="+mn-lt"/>
+                <a:ea typeface="+mn-ea"/>
+                <a:cs typeface="+mn-cs"/>
+              </a:rPr>
+              <a:t>thsi</a:t>
+            </a:r>
+            <a:r>
+              <a:rPr lang="en-US" sz="1200" kern="1200" dirty="0" smtClean="0">
+                <a:solidFill>
+                  <a:schemeClr val="tx1"/>
+                </a:solidFill>
+                <a:latin typeface="+mn-lt"/>
+                <a:ea typeface="+mn-ea"/>
+                <a:cs typeface="+mn-cs"/>
+              </a:rPr>
+              <a:t> plot still shows that </a:t>
+            </a:r>
+            <a:r>
+              <a:rPr lang="en-US" sz="1200" kern="1200" dirty="0" err="1" smtClean="0">
+                <a:solidFill>
+                  <a:schemeClr val="tx1"/>
+                </a:solidFill>
+                <a:latin typeface="+mn-lt"/>
+                <a:ea typeface="+mn-ea"/>
+                <a:cs typeface="+mn-cs"/>
+              </a:rPr>
+              <a:t>Lyft</a:t>
+            </a:r>
+            <a:r>
+              <a:rPr lang="en-US" sz="1200" kern="1200" dirty="0" smtClean="0">
+                <a:solidFill>
+                  <a:schemeClr val="tx1"/>
+                </a:solidFill>
+                <a:latin typeface="+mn-lt"/>
+                <a:ea typeface="+mn-ea"/>
+                <a:cs typeface="+mn-cs"/>
+              </a:rPr>
+              <a:t> have a lower price.</a:t>
+            </a:r>
+            <a:endParaRPr lang="en-US" dirty="0"/>
+          </a:p>
+        </p:txBody>
+      </p:sp>
+      <p:sp>
+        <p:nvSpPr>
+          <p:cNvPr id="4" name="Slide Number Placeholder 3"/>
+          <p:cNvSpPr>
+            <a:spLocks noGrp="1"/>
+          </p:cNvSpPr>
+          <p:nvPr>
+            <p:ph type="sldNum" sz="quarter" idx="10"/>
+          </p:nvPr>
+        </p:nvSpPr>
+        <p:spPr/>
+        <p:txBody>
+          <a:bodyPr/>
+          <a:lstStyle/>
+          <a:p>
+            <a:fld id="{852F0A82-AFCF-AD4E-B0BE-96B91B3E53B3}" type="slidenum">
+              <a:rPr lang="en-US" smtClean="0"/>
+              <a:t>12</a:t>
+            </a:fld>
+            <a:endParaRPr lang="en-US"/>
+          </a:p>
+        </p:txBody>
+      </p:sp>
+    </p:spTree>
+    <p:extLst>
+      <p:ext uri="{BB962C8B-B14F-4D97-AF65-F5344CB8AC3E}">
+        <p14:creationId xmlns:p14="http://schemas.microsoft.com/office/powerpoint/2010/main" val="440969054"/>
+      </p:ext>
+    </p:extLst>
+  </p:cSld>
+  <p:clrMapOvr>
+    <a:masterClrMapping/>
+  </p:clrMapOvr>
+</p:notes>
+</file>
+
+<file path=ppt/notesSlides/notesSlide13.xml><?xml version="1.0" encoding="utf-8"?>
+<p:notes xmlns:a="http://schemas.openxmlformats.org/drawingml/2006/main" xmlns:r="http://schemas.openxmlformats.org/officeDocument/2006/relationships" xmlns:p="http://schemas.openxmlformats.org/presentationml/2006/main">
+  <p:cSld>
+    <p:spTree>
+      <p:nvGrpSpPr>
+        <p:cNvPr id="1" name=""/>
+        <p:cNvGrpSpPr/>
+        <p:nvPr/>
+      </p:nvGrpSpPr>
+      <p:grpSpPr>
+        <a:xfrm>
+          <a:off x="0" y="0"/>
+          <a:ext cx="0" cy="0"/>
+          <a:chOff x="0" y="0"/>
+          <a:chExt cx="0" cy="0"/>
+        </a:xfrm>
+      </p:grpSpPr>
+      <p:sp>
+        <p:nvSpPr>
+          <p:cNvPr id="2" name="Slide Image Placeholder 1"/>
+          <p:cNvSpPr>
+            <a:spLocks noGrp="1" noRot="1" noChangeAspect="1"/>
+          </p:cNvSpPr>
+          <p:nvPr>
+            <p:ph type="sldImg"/>
+          </p:nvPr>
+        </p:nvSpPr>
+        <p:spPr/>
+      </p:sp>
+      <p:sp>
+        <p:nvSpPr>
+          <p:cNvPr id="3" name="Notes Placeholder 2"/>
+          <p:cNvSpPr>
+            <a:spLocks noGrp="1"/>
+          </p:cNvSpPr>
+          <p:nvPr>
+            <p:ph type="body" idx="1"/>
+          </p:nvPr>
+        </p:nvSpPr>
+        <p:spPr/>
+        <p:txBody>
+          <a:bodyPr/>
+          <a:lstStyle/>
+          <a:p>
+            <a:r>
+              <a:rPr lang="en-US" sz="1200" kern="1200" dirty="0" smtClean="0">
+                <a:solidFill>
+                  <a:schemeClr val="tx1"/>
+                </a:solidFill>
+                <a:latin typeface="+mn-lt"/>
+                <a:ea typeface="+mn-ea"/>
+                <a:cs typeface="+mn-cs"/>
+              </a:rPr>
+              <a:t>The plot we have is the one that describe the cost </a:t>
+            </a:r>
+            <a:r>
+              <a:rPr lang="en-US" sz="1200" kern="1200" dirty="0" err="1" smtClean="0">
+                <a:solidFill>
+                  <a:schemeClr val="tx1"/>
+                </a:solidFill>
+                <a:latin typeface="+mn-lt"/>
+                <a:ea typeface="+mn-ea"/>
+                <a:cs typeface="+mn-cs"/>
+              </a:rPr>
+              <a:t>vs</a:t>
+            </a:r>
+            <a:r>
+              <a:rPr lang="en-US" sz="1200" kern="1200" dirty="0" smtClean="0">
+                <a:solidFill>
+                  <a:schemeClr val="tx1"/>
+                </a:solidFill>
+                <a:latin typeface="+mn-lt"/>
+                <a:ea typeface="+mn-ea"/>
+                <a:cs typeface="+mn-cs"/>
+              </a:rPr>
+              <a:t> total duration by two service. We can see from the plot that </a:t>
+            </a:r>
+            <a:r>
+              <a:rPr lang="en-US" sz="1200" kern="1200" dirty="0" err="1" smtClean="0">
+                <a:solidFill>
+                  <a:schemeClr val="tx1"/>
+                </a:solidFill>
+                <a:latin typeface="+mn-lt"/>
+                <a:ea typeface="+mn-ea"/>
+                <a:cs typeface="+mn-cs"/>
+              </a:rPr>
+              <a:t>Uber</a:t>
+            </a:r>
+            <a:r>
+              <a:rPr lang="en-US" sz="1200" kern="1200" dirty="0" smtClean="0">
+                <a:solidFill>
+                  <a:schemeClr val="tx1"/>
+                </a:solidFill>
+                <a:latin typeface="+mn-lt"/>
+                <a:ea typeface="+mn-ea"/>
+                <a:cs typeface="+mn-cs"/>
+              </a:rPr>
+              <a:t> has several highest cost outliers compared with </a:t>
+            </a:r>
+            <a:r>
+              <a:rPr lang="en-US" sz="1200" kern="1200" dirty="0" err="1" smtClean="0">
+                <a:solidFill>
+                  <a:schemeClr val="tx1"/>
+                </a:solidFill>
+                <a:latin typeface="+mn-lt"/>
+                <a:ea typeface="+mn-ea"/>
+                <a:cs typeface="+mn-cs"/>
+              </a:rPr>
+              <a:t>Lyft</a:t>
+            </a:r>
+            <a:r>
+              <a:rPr lang="en-US" sz="1200" kern="1200" dirty="0" smtClean="0">
+                <a:solidFill>
+                  <a:schemeClr val="tx1"/>
+                </a:solidFill>
+                <a:latin typeface="+mn-lt"/>
+                <a:ea typeface="+mn-ea"/>
+                <a:cs typeface="+mn-cs"/>
+              </a:rPr>
+              <a:t>. Overall </a:t>
+            </a:r>
+            <a:r>
+              <a:rPr lang="en-US" sz="1200" kern="1200" dirty="0" err="1" smtClean="0">
+                <a:solidFill>
+                  <a:schemeClr val="tx1"/>
+                </a:solidFill>
+                <a:latin typeface="+mn-lt"/>
+                <a:ea typeface="+mn-ea"/>
+                <a:cs typeface="+mn-cs"/>
+              </a:rPr>
+              <a:t>lyft</a:t>
+            </a:r>
+            <a:r>
+              <a:rPr lang="en-US" sz="1200" kern="1200" dirty="0" smtClean="0">
+                <a:solidFill>
+                  <a:schemeClr val="tx1"/>
+                </a:solidFill>
+                <a:latin typeface="+mn-lt"/>
+                <a:ea typeface="+mn-ea"/>
+                <a:cs typeface="+mn-cs"/>
+              </a:rPr>
+              <a:t> has a lower price than </a:t>
+            </a:r>
+            <a:r>
+              <a:rPr lang="en-US" sz="1200" kern="1200" dirty="0" err="1" smtClean="0">
+                <a:solidFill>
+                  <a:schemeClr val="tx1"/>
+                </a:solidFill>
+                <a:latin typeface="+mn-lt"/>
+                <a:ea typeface="+mn-ea"/>
+                <a:cs typeface="+mn-cs"/>
+              </a:rPr>
+              <a:t>uber</a:t>
+            </a:r>
+            <a:r>
+              <a:rPr lang="en-US" sz="1200" kern="1200" dirty="0" smtClean="0">
+                <a:solidFill>
+                  <a:schemeClr val="tx1"/>
+                </a:solidFill>
+                <a:latin typeface="+mn-lt"/>
+                <a:ea typeface="+mn-ea"/>
+                <a:cs typeface="+mn-cs"/>
+              </a:rPr>
+              <a:t>.</a:t>
+            </a:r>
+            <a:endParaRPr lang="en-US" dirty="0"/>
+          </a:p>
+        </p:txBody>
+      </p:sp>
+      <p:sp>
+        <p:nvSpPr>
+          <p:cNvPr id="4" name="Slide Number Placeholder 3"/>
+          <p:cNvSpPr>
+            <a:spLocks noGrp="1"/>
+          </p:cNvSpPr>
+          <p:nvPr>
+            <p:ph type="sldNum" sz="quarter" idx="10"/>
+          </p:nvPr>
+        </p:nvSpPr>
+        <p:spPr/>
+        <p:txBody>
+          <a:bodyPr/>
+          <a:lstStyle/>
+          <a:p>
+            <a:fld id="{852F0A82-AFCF-AD4E-B0BE-96B91B3E53B3}" type="slidenum">
+              <a:rPr lang="en-US" smtClean="0"/>
+              <a:t>13</a:t>
+            </a:fld>
+            <a:endParaRPr lang="en-US"/>
+          </a:p>
+        </p:txBody>
+      </p:sp>
+    </p:spTree>
+    <p:extLst>
+      <p:ext uri="{BB962C8B-B14F-4D97-AF65-F5344CB8AC3E}">
+        <p14:creationId xmlns:p14="http://schemas.microsoft.com/office/powerpoint/2010/main" val="349122167"/>
+      </p:ext>
+    </p:extLst>
+  </p:cSld>
+  <p:clrMapOvr>
+    <a:masterClrMapping/>
+  </p:clrMapOvr>
+</p:notes>
+</file>
+
+<file path=ppt/notesSlides/notesSlide14.xml><?xml version="1.0" encoding="utf-8"?>
+<p:notes xmlns:a="http://schemas.openxmlformats.org/drawingml/2006/main" xmlns:r="http://schemas.openxmlformats.org/officeDocument/2006/relationships" xmlns:p="http://schemas.openxmlformats.org/presentationml/2006/main">
+  <p:cSld>
+    <p:spTree>
+      <p:nvGrpSpPr>
+        <p:cNvPr id="1" name=""/>
+        <p:cNvGrpSpPr/>
+        <p:nvPr/>
+      </p:nvGrpSpPr>
+      <p:grpSpPr>
+        <a:xfrm>
+          <a:off x="0" y="0"/>
+          <a:ext cx="0" cy="0"/>
+          <a:chOff x="0" y="0"/>
+          <a:chExt cx="0" cy="0"/>
+        </a:xfrm>
+      </p:grpSpPr>
+      <p:sp>
+        <p:nvSpPr>
+          <p:cNvPr id="2" name="Slide Image Placeholder 1"/>
+          <p:cNvSpPr>
+            <a:spLocks noGrp="1" noRot="1" noChangeAspect="1"/>
+          </p:cNvSpPr>
+          <p:nvPr>
+            <p:ph type="sldImg"/>
+          </p:nvPr>
+        </p:nvSpPr>
+        <p:spPr/>
+      </p:sp>
+      <p:sp>
+        <p:nvSpPr>
+          <p:cNvPr id="3" name="Notes Placeholder 2"/>
+          <p:cNvSpPr>
+            <a:spLocks noGrp="1"/>
+          </p:cNvSpPr>
+          <p:nvPr>
+            <p:ph type="body" idx="1"/>
+          </p:nvPr>
+        </p:nvSpPr>
+        <p:spPr/>
+        <p:txBody>
+          <a:bodyPr/>
+          <a:lstStyle/>
+          <a:p>
+            <a:r>
+              <a:rPr lang="en-US" sz="1200" kern="1200" dirty="0" smtClean="0">
+                <a:solidFill>
+                  <a:schemeClr val="tx1"/>
+                </a:solidFill>
+                <a:latin typeface="+mn-lt"/>
+                <a:ea typeface="+mn-ea"/>
+                <a:cs typeface="+mn-cs"/>
+              </a:rPr>
+              <a:t>The plot we have below is the one that describe the cost </a:t>
+            </a:r>
+            <a:r>
+              <a:rPr lang="en-US" sz="1200" kern="1200" dirty="0" err="1" smtClean="0">
+                <a:solidFill>
+                  <a:schemeClr val="tx1"/>
+                </a:solidFill>
+                <a:latin typeface="+mn-lt"/>
+                <a:ea typeface="+mn-ea"/>
+                <a:cs typeface="+mn-cs"/>
+              </a:rPr>
+              <a:t>vs</a:t>
+            </a:r>
+            <a:r>
+              <a:rPr lang="en-US" sz="1200" kern="1200" dirty="0" smtClean="0">
+                <a:solidFill>
+                  <a:schemeClr val="tx1"/>
+                </a:solidFill>
+                <a:latin typeface="+mn-lt"/>
+                <a:ea typeface="+mn-ea"/>
+                <a:cs typeface="+mn-cs"/>
+              </a:rPr>
+              <a:t> total duration by two service. We use morning and evening rush hour to better interpret the </a:t>
+            </a:r>
+            <a:r>
+              <a:rPr lang="en-US" sz="1200" kern="1200" dirty="0" err="1" smtClean="0">
+                <a:solidFill>
+                  <a:schemeClr val="tx1"/>
+                </a:solidFill>
+                <a:latin typeface="+mn-lt"/>
+                <a:ea typeface="+mn-ea"/>
+                <a:cs typeface="+mn-cs"/>
+              </a:rPr>
+              <a:t>trand</a:t>
+            </a:r>
+            <a:r>
+              <a:rPr lang="en-US" sz="1200" kern="1200" dirty="0" smtClean="0">
+                <a:solidFill>
+                  <a:schemeClr val="tx1"/>
+                </a:solidFill>
+                <a:latin typeface="+mn-lt"/>
+                <a:ea typeface="+mn-ea"/>
+                <a:cs typeface="+mn-cs"/>
+              </a:rPr>
+              <a:t> of cost for two service. This plot also shows that </a:t>
+            </a:r>
+            <a:r>
+              <a:rPr lang="en-US" sz="1200" kern="1200" dirty="0" err="1" smtClean="0">
+                <a:solidFill>
+                  <a:schemeClr val="tx1"/>
+                </a:solidFill>
+                <a:latin typeface="+mn-lt"/>
+                <a:ea typeface="+mn-ea"/>
+                <a:cs typeface="+mn-cs"/>
+              </a:rPr>
+              <a:t>Uber</a:t>
+            </a:r>
+            <a:r>
+              <a:rPr lang="en-US" sz="1200" kern="1200" dirty="0" smtClean="0">
+                <a:solidFill>
+                  <a:schemeClr val="tx1"/>
+                </a:solidFill>
+                <a:latin typeface="+mn-lt"/>
+                <a:ea typeface="+mn-ea"/>
+                <a:cs typeface="+mn-cs"/>
+              </a:rPr>
+              <a:t> has several highest cost outliers compared with </a:t>
+            </a:r>
+            <a:r>
+              <a:rPr lang="en-US" sz="1200" kern="1200" dirty="0" err="1" smtClean="0">
+                <a:solidFill>
+                  <a:schemeClr val="tx1"/>
+                </a:solidFill>
+                <a:latin typeface="+mn-lt"/>
+                <a:ea typeface="+mn-ea"/>
+                <a:cs typeface="+mn-cs"/>
+              </a:rPr>
+              <a:t>Lyft</a:t>
+            </a:r>
+            <a:r>
+              <a:rPr lang="en-US" sz="1200" kern="1200" dirty="0" smtClean="0">
+                <a:solidFill>
+                  <a:schemeClr val="tx1"/>
+                </a:solidFill>
+                <a:latin typeface="+mn-lt"/>
+                <a:ea typeface="+mn-ea"/>
+                <a:cs typeface="+mn-cs"/>
+              </a:rPr>
+              <a:t>, especially </a:t>
+            </a:r>
+            <a:r>
+              <a:rPr lang="en-US" sz="1200" kern="1200" dirty="0" err="1" smtClean="0">
+                <a:solidFill>
+                  <a:schemeClr val="tx1"/>
+                </a:solidFill>
+                <a:latin typeface="+mn-lt"/>
+                <a:ea typeface="+mn-ea"/>
+                <a:cs typeface="+mn-cs"/>
+              </a:rPr>
+              <a:t>druing</a:t>
+            </a:r>
+            <a:r>
+              <a:rPr lang="en-US" sz="1200" kern="1200" dirty="0" smtClean="0">
+                <a:solidFill>
+                  <a:schemeClr val="tx1"/>
+                </a:solidFill>
+                <a:latin typeface="+mn-lt"/>
+                <a:ea typeface="+mn-ea"/>
+                <a:cs typeface="+mn-cs"/>
+              </a:rPr>
+              <a:t> the evening rush hours. Overall </a:t>
+            </a:r>
+            <a:r>
+              <a:rPr lang="en-US" sz="1200" kern="1200" dirty="0" err="1" smtClean="0">
+                <a:solidFill>
+                  <a:schemeClr val="tx1"/>
+                </a:solidFill>
+                <a:latin typeface="+mn-lt"/>
+                <a:ea typeface="+mn-ea"/>
+                <a:cs typeface="+mn-cs"/>
+              </a:rPr>
+              <a:t>lyft</a:t>
+            </a:r>
+            <a:r>
+              <a:rPr lang="en-US" sz="1200" kern="1200" dirty="0" smtClean="0">
+                <a:solidFill>
+                  <a:schemeClr val="tx1"/>
+                </a:solidFill>
+                <a:latin typeface="+mn-lt"/>
+                <a:ea typeface="+mn-ea"/>
+                <a:cs typeface="+mn-cs"/>
+              </a:rPr>
+              <a:t> has a lower price than </a:t>
+            </a:r>
+            <a:r>
+              <a:rPr lang="en-US" sz="1200" kern="1200" dirty="0" err="1" smtClean="0">
+                <a:solidFill>
+                  <a:schemeClr val="tx1"/>
+                </a:solidFill>
+                <a:latin typeface="+mn-lt"/>
+                <a:ea typeface="+mn-ea"/>
+                <a:cs typeface="+mn-cs"/>
+              </a:rPr>
+              <a:t>uber</a:t>
+            </a:r>
+            <a:r>
+              <a:rPr lang="en-US" sz="1200" kern="1200" dirty="0" smtClean="0">
+                <a:solidFill>
+                  <a:schemeClr val="tx1"/>
+                </a:solidFill>
+                <a:latin typeface="+mn-lt"/>
+                <a:ea typeface="+mn-ea"/>
+                <a:cs typeface="+mn-cs"/>
+              </a:rPr>
+              <a:t>.</a:t>
+            </a:r>
+            <a:endParaRPr lang="en-US" dirty="0"/>
+          </a:p>
+        </p:txBody>
+      </p:sp>
+      <p:sp>
+        <p:nvSpPr>
+          <p:cNvPr id="4" name="Slide Number Placeholder 3"/>
+          <p:cNvSpPr>
+            <a:spLocks noGrp="1"/>
+          </p:cNvSpPr>
+          <p:nvPr>
+            <p:ph type="sldNum" sz="quarter" idx="10"/>
+          </p:nvPr>
+        </p:nvSpPr>
+        <p:spPr/>
+        <p:txBody>
+          <a:bodyPr/>
+          <a:lstStyle/>
+          <a:p>
+            <a:fld id="{852F0A82-AFCF-AD4E-B0BE-96B91B3E53B3}" type="slidenum">
+              <a:rPr lang="en-US" smtClean="0"/>
+              <a:t>14</a:t>
+            </a:fld>
+            <a:endParaRPr lang="en-US"/>
+          </a:p>
+        </p:txBody>
+      </p:sp>
+    </p:spTree>
+    <p:extLst>
+      <p:ext uri="{BB962C8B-B14F-4D97-AF65-F5344CB8AC3E}">
+        <p14:creationId xmlns:p14="http://schemas.microsoft.com/office/powerpoint/2010/main" val="894172199"/>
+      </p:ext>
+    </p:extLst>
+  </p:cSld>
+  <p:clrMapOvr>
+    <a:masterClrMapping/>
+  </p:clrMapOvr>
+</p:notes>
+</file>
+
+<file path=ppt/notesSlides/notesSlide15.xml><?xml version="1.0" encoding="utf-8"?>
+<p:notes xmlns:a="http://schemas.openxmlformats.org/drawingml/2006/main" xmlns:r="http://schemas.openxmlformats.org/officeDocument/2006/relationships" xmlns:p="http://schemas.openxmlformats.org/presentationml/2006/main">
+  <p:cSld>
+    <p:spTree>
+      <p:nvGrpSpPr>
+        <p:cNvPr id="1" name=""/>
+        <p:cNvGrpSpPr/>
+        <p:nvPr/>
+      </p:nvGrpSpPr>
+      <p:grpSpPr>
+        <a:xfrm>
+          <a:off x="0" y="0"/>
+          <a:ext cx="0" cy="0"/>
+          <a:chOff x="0" y="0"/>
+          <a:chExt cx="0" cy="0"/>
+        </a:xfrm>
+      </p:grpSpPr>
+      <p:sp>
+        <p:nvSpPr>
+          <p:cNvPr id="2" name="Slide Image Placeholder 1"/>
+          <p:cNvSpPr>
+            <a:spLocks noGrp="1" noRot="1" noChangeAspect="1"/>
+          </p:cNvSpPr>
+          <p:nvPr>
+            <p:ph type="sldImg"/>
+          </p:nvPr>
+        </p:nvSpPr>
+        <p:spPr/>
+      </p:sp>
+      <p:sp>
+        <p:nvSpPr>
+          <p:cNvPr id="3" name="Notes Placeholder 2"/>
+          <p:cNvSpPr>
+            <a:spLocks noGrp="1"/>
+          </p:cNvSpPr>
+          <p:nvPr>
+            <p:ph type="body" idx="1"/>
+          </p:nvPr>
+        </p:nvSpPr>
+        <p:spPr/>
+        <p:txBody>
+          <a:bodyPr/>
+          <a:lstStyle/>
+          <a:p>
+            <a:pPr marL="0" marR="0" indent="0" algn="l" defTabSz="457200" rtl="0" eaLnBrk="1" fontAlgn="auto" latinLnBrk="0" hangingPunct="1">
+              <a:lnSpc>
+                <a:spcPct val="100000"/>
+              </a:lnSpc>
+              <a:spcBef>
+                <a:spcPts val="0"/>
+              </a:spcBef>
+              <a:spcAft>
+                <a:spcPts val="0"/>
+              </a:spcAft>
+              <a:buClrTx/>
+              <a:buSzTx/>
+              <a:buFontTx/>
+              <a:buNone/>
+              <a:tabLst/>
+              <a:defRPr/>
+            </a:pPr>
+            <a:r>
+              <a:rPr lang="en-US" sz="1200" kern="1200" dirty="0" smtClean="0">
+                <a:solidFill>
+                  <a:schemeClr val="tx1"/>
+                </a:solidFill>
+                <a:latin typeface="+mn-lt"/>
+                <a:ea typeface="+mn-ea"/>
+                <a:cs typeface="+mn-cs"/>
+              </a:rPr>
+              <a:t>The plot below we have is the one that </a:t>
+            </a:r>
+            <a:r>
+              <a:rPr lang="en-US" sz="1200" kern="1200" dirty="0" err="1" smtClean="0">
+                <a:solidFill>
+                  <a:schemeClr val="tx1"/>
+                </a:solidFill>
+                <a:latin typeface="+mn-lt"/>
+                <a:ea typeface="+mn-ea"/>
+                <a:cs typeface="+mn-cs"/>
+              </a:rPr>
+              <a:t>descirbe</a:t>
+            </a:r>
+            <a:r>
+              <a:rPr lang="en-US" sz="1200" kern="1200" dirty="0" smtClean="0">
+                <a:solidFill>
+                  <a:schemeClr val="tx1"/>
+                </a:solidFill>
+                <a:latin typeface="+mn-lt"/>
+                <a:ea typeface="+mn-ea"/>
+                <a:cs typeface="+mn-cs"/>
+              </a:rPr>
+              <a:t> that the distribution of cost per minute by two service </a:t>
+            </a:r>
+            <a:r>
+              <a:rPr lang="en-US" sz="1200" kern="1200" dirty="0" err="1" smtClean="0">
+                <a:solidFill>
+                  <a:schemeClr val="tx1"/>
+                </a:solidFill>
+                <a:latin typeface="+mn-lt"/>
+                <a:ea typeface="+mn-ea"/>
+                <a:cs typeface="+mn-cs"/>
+              </a:rPr>
+              <a:t>druing</a:t>
+            </a:r>
+            <a:r>
+              <a:rPr lang="en-US" sz="1200" kern="1200" dirty="0" smtClean="0">
+                <a:solidFill>
+                  <a:schemeClr val="tx1"/>
+                </a:solidFill>
+                <a:latin typeface="+mn-lt"/>
+                <a:ea typeface="+mn-ea"/>
+                <a:cs typeface="+mn-cs"/>
+              </a:rPr>
+              <a:t> morning and evening rush hour by using boxplot. We can find that during the </a:t>
+            </a:r>
+            <a:r>
+              <a:rPr lang="en-US" sz="1200" kern="1200" dirty="0" err="1" smtClean="0">
+                <a:solidFill>
+                  <a:schemeClr val="tx1"/>
+                </a:solidFill>
+                <a:latin typeface="+mn-lt"/>
+                <a:ea typeface="+mn-ea"/>
+                <a:cs typeface="+mn-cs"/>
+              </a:rPr>
+              <a:t>moring</a:t>
+            </a:r>
+            <a:r>
+              <a:rPr lang="en-US" sz="1200" kern="1200" dirty="0" smtClean="0">
+                <a:solidFill>
+                  <a:schemeClr val="tx1"/>
+                </a:solidFill>
+                <a:latin typeface="+mn-lt"/>
+                <a:ea typeface="+mn-ea"/>
+                <a:cs typeface="+mn-cs"/>
+              </a:rPr>
+              <a:t> rush hour, the cost per minute of </a:t>
+            </a:r>
+            <a:r>
+              <a:rPr lang="en-US" sz="1200" kern="1200" dirty="0" err="1" smtClean="0">
+                <a:solidFill>
+                  <a:schemeClr val="tx1"/>
+                </a:solidFill>
+                <a:latin typeface="+mn-lt"/>
+                <a:ea typeface="+mn-ea"/>
+                <a:cs typeface="+mn-cs"/>
+              </a:rPr>
+              <a:t>Lyft</a:t>
+            </a:r>
+            <a:r>
+              <a:rPr lang="en-US" sz="1200" kern="1200" dirty="0" smtClean="0">
+                <a:solidFill>
+                  <a:schemeClr val="tx1"/>
+                </a:solidFill>
+                <a:latin typeface="+mn-lt"/>
+                <a:ea typeface="+mn-ea"/>
+                <a:cs typeface="+mn-cs"/>
+              </a:rPr>
+              <a:t> is cheaper than </a:t>
+            </a:r>
+            <a:r>
+              <a:rPr lang="en-US" sz="1200" kern="1200" dirty="0" err="1" smtClean="0">
+                <a:solidFill>
+                  <a:schemeClr val="tx1"/>
+                </a:solidFill>
+                <a:latin typeface="+mn-lt"/>
+                <a:ea typeface="+mn-ea"/>
+                <a:cs typeface="+mn-cs"/>
+              </a:rPr>
+              <a:t>Uber</a:t>
+            </a:r>
+            <a:r>
+              <a:rPr lang="en-US" sz="1200" kern="1200" dirty="0" smtClean="0">
+                <a:solidFill>
+                  <a:schemeClr val="tx1"/>
+                </a:solidFill>
+                <a:latin typeface="+mn-lt"/>
+                <a:ea typeface="+mn-ea"/>
+                <a:cs typeface="+mn-cs"/>
+              </a:rPr>
+              <a:t>. But </a:t>
+            </a:r>
+            <a:r>
+              <a:rPr lang="en-US" sz="1200" kern="1200" dirty="0" err="1" smtClean="0">
+                <a:solidFill>
+                  <a:schemeClr val="tx1"/>
+                </a:solidFill>
+                <a:latin typeface="+mn-lt"/>
+                <a:ea typeface="+mn-ea"/>
+                <a:cs typeface="+mn-cs"/>
+              </a:rPr>
+              <a:t>druing</a:t>
+            </a:r>
+            <a:r>
+              <a:rPr lang="en-US" sz="1200" kern="1200" dirty="0" smtClean="0">
+                <a:solidFill>
+                  <a:schemeClr val="tx1"/>
+                </a:solidFill>
+                <a:latin typeface="+mn-lt"/>
+                <a:ea typeface="+mn-ea"/>
+                <a:cs typeface="+mn-cs"/>
+              </a:rPr>
+              <a:t> the evening rush hour, the cost per minute of </a:t>
+            </a:r>
+            <a:r>
+              <a:rPr lang="en-US" sz="1200" kern="1200" dirty="0" err="1" smtClean="0">
+                <a:solidFill>
+                  <a:schemeClr val="tx1"/>
+                </a:solidFill>
+                <a:latin typeface="+mn-lt"/>
+                <a:ea typeface="+mn-ea"/>
+                <a:cs typeface="+mn-cs"/>
+              </a:rPr>
+              <a:t>Uber</a:t>
+            </a:r>
+            <a:r>
+              <a:rPr lang="en-US" sz="1200" kern="1200" dirty="0" smtClean="0">
+                <a:solidFill>
+                  <a:schemeClr val="tx1"/>
+                </a:solidFill>
+                <a:latin typeface="+mn-lt"/>
+                <a:ea typeface="+mn-ea"/>
+                <a:cs typeface="+mn-cs"/>
+              </a:rPr>
+              <a:t> is cheaper than </a:t>
+            </a:r>
+            <a:r>
+              <a:rPr lang="en-US" sz="1200" kern="1200" dirty="0" err="1" smtClean="0">
+                <a:solidFill>
+                  <a:schemeClr val="tx1"/>
+                </a:solidFill>
+                <a:latin typeface="+mn-lt"/>
+                <a:ea typeface="+mn-ea"/>
+                <a:cs typeface="+mn-cs"/>
+              </a:rPr>
+              <a:t>Lyft</a:t>
+            </a:r>
+            <a:r>
+              <a:rPr lang="en-US" sz="1200" kern="1200" dirty="0" smtClean="0">
+                <a:solidFill>
+                  <a:schemeClr val="tx1"/>
+                </a:solidFill>
+                <a:latin typeface="+mn-lt"/>
+                <a:ea typeface="+mn-ea"/>
+                <a:cs typeface="+mn-cs"/>
+              </a:rPr>
+              <a:t>. This could happens </a:t>
+            </a:r>
+            <a:r>
+              <a:rPr lang="en-US" sz="1200" kern="1200" dirty="0" err="1" smtClean="0">
+                <a:solidFill>
+                  <a:schemeClr val="tx1"/>
+                </a:solidFill>
+                <a:latin typeface="+mn-lt"/>
+                <a:ea typeface="+mn-ea"/>
+                <a:cs typeface="+mn-cs"/>
+              </a:rPr>
+              <a:t>becasue</a:t>
+            </a:r>
+            <a:r>
+              <a:rPr lang="en-US" sz="1200" kern="1200" dirty="0" smtClean="0">
+                <a:solidFill>
+                  <a:schemeClr val="tx1"/>
+                </a:solidFill>
+                <a:latin typeface="+mn-lt"/>
+                <a:ea typeface="+mn-ea"/>
+                <a:cs typeface="+mn-cs"/>
+              </a:rPr>
+              <a:t> the total duration of </a:t>
+            </a:r>
+            <a:r>
+              <a:rPr lang="en-US" sz="1200" kern="1200" dirty="0" err="1" smtClean="0">
+                <a:solidFill>
+                  <a:schemeClr val="tx1"/>
+                </a:solidFill>
+                <a:latin typeface="+mn-lt"/>
+                <a:ea typeface="+mn-ea"/>
+                <a:cs typeface="+mn-cs"/>
+              </a:rPr>
+              <a:t>Uber</a:t>
+            </a:r>
+            <a:r>
+              <a:rPr lang="en-US" sz="1200" kern="1200" dirty="0" smtClean="0">
+                <a:solidFill>
+                  <a:schemeClr val="tx1"/>
+                </a:solidFill>
+                <a:latin typeface="+mn-lt"/>
+                <a:ea typeface="+mn-ea"/>
+                <a:cs typeface="+mn-cs"/>
+              </a:rPr>
+              <a:t> is longer than </a:t>
+            </a:r>
+            <a:r>
+              <a:rPr lang="en-US" sz="1200" kern="1200" dirty="0" err="1" smtClean="0">
+                <a:solidFill>
+                  <a:schemeClr val="tx1"/>
+                </a:solidFill>
+                <a:latin typeface="+mn-lt"/>
+                <a:ea typeface="+mn-ea"/>
+                <a:cs typeface="+mn-cs"/>
+              </a:rPr>
+              <a:t>Lyft</a:t>
+            </a:r>
+            <a:r>
+              <a:rPr lang="en-US" sz="1200" kern="1200" dirty="0" smtClean="0">
+                <a:solidFill>
+                  <a:schemeClr val="tx1"/>
+                </a:solidFill>
+                <a:latin typeface="+mn-lt"/>
+                <a:ea typeface="+mn-ea"/>
+                <a:cs typeface="+mn-cs"/>
+              </a:rPr>
+              <a:t>.</a:t>
+            </a:r>
+          </a:p>
+          <a:p>
+            <a:endParaRPr lang="en-US" dirty="0"/>
+          </a:p>
+        </p:txBody>
+      </p:sp>
+      <p:sp>
+        <p:nvSpPr>
+          <p:cNvPr id="4" name="Slide Number Placeholder 3"/>
+          <p:cNvSpPr>
+            <a:spLocks noGrp="1"/>
+          </p:cNvSpPr>
+          <p:nvPr>
+            <p:ph type="sldNum" sz="quarter" idx="10"/>
+          </p:nvPr>
+        </p:nvSpPr>
+        <p:spPr/>
+        <p:txBody>
+          <a:bodyPr/>
+          <a:lstStyle/>
+          <a:p>
+            <a:fld id="{852F0A82-AFCF-AD4E-B0BE-96B91B3E53B3}" type="slidenum">
+              <a:rPr lang="en-US" smtClean="0"/>
+              <a:t>15</a:t>
+            </a:fld>
+            <a:endParaRPr lang="en-US"/>
+          </a:p>
+        </p:txBody>
+      </p:sp>
+    </p:spTree>
+    <p:extLst>
+      <p:ext uri="{BB962C8B-B14F-4D97-AF65-F5344CB8AC3E}">
+        <p14:creationId xmlns:p14="http://schemas.microsoft.com/office/powerpoint/2010/main" val="881592936"/>
+      </p:ext>
+    </p:extLst>
+  </p:cSld>
+  <p:clrMapOvr>
+    <a:masterClrMapping/>
+  </p:clrMapOvr>
+</p:notes>
+</file>
+
+<file path=ppt/notesSlides/notesSlide16.xml><?xml version="1.0" encoding="utf-8"?>
+<p:notes xmlns:a="http://schemas.openxmlformats.org/drawingml/2006/main" xmlns:r="http://schemas.openxmlformats.org/officeDocument/2006/relationships" xmlns:p="http://schemas.openxmlformats.org/presentationml/2006/main">
+  <p:cSld>
+    <p:spTree>
+      <p:nvGrpSpPr>
+        <p:cNvPr id="1" name=""/>
+        <p:cNvGrpSpPr/>
+        <p:nvPr/>
+      </p:nvGrpSpPr>
+      <p:grpSpPr>
+        <a:xfrm>
+          <a:off x="0" y="0"/>
+          <a:ext cx="0" cy="0"/>
+          <a:chOff x="0" y="0"/>
+          <a:chExt cx="0" cy="0"/>
+        </a:xfrm>
+      </p:grpSpPr>
+      <p:sp>
+        <p:nvSpPr>
+          <p:cNvPr id="2" name="Slide Image Placeholder 1"/>
+          <p:cNvSpPr>
+            <a:spLocks noGrp="1" noRot="1" noChangeAspect="1"/>
+          </p:cNvSpPr>
+          <p:nvPr>
+            <p:ph type="sldImg"/>
+          </p:nvPr>
+        </p:nvSpPr>
+        <p:spPr/>
+      </p:sp>
+      <p:sp>
+        <p:nvSpPr>
+          <p:cNvPr id="3" name="Notes Placeholder 2"/>
+          <p:cNvSpPr>
+            <a:spLocks noGrp="1"/>
+          </p:cNvSpPr>
+          <p:nvPr>
+            <p:ph type="body" idx="1"/>
+          </p:nvPr>
+        </p:nvSpPr>
+        <p:spPr/>
+        <p:txBody>
+          <a:bodyPr/>
+          <a:lstStyle/>
+          <a:p>
+            <a:r>
+              <a:rPr lang="en-US" sz="1200" kern="1200" dirty="0" smtClean="0">
+                <a:solidFill>
+                  <a:schemeClr val="tx1"/>
+                </a:solidFill>
+                <a:latin typeface="+mn-lt"/>
+                <a:ea typeface="+mn-ea"/>
+                <a:cs typeface="+mn-cs"/>
+              </a:rPr>
+              <a:t>The plot we have below is the one that describe the average price in 15 minutes increments during the morning and evening rush hour. We can see clearly that the </a:t>
+            </a:r>
+            <a:r>
+              <a:rPr lang="en-US" sz="1200" kern="1200" dirty="0" err="1" smtClean="0">
+                <a:solidFill>
+                  <a:schemeClr val="tx1"/>
+                </a:solidFill>
+                <a:latin typeface="+mn-lt"/>
+                <a:ea typeface="+mn-ea"/>
+                <a:cs typeface="+mn-cs"/>
+              </a:rPr>
+              <a:t>higest</a:t>
+            </a:r>
+            <a:r>
+              <a:rPr lang="en-US" sz="1200" kern="1200" dirty="0" smtClean="0">
+                <a:solidFill>
+                  <a:schemeClr val="tx1"/>
+                </a:solidFill>
+                <a:latin typeface="+mn-lt"/>
+                <a:ea typeface="+mn-ea"/>
+                <a:cs typeface="+mn-cs"/>
+              </a:rPr>
+              <a:t> price </a:t>
+            </a:r>
+            <a:r>
+              <a:rPr lang="en-US" sz="1200" kern="1200" dirty="0" err="1" smtClean="0">
+                <a:solidFill>
+                  <a:schemeClr val="tx1"/>
+                </a:solidFill>
+                <a:latin typeface="+mn-lt"/>
+                <a:ea typeface="+mn-ea"/>
+                <a:cs typeface="+mn-cs"/>
+              </a:rPr>
+              <a:t>druing</a:t>
+            </a:r>
+            <a:r>
+              <a:rPr lang="en-US" sz="1200" kern="1200" dirty="0" smtClean="0">
+                <a:solidFill>
+                  <a:schemeClr val="tx1"/>
+                </a:solidFill>
+                <a:latin typeface="+mn-lt"/>
+                <a:ea typeface="+mn-ea"/>
+                <a:cs typeface="+mn-cs"/>
+              </a:rPr>
+              <a:t> the day is concentrated between 17:30pm to 18:00pm. That could means the worst traffic time period of Boston city is between 17:30pm to 18:00pm.</a:t>
+            </a:r>
+            <a:endParaRPr lang="en-US" dirty="0"/>
+          </a:p>
+        </p:txBody>
+      </p:sp>
+      <p:sp>
+        <p:nvSpPr>
+          <p:cNvPr id="4" name="Slide Number Placeholder 3"/>
+          <p:cNvSpPr>
+            <a:spLocks noGrp="1"/>
+          </p:cNvSpPr>
+          <p:nvPr>
+            <p:ph type="sldNum" sz="quarter" idx="10"/>
+          </p:nvPr>
+        </p:nvSpPr>
+        <p:spPr/>
+        <p:txBody>
+          <a:bodyPr/>
+          <a:lstStyle/>
+          <a:p>
+            <a:fld id="{852F0A82-AFCF-AD4E-B0BE-96B91B3E53B3}" type="slidenum">
+              <a:rPr lang="en-US" smtClean="0"/>
+              <a:t>16</a:t>
+            </a:fld>
+            <a:endParaRPr lang="en-US"/>
+          </a:p>
+        </p:txBody>
+      </p:sp>
+    </p:spTree>
+    <p:extLst>
+      <p:ext uri="{BB962C8B-B14F-4D97-AF65-F5344CB8AC3E}">
+        <p14:creationId xmlns:p14="http://schemas.microsoft.com/office/powerpoint/2010/main" val="746476617"/>
+      </p:ext>
+    </p:extLst>
+  </p:cSld>
+  <p:clrMapOvr>
+    <a:masterClrMapping/>
+  </p:clrMapOvr>
+</p:notes>
+</file>
+
+<file path=ppt/notesSlides/notesSlide17.xml><?xml version="1.0" encoding="utf-8"?>
+<p:notes xmlns:a="http://schemas.openxmlformats.org/drawingml/2006/main" xmlns:r="http://schemas.openxmlformats.org/officeDocument/2006/relationships" xmlns:p="http://schemas.openxmlformats.org/presentationml/2006/main">
+  <p:cSld>
+    <p:spTree>
+      <p:nvGrpSpPr>
+        <p:cNvPr id="1" name=""/>
+        <p:cNvGrpSpPr/>
+        <p:nvPr/>
+      </p:nvGrpSpPr>
+      <p:grpSpPr>
+        <a:xfrm>
+          <a:off x="0" y="0"/>
+          <a:ext cx="0" cy="0"/>
+          <a:chOff x="0" y="0"/>
+          <a:chExt cx="0" cy="0"/>
+        </a:xfrm>
+      </p:grpSpPr>
+      <p:sp>
+        <p:nvSpPr>
+          <p:cNvPr id="2" name="Slide Image Placeholder 1"/>
+          <p:cNvSpPr>
+            <a:spLocks noGrp="1" noRot="1" noChangeAspect="1"/>
+          </p:cNvSpPr>
+          <p:nvPr>
+            <p:ph type="sldImg"/>
+          </p:nvPr>
+        </p:nvSpPr>
+        <p:spPr/>
+      </p:sp>
+      <p:sp>
+        <p:nvSpPr>
+          <p:cNvPr id="3" name="Notes Placeholder 2"/>
+          <p:cNvSpPr>
+            <a:spLocks noGrp="1"/>
+          </p:cNvSpPr>
+          <p:nvPr>
+            <p:ph type="body" idx="1"/>
+          </p:nvPr>
+        </p:nvSpPr>
+        <p:spPr/>
+        <p:txBody>
+          <a:bodyPr/>
+          <a:lstStyle/>
+          <a:p>
+            <a:r>
+              <a:rPr lang="en-US" dirty="0" smtClean="0"/>
+              <a:t>Based on the plot below, we can clearly see that we should choose </a:t>
+            </a:r>
+            <a:r>
+              <a:rPr lang="en-US" dirty="0" err="1" smtClean="0"/>
+              <a:t>Lyft</a:t>
+            </a:r>
+            <a:r>
+              <a:rPr lang="en-US" dirty="0" smtClean="0"/>
+              <a:t> other than </a:t>
+            </a:r>
+            <a:r>
+              <a:rPr lang="en-US" dirty="0" err="1" smtClean="0"/>
+              <a:t>Uber</a:t>
+            </a:r>
+            <a:r>
+              <a:rPr lang="en-US" dirty="0" smtClean="0"/>
+              <a:t> for the most of time during the day. However during the 17:45pm to 18pm, we can choose </a:t>
+            </a:r>
+            <a:r>
+              <a:rPr lang="en-US" dirty="0" err="1" smtClean="0"/>
+              <a:t>Uber</a:t>
+            </a:r>
+            <a:r>
+              <a:rPr lang="en-US" dirty="0" smtClean="0"/>
+              <a:t>. As for the time period between 18:15pm to 18:30pm, the cost of </a:t>
+            </a:r>
+            <a:r>
+              <a:rPr lang="en-US" dirty="0" err="1" smtClean="0"/>
+              <a:t>Uber</a:t>
+            </a:r>
+            <a:r>
+              <a:rPr lang="en-US" dirty="0" smtClean="0"/>
+              <a:t> and </a:t>
+            </a:r>
+            <a:r>
+              <a:rPr lang="en-US" dirty="0" err="1" smtClean="0"/>
+              <a:t>lyft</a:t>
+            </a:r>
+            <a:r>
+              <a:rPr lang="en-US" dirty="0" smtClean="0"/>
+              <a:t> is similar. </a:t>
+            </a:r>
+          </a:p>
+          <a:p>
+            <a:endParaRPr lang="en-US" dirty="0"/>
+          </a:p>
+        </p:txBody>
+      </p:sp>
+      <p:sp>
+        <p:nvSpPr>
+          <p:cNvPr id="4" name="Slide Number Placeholder 3"/>
+          <p:cNvSpPr>
+            <a:spLocks noGrp="1"/>
+          </p:cNvSpPr>
+          <p:nvPr>
+            <p:ph type="sldNum" sz="quarter" idx="10"/>
+          </p:nvPr>
+        </p:nvSpPr>
+        <p:spPr/>
+        <p:txBody>
+          <a:bodyPr/>
+          <a:lstStyle/>
+          <a:p>
+            <a:fld id="{852F0A82-AFCF-AD4E-B0BE-96B91B3E53B3}" type="slidenum">
+              <a:rPr lang="en-US" smtClean="0"/>
+              <a:t>17</a:t>
+            </a:fld>
+            <a:endParaRPr lang="en-US"/>
+          </a:p>
+        </p:txBody>
+      </p:sp>
+    </p:spTree>
+    <p:extLst>
+      <p:ext uri="{BB962C8B-B14F-4D97-AF65-F5344CB8AC3E}">
+        <p14:creationId xmlns:p14="http://schemas.microsoft.com/office/powerpoint/2010/main" val="409234265"/>
+      </p:ext>
+    </p:extLst>
+  </p:cSld>
+  <p:clrMapOvr>
+    <a:masterClrMapping/>
+  </p:clrMapOvr>
+</p:notes>
+</file>
+
+<file path=ppt/notesSlides/notesSlide2.xml><?xml version="1.0" encoding="utf-8"?>
+<p:notes xmlns:a="http://schemas.openxmlformats.org/drawingml/2006/main" xmlns:r="http://schemas.openxmlformats.org/officeDocument/2006/relationships" xmlns:p="http://schemas.openxmlformats.org/presentationml/2006/main">
+  <p:cSld>
+    <p:spTree>
+      <p:nvGrpSpPr>
+        <p:cNvPr id="1" name=""/>
+        <p:cNvGrpSpPr/>
+        <p:nvPr/>
+      </p:nvGrpSpPr>
+      <p:grpSpPr>
+        <a:xfrm>
+          <a:off x="0" y="0"/>
+          <a:ext cx="0" cy="0"/>
+          <a:chOff x="0" y="0"/>
+          <a:chExt cx="0" cy="0"/>
+        </a:xfrm>
+      </p:grpSpPr>
+      <p:sp>
+        <p:nvSpPr>
+          <p:cNvPr id="2" name="Slide Image Placeholder 1"/>
+          <p:cNvSpPr>
+            <a:spLocks noGrp="1" noRot="1" noChangeAspect="1"/>
+          </p:cNvSpPr>
+          <p:nvPr>
+            <p:ph type="sldImg"/>
+          </p:nvPr>
+        </p:nvSpPr>
+        <p:spPr/>
+      </p:sp>
+      <p:sp>
+        <p:nvSpPr>
+          <p:cNvPr id="3" name="Notes Placeholder 2"/>
+          <p:cNvSpPr>
+            <a:spLocks noGrp="1"/>
+          </p:cNvSpPr>
+          <p:nvPr>
+            <p:ph type="body" idx="1"/>
+          </p:nvPr>
+        </p:nvSpPr>
+        <p:spPr/>
+        <p:txBody>
+          <a:bodyPr/>
+          <a:lstStyle/>
+          <a:p>
+            <a:r>
+              <a:rPr lang="en-US" dirty="0" smtClean="0"/>
+              <a:t>The Harvard T.H. Chan School of Public Health is located in the Longwood Medical area in Boston, while the main Harvard University campus is located in Cambridge. Many Harvard Chan students, staff, and faculty choose to live in Cambridge, and others cross-register for classes or attend events that are offered on the main campus. Thus, there is a need to determine the most cost-effective and efficient commute option between the two campuses, especially during rush-hour periods.</a:t>
+            </a:r>
+            <a:endParaRPr lang="en-US" dirty="0"/>
+          </a:p>
+        </p:txBody>
+      </p:sp>
+      <p:sp>
+        <p:nvSpPr>
+          <p:cNvPr id="4" name="Slide Number Placeholder 3"/>
+          <p:cNvSpPr>
+            <a:spLocks noGrp="1"/>
+          </p:cNvSpPr>
+          <p:nvPr>
+            <p:ph type="sldNum" sz="quarter" idx="10"/>
+          </p:nvPr>
+        </p:nvSpPr>
+        <p:spPr/>
+        <p:txBody>
+          <a:bodyPr/>
+          <a:lstStyle/>
+          <a:p>
+            <a:fld id="{852F0A82-AFCF-AD4E-B0BE-96B91B3E53B3}" type="slidenum">
+              <a:rPr lang="en-US" smtClean="0"/>
+              <a:t>2</a:t>
+            </a:fld>
+            <a:endParaRPr lang="en-US"/>
+          </a:p>
+        </p:txBody>
+      </p:sp>
+    </p:spTree>
+    <p:extLst>
+      <p:ext uri="{BB962C8B-B14F-4D97-AF65-F5344CB8AC3E}">
+        <p14:creationId xmlns:p14="http://schemas.microsoft.com/office/powerpoint/2010/main" val="2681115131"/>
+      </p:ext>
+    </p:extLst>
+  </p:cSld>
+  <p:clrMapOvr>
+    <a:masterClrMapping/>
+  </p:clrMapOvr>
+</p:notes>
+</file>
+
+<file path=ppt/notesSlides/notesSlide3.xml><?xml version="1.0" encoding="utf-8"?>
+<p:notes xmlns:a="http://schemas.openxmlformats.org/drawingml/2006/main" xmlns:r="http://schemas.openxmlformats.org/officeDocument/2006/relationships" xmlns:p="http://schemas.openxmlformats.org/presentationml/2006/main">
+  <p:cSld>
+    <p:spTree>
+      <p:nvGrpSpPr>
+        <p:cNvPr id="1" name=""/>
+        <p:cNvGrpSpPr/>
+        <p:nvPr/>
+      </p:nvGrpSpPr>
+      <p:grpSpPr>
+        <a:xfrm>
+          <a:off x="0" y="0"/>
+          <a:ext cx="0" cy="0"/>
+          <a:chOff x="0" y="0"/>
+          <a:chExt cx="0" cy="0"/>
+        </a:xfrm>
+      </p:grpSpPr>
+      <p:sp>
+        <p:nvSpPr>
+          <p:cNvPr id="2" name="Slide Image Placeholder 1"/>
+          <p:cNvSpPr>
+            <a:spLocks noGrp="1" noRot="1" noChangeAspect="1"/>
+          </p:cNvSpPr>
+          <p:nvPr>
+            <p:ph type="sldImg"/>
+          </p:nvPr>
+        </p:nvSpPr>
+        <p:spPr/>
+      </p:sp>
+      <p:sp>
+        <p:nvSpPr>
+          <p:cNvPr id="3" name="Notes Placeholder 2"/>
+          <p:cNvSpPr>
+            <a:spLocks noGrp="1"/>
+          </p:cNvSpPr>
+          <p:nvPr>
+            <p:ph type="body" idx="1"/>
+          </p:nvPr>
+        </p:nvSpPr>
+        <p:spPr/>
+        <p:txBody>
+          <a:bodyPr/>
+          <a:lstStyle/>
+          <a:p>
+            <a:r>
+              <a:rPr lang="en-US" dirty="0" smtClean="0"/>
+              <a:t>The M2 shuttle provides a free option but can be unreliable, crowded, inflexible due to its set schedule, and takes an inefficient route in order to stop at popular locations along Massachusetts Avenue.</a:t>
+            </a:r>
+            <a:endParaRPr lang="en-US" dirty="0"/>
+          </a:p>
+        </p:txBody>
+      </p:sp>
+      <p:sp>
+        <p:nvSpPr>
+          <p:cNvPr id="4" name="Slide Number Placeholder 3"/>
+          <p:cNvSpPr>
+            <a:spLocks noGrp="1"/>
+          </p:cNvSpPr>
+          <p:nvPr>
+            <p:ph type="sldNum" sz="quarter" idx="10"/>
+          </p:nvPr>
+        </p:nvSpPr>
+        <p:spPr/>
+        <p:txBody>
+          <a:bodyPr/>
+          <a:lstStyle/>
+          <a:p>
+            <a:fld id="{852F0A82-AFCF-AD4E-B0BE-96B91B3E53B3}" type="slidenum">
+              <a:rPr lang="en-US" smtClean="0"/>
+              <a:t>3</a:t>
+            </a:fld>
+            <a:endParaRPr lang="en-US"/>
+          </a:p>
+        </p:txBody>
+      </p:sp>
+    </p:spTree>
+    <p:extLst>
+      <p:ext uri="{BB962C8B-B14F-4D97-AF65-F5344CB8AC3E}">
+        <p14:creationId xmlns:p14="http://schemas.microsoft.com/office/powerpoint/2010/main" val="134794985"/>
+      </p:ext>
+    </p:extLst>
+  </p:cSld>
+  <p:clrMapOvr>
+    <a:masterClrMapping/>
+  </p:clrMapOvr>
+</p:notes>
+</file>
+
+<file path=ppt/notesSlides/notesSlide4.xml><?xml version="1.0" encoding="utf-8"?>
+<p:notes xmlns:a="http://schemas.openxmlformats.org/drawingml/2006/main" xmlns:r="http://schemas.openxmlformats.org/officeDocument/2006/relationships" xmlns:p="http://schemas.openxmlformats.org/presentationml/2006/main">
+  <p:cSld>
+    <p:spTree>
+      <p:nvGrpSpPr>
+        <p:cNvPr id="1" name=""/>
+        <p:cNvGrpSpPr/>
+        <p:nvPr/>
+      </p:nvGrpSpPr>
+      <p:grpSpPr>
+        <a:xfrm>
+          <a:off x="0" y="0"/>
+          <a:ext cx="0" cy="0"/>
+          <a:chOff x="0" y="0"/>
+          <a:chExt cx="0" cy="0"/>
+        </a:xfrm>
+      </p:grpSpPr>
+      <p:sp>
+        <p:nvSpPr>
+          <p:cNvPr id="2" name="Slide Image Placeholder 1"/>
+          <p:cNvSpPr>
+            <a:spLocks noGrp="1" noRot="1" noChangeAspect="1"/>
+          </p:cNvSpPr>
+          <p:nvPr>
+            <p:ph type="sldImg"/>
+          </p:nvPr>
+        </p:nvSpPr>
+        <p:spPr/>
+      </p:sp>
+      <p:sp>
+        <p:nvSpPr>
+          <p:cNvPr id="3" name="Notes Placeholder 2"/>
+          <p:cNvSpPr>
+            <a:spLocks noGrp="1"/>
+          </p:cNvSpPr>
+          <p:nvPr>
+            <p:ph type="body" idx="1"/>
+          </p:nvPr>
+        </p:nvSpPr>
+        <p:spPr/>
+        <p:txBody>
+          <a:bodyPr/>
+          <a:lstStyle/>
+          <a:p>
+            <a:r>
+              <a:rPr lang="en-US" dirty="0" smtClean="0"/>
+              <a:t>The MBTA offers several routes that are also inefficient and can experience heavy traffic.</a:t>
+            </a:r>
+            <a:r>
+              <a:rPr lang="en-US" baseline="0" dirty="0" smtClean="0"/>
+              <a:t> </a:t>
+            </a:r>
+            <a:endParaRPr lang="en-US" dirty="0"/>
+          </a:p>
+        </p:txBody>
+      </p:sp>
+      <p:sp>
+        <p:nvSpPr>
+          <p:cNvPr id="4" name="Slide Number Placeholder 3"/>
+          <p:cNvSpPr>
+            <a:spLocks noGrp="1"/>
+          </p:cNvSpPr>
+          <p:nvPr>
+            <p:ph type="sldNum" sz="quarter" idx="10"/>
+          </p:nvPr>
+        </p:nvSpPr>
+        <p:spPr/>
+        <p:txBody>
+          <a:bodyPr/>
+          <a:lstStyle/>
+          <a:p>
+            <a:fld id="{852F0A82-AFCF-AD4E-B0BE-96B91B3E53B3}" type="slidenum">
+              <a:rPr lang="en-US" smtClean="0"/>
+              <a:t>4</a:t>
+            </a:fld>
+            <a:endParaRPr lang="en-US"/>
+          </a:p>
+        </p:txBody>
+      </p:sp>
+    </p:spTree>
+    <p:extLst>
+      <p:ext uri="{BB962C8B-B14F-4D97-AF65-F5344CB8AC3E}">
+        <p14:creationId xmlns:p14="http://schemas.microsoft.com/office/powerpoint/2010/main" val="636265987"/>
+      </p:ext>
+    </p:extLst>
+  </p:cSld>
+  <p:clrMapOvr>
+    <a:masterClrMapping/>
+  </p:clrMapOvr>
+</p:notes>
+</file>
+
+<file path=ppt/notesSlides/notesSlide5.xml><?xml version="1.0" encoding="utf-8"?>
+<p:notes xmlns:a="http://schemas.openxmlformats.org/drawingml/2006/main" xmlns:r="http://schemas.openxmlformats.org/officeDocument/2006/relationships" xmlns:p="http://schemas.openxmlformats.org/presentationml/2006/main">
+  <p:cSld>
+    <p:spTree>
+      <p:nvGrpSpPr>
+        <p:cNvPr id="1" name=""/>
+        <p:cNvGrpSpPr/>
+        <p:nvPr/>
+      </p:nvGrpSpPr>
+      <p:grpSpPr>
+        <a:xfrm>
+          <a:off x="0" y="0"/>
+          <a:ext cx="0" cy="0"/>
+          <a:chOff x="0" y="0"/>
+          <a:chExt cx="0" cy="0"/>
+        </a:xfrm>
+      </p:grpSpPr>
+      <p:sp>
+        <p:nvSpPr>
+          <p:cNvPr id="2" name="Slide Image Placeholder 1"/>
+          <p:cNvSpPr>
+            <a:spLocks noGrp="1" noRot="1" noChangeAspect="1"/>
+          </p:cNvSpPr>
+          <p:nvPr>
+            <p:ph type="sldImg"/>
+          </p:nvPr>
+        </p:nvSpPr>
+        <p:spPr/>
+      </p:sp>
+      <p:sp>
+        <p:nvSpPr>
+          <p:cNvPr id="3" name="Notes Placeholder 2"/>
+          <p:cNvSpPr>
+            <a:spLocks noGrp="1"/>
+          </p:cNvSpPr>
+          <p:nvPr>
+            <p:ph type="body" idx="1"/>
+          </p:nvPr>
+        </p:nvSpPr>
+        <p:spPr/>
+        <p:txBody>
+          <a:bodyPr/>
+          <a:lstStyle/>
+          <a:p>
+            <a:r>
+              <a:rPr lang="en-US" dirty="0" smtClean="0"/>
+              <a:t>Taking </a:t>
+            </a:r>
+            <a:r>
+              <a:rPr lang="en-US" dirty="0" err="1" smtClean="0"/>
+              <a:t>Uber</a:t>
+            </a:r>
+            <a:r>
+              <a:rPr lang="en-US" dirty="0" smtClean="0"/>
+              <a:t> or </a:t>
+            </a:r>
+            <a:r>
+              <a:rPr lang="en-US" dirty="0" err="1" smtClean="0"/>
+              <a:t>Lyft</a:t>
+            </a:r>
+            <a:r>
+              <a:rPr lang="en-US" dirty="0" smtClean="0"/>
+              <a:t> may save time that could better be spent studying or working, especially if we can determine the best time to travel and the best service to use in order to get a good price. </a:t>
+            </a:r>
+          </a:p>
+          <a:p>
+            <a:r>
+              <a:rPr lang="en-US" sz="1200" dirty="0" smtClean="0"/>
+              <a:t>Which service is cheaper overall for our chosen route?</a:t>
+            </a:r>
+          </a:p>
+          <a:p>
+            <a:r>
+              <a:rPr lang="en-US" sz="1200" dirty="0" smtClean="0"/>
+              <a:t>What do the time of day/day of week trends in fares look like for each service?</a:t>
+            </a:r>
+          </a:p>
+          <a:p>
+            <a:r>
+              <a:rPr lang="en-US" sz="1200" dirty="0" smtClean="0"/>
+              <a:t>Which service is preferable based on cost and wait time during morning and evening rush hour?</a:t>
+            </a:r>
+          </a:p>
+          <a:p>
+            <a:r>
+              <a:rPr lang="en-US" sz="1200" dirty="0" smtClean="0"/>
+              <a:t>Which service has a shorter wait time and/or </a:t>
+            </a:r>
+            <a:r>
+              <a:rPr lang="en-US" sz="1200" dirty="0" err="1" smtClean="0"/>
+              <a:t>expectated</a:t>
+            </a:r>
+            <a:r>
+              <a:rPr lang="en-US" sz="1200" dirty="0" smtClean="0"/>
+              <a:t> time to destination?</a:t>
+            </a:r>
+          </a:p>
+          <a:p>
+            <a:r>
+              <a:rPr lang="en-US" sz="1200" dirty="0" smtClean="0"/>
+              <a:t>How does the cost per expected minute of travel compare for each service?</a:t>
+            </a:r>
+          </a:p>
+          <a:p>
+            <a:endParaRPr lang="en-US" dirty="0"/>
+          </a:p>
+        </p:txBody>
+      </p:sp>
+      <p:sp>
+        <p:nvSpPr>
+          <p:cNvPr id="4" name="Slide Number Placeholder 3"/>
+          <p:cNvSpPr>
+            <a:spLocks noGrp="1"/>
+          </p:cNvSpPr>
+          <p:nvPr>
+            <p:ph type="sldNum" sz="quarter" idx="10"/>
+          </p:nvPr>
+        </p:nvSpPr>
+        <p:spPr/>
+        <p:txBody>
+          <a:bodyPr/>
+          <a:lstStyle/>
+          <a:p>
+            <a:fld id="{852F0A82-AFCF-AD4E-B0BE-96B91B3E53B3}" type="slidenum">
+              <a:rPr lang="en-US" smtClean="0"/>
+              <a:t>5</a:t>
+            </a:fld>
+            <a:endParaRPr lang="en-US"/>
+          </a:p>
+        </p:txBody>
+      </p:sp>
+    </p:spTree>
+    <p:extLst>
+      <p:ext uri="{BB962C8B-B14F-4D97-AF65-F5344CB8AC3E}">
+        <p14:creationId xmlns:p14="http://schemas.microsoft.com/office/powerpoint/2010/main" val="3912256351"/>
+      </p:ext>
+    </p:extLst>
+  </p:cSld>
+  <p:clrMapOvr>
+    <a:masterClrMapping/>
+  </p:clrMapOvr>
+</p:notes>
+</file>
+
+<file path=ppt/notesSlides/notesSlide6.xml><?xml version="1.0" encoding="utf-8"?>
+<p:notes xmlns:a="http://schemas.openxmlformats.org/drawingml/2006/main" xmlns:r="http://schemas.openxmlformats.org/officeDocument/2006/relationships" xmlns:p="http://schemas.openxmlformats.org/presentationml/2006/main">
+  <p:cSld>
+    <p:spTree>
+      <p:nvGrpSpPr>
+        <p:cNvPr id="1" name=""/>
+        <p:cNvGrpSpPr/>
+        <p:nvPr/>
+      </p:nvGrpSpPr>
+      <p:grpSpPr>
+        <a:xfrm>
+          <a:off x="0" y="0"/>
+          <a:ext cx="0" cy="0"/>
+          <a:chOff x="0" y="0"/>
+          <a:chExt cx="0" cy="0"/>
+        </a:xfrm>
+      </p:grpSpPr>
+      <p:sp>
+        <p:nvSpPr>
+          <p:cNvPr id="2" name="Slide Image Placeholder 1"/>
+          <p:cNvSpPr>
+            <a:spLocks noGrp="1" noRot="1" noChangeAspect="1"/>
+          </p:cNvSpPr>
+          <p:nvPr>
+            <p:ph type="sldImg"/>
+          </p:nvPr>
+        </p:nvSpPr>
+        <p:spPr/>
+      </p:sp>
+      <p:sp>
+        <p:nvSpPr>
+          <p:cNvPr id="3" name="Notes Placeholder 2"/>
+          <p:cNvSpPr>
+            <a:spLocks noGrp="1"/>
+          </p:cNvSpPr>
+          <p:nvPr>
+            <p:ph type="body" idx="1"/>
+          </p:nvPr>
+        </p:nvSpPr>
+        <p:spPr/>
+        <p:txBody>
+          <a:bodyPr/>
+          <a:lstStyle/>
+          <a:p>
+            <a:r>
+              <a:rPr lang="en-US" sz="1200" dirty="0" smtClean="0"/>
+              <a:t>4-week collection period ran Monday-Friday from November 6 - December 1. </a:t>
+            </a:r>
+          </a:p>
+          <a:p>
+            <a:r>
+              <a:rPr lang="en-US" sz="1200" dirty="0" smtClean="0"/>
+              <a:t>Collect 16 data points each day (8 </a:t>
+            </a:r>
+            <a:r>
+              <a:rPr lang="en-US" sz="1200" dirty="0" err="1" smtClean="0"/>
+              <a:t>Uber</a:t>
+            </a:r>
+            <a:r>
+              <a:rPr lang="en-US" sz="1200" dirty="0" smtClean="0"/>
+              <a:t>/</a:t>
+            </a:r>
+            <a:r>
+              <a:rPr lang="en-US" sz="1200" dirty="0" err="1" smtClean="0"/>
+              <a:t>Lyft</a:t>
+            </a:r>
+            <a:r>
+              <a:rPr lang="en-US" sz="1200" dirty="0" smtClean="0"/>
+              <a:t> pairs) for a total goal of 320 data points. </a:t>
+            </a:r>
+          </a:p>
+          <a:p>
+            <a:r>
+              <a:rPr lang="en-US" sz="1200" dirty="0" smtClean="0"/>
+              <a:t>Each team member used screenshots on phone to collect the data each day: 1 </a:t>
+            </a:r>
+            <a:r>
+              <a:rPr lang="en-US" sz="1200" dirty="0" err="1" smtClean="0"/>
+              <a:t>Uber</a:t>
+            </a:r>
+            <a:r>
+              <a:rPr lang="en-US" sz="1200" dirty="0" smtClean="0"/>
+              <a:t> and 1 </a:t>
+            </a:r>
+            <a:r>
+              <a:rPr lang="en-US" sz="1200" dirty="0" err="1" smtClean="0"/>
+              <a:t>Lyft</a:t>
+            </a:r>
+            <a:r>
+              <a:rPr lang="en-US" sz="1200" dirty="0" smtClean="0"/>
+              <a:t> observation at random times between 8-9am, 9-10am, 5-6pm, and 6-7pm.</a:t>
+            </a:r>
+          </a:p>
+          <a:p>
+            <a:r>
+              <a:rPr lang="en-US" sz="1200" dirty="0" smtClean="0"/>
+              <a:t>Use the </a:t>
+            </a:r>
+            <a:r>
+              <a:rPr lang="en-US" sz="1200" dirty="0" err="1" smtClean="0"/>
+              <a:t>Uber</a:t>
+            </a:r>
+            <a:r>
+              <a:rPr lang="en-US" sz="1200" dirty="0" smtClean="0"/>
+              <a:t> and </a:t>
+            </a:r>
+            <a:r>
+              <a:rPr lang="en-US" sz="1200" dirty="0" err="1" smtClean="0"/>
+              <a:t>Lyft</a:t>
+            </a:r>
+            <a:r>
+              <a:rPr lang="en-US" sz="1200" dirty="0" smtClean="0"/>
+              <a:t> App to set the position from Vanderbilt Hall to Widener Gate. Screenshot of the estimated price, wait time, and duration time.</a:t>
+            </a:r>
+          </a:p>
+          <a:p>
+            <a:endParaRPr lang="en-US" dirty="0"/>
+          </a:p>
+        </p:txBody>
+      </p:sp>
+      <p:sp>
+        <p:nvSpPr>
+          <p:cNvPr id="4" name="Slide Number Placeholder 3"/>
+          <p:cNvSpPr>
+            <a:spLocks noGrp="1"/>
+          </p:cNvSpPr>
+          <p:nvPr>
+            <p:ph type="sldNum" sz="quarter" idx="10"/>
+          </p:nvPr>
+        </p:nvSpPr>
+        <p:spPr/>
+        <p:txBody>
+          <a:bodyPr/>
+          <a:lstStyle/>
+          <a:p>
+            <a:fld id="{852F0A82-AFCF-AD4E-B0BE-96B91B3E53B3}" type="slidenum">
+              <a:rPr lang="en-US" smtClean="0"/>
+              <a:t>6</a:t>
+            </a:fld>
+            <a:endParaRPr lang="en-US"/>
+          </a:p>
+        </p:txBody>
+      </p:sp>
+    </p:spTree>
+    <p:extLst>
+      <p:ext uri="{BB962C8B-B14F-4D97-AF65-F5344CB8AC3E}">
+        <p14:creationId xmlns:p14="http://schemas.microsoft.com/office/powerpoint/2010/main" val="2782759308"/>
+      </p:ext>
+    </p:extLst>
+  </p:cSld>
+  <p:clrMapOvr>
+    <a:masterClrMapping/>
+  </p:clrMapOvr>
+</p:notes>
+</file>
+
+<file path=ppt/notesSlides/notesSlide7.xml><?xml version="1.0" encoding="utf-8"?>
+<p:notes xmlns:a="http://schemas.openxmlformats.org/drawingml/2006/main" xmlns:r="http://schemas.openxmlformats.org/officeDocument/2006/relationships" xmlns:p="http://schemas.openxmlformats.org/presentationml/2006/main">
+  <p:cSld>
+    <p:spTree>
+      <p:nvGrpSpPr>
+        <p:cNvPr id="1" name=""/>
+        <p:cNvGrpSpPr/>
+        <p:nvPr/>
+      </p:nvGrpSpPr>
+      <p:grpSpPr>
+        <a:xfrm>
+          <a:off x="0" y="0"/>
+          <a:ext cx="0" cy="0"/>
+          <a:chOff x="0" y="0"/>
+          <a:chExt cx="0" cy="0"/>
+        </a:xfrm>
+      </p:grpSpPr>
+      <p:sp>
+        <p:nvSpPr>
+          <p:cNvPr id="2" name="Slide Image Placeholder 1"/>
+          <p:cNvSpPr>
+            <a:spLocks noGrp="1" noRot="1" noChangeAspect="1"/>
+          </p:cNvSpPr>
+          <p:nvPr>
+            <p:ph type="sldImg"/>
+          </p:nvPr>
+        </p:nvSpPr>
+        <p:spPr/>
+      </p:sp>
+      <p:sp>
+        <p:nvSpPr>
+          <p:cNvPr id="3" name="Notes Placeholder 2"/>
+          <p:cNvSpPr>
+            <a:spLocks noGrp="1"/>
+          </p:cNvSpPr>
+          <p:nvPr>
+            <p:ph type="body" idx="1"/>
+          </p:nvPr>
+        </p:nvSpPr>
+        <p:spPr/>
+        <p:txBody>
+          <a:bodyPr/>
+          <a:lstStyle/>
+          <a:p>
+            <a:r>
+              <a:rPr lang="en-US" sz="1200" kern="1200" dirty="0" smtClean="0">
+                <a:solidFill>
+                  <a:schemeClr val="tx1"/>
+                </a:solidFill>
+                <a:latin typeface="+mn-lt"/>
+                <a:ea typeface="+mn-ea"/>
+                <a:cs typeface="+mn-cs"/>
+              </a:rPr>
+              <a:t>The histogram below shows the distribution of the ride request times, with dotted lines representing the rush hour windows that we defined. As you can see, all rides were requested within the window. We hoped to request at random times within each window, which would result in a flat distribution across each window. The distribution is not perfectly flat, but it also doesn’t look to have an obvious or concerning shape. The differences are likely due to a tendency to request within the first half of each hour so we did not forget. </a:t>
+            </a:r>
+            <a:endParaRPr lang="en-US" dirty="0"/>
+          </a:p>
+        </p:txBody>
+      </p:sp>
+      <p:sp>
+        <p:nvSpPr>
+          <p:cNvPr id="4" name="Slide Number Placeholder 3"/>
+          <p:cNvSpPr>
+            <a:spLocks noGrp="1"/>
+          </p:cNvSpPr>
+          <p:nvPr>
+            <p:ph type="sldNum" sz="quarter" idx="10"/>
+          </p:nvPr>
+        </p:nvSpPr>
+        <p:spPr/>
+        <p:txBody>
+          <a:bodyPr/>
+          <a:lstStyle/>
+          <a:p>
+            <a:fld id="{852F0A82-AFCF-AD4E-B0BE-96B91B3E53B3}" type="slidenum">
+              <a:rPr lang="en-US" smtClean="0"/>
+              <a:t>7</a:t>
+            </a:fld>
+            <a:endParaRPr lang="en-US"/>
+          </a:p>
+        </p:txBody>
+      </p:sp>
+    </p:spTree>
+    <p:extLst>
+      <p:ext uri="{BB962C8B-B14F-4D97-AF65-F5344CB8AC3E}">
+        <p14:creationId xmlns:p14="http://schemas.microsoft.com/office/powerpoint/2010/main" val="4018963410"/>
+      </p:ext>
+    </p:extLst>
+  </p:cSld>
+  <p:clrMapOvr>
+    <a:masterClrMapping/>
+  </p:clrMapOvr>
+</p:notes>
+</file>
+
+<file path=ppt/notesSlides/notesSlide8.xml><?xml version="1.0" encoding="utf-8"?>
+<p:notes xmlns:a="http://schemas.openxmlformats.org/drawingml/2006/main" xmlns:r="http://schemas.openxmlformats.org/officeDocument/2006/relationships" xmlns:p="http://schemas.openxmlformats.org/presentationml/2006/main">
+  <p:cSld>
+    <p:spTree>
+      <p:nvGrpSpPr>
+        <p:cNvPr id="1" name=""/>
+        <p:cNvGrpSpPr/>
+        <p:nvPr/>
+      </p:nvGrpSpPr>
+      <p:grpSpPr>
+        <a:xfrm>
+          <a:off x="0" y="0"/>
+          <a:ext cx="0" cy="0"/>
+          <a:chOff x="0" y="0"/>
+          <a:chExt cx="0" cy="0"/>
+        </a:xfrm>
+      </p:grpSpPr>
+      <p:sp>
+        <p:nvSpPr>
+          <p:cNvPr id="2" name="Slide Image Placeholder 1"/>
+          <p:cNvSpPr>
+            <a:spLocks noGrp="1" noRot="1" noChangeAspect="1"/>
+          </p:cNvSpPr>
+          <p:nvPr>
+            <p:ph type="sldImg"/>
+          </p:nvPr>
+        </p:nvSpPr>
+        <p:spPr/>
+      </p:sp>
+      <p:sp>
+        <p:nvSpPr>
+          <p:cNvPr id="3" name="Notes Placeholder 2"/>
+          <p:cNvSpPr>
+            <a:spLocks noGrp="1"/>
+          </p:cNvSpPr>
+          <p:nvPr>
+            <p:ph type="body" idx="1"/>
+          </p:nvPr>
+        </p:nvSpPr>
+        <p:spPr/>
+        <p:txBody>
+          <a:bodyPr/>
+          <a:lstStyle/>
+          <a:p>
+            <a:r>
+              <a:rPr lang="en-US" sz="1200" kern="1200" dirty="0" smtClean="0">
+                <a:solidFill>
+                  <a:schemeClr val="tx1"/>
+                </a:solidFill>
+                <a:latin typeface="+mn-lt"/>
+                <a:ea typeface="+mn-ea"/>
+                <a:cs typeface="+mn-cs"/>
+              </a:rPr>
+              <a:t>The boxplot compares the distribution of cost by service during the morning and evening rush hour. In the morning rush hour, </a:t>
+            </a:r>
+            <a:r>
+              <a:rPr lang="en-US" sz="1200" kern="1200" dirty="0" err="1" smtClean="0">
+                <a:solidFill>
+                  <a:schemeClr val="tx1"/>
+                </a:solidFill>
+                <a:latin typeface="+mn-lt"/>
+                <a:ea typeface="+mn-ea"/>
+                <a:cs typeface="+mn-cs"/>
+              </a:rPr>
+              <a:t>Lyft</a:t>
+            </a:r>
+            <a:r>
+              <a:rPr lang="en-US" sz="1200" kern="1200" dirty="0" smtClean="0">
+                <a:solidFill>
+                  <a:schemeClr val="tx1"/>
+                </a:solidFill>
+                <a:latin typeface="+mn-lt"/>
+                <a:ea typeface="+mn-ea"/>
+                <a:cs typeface="+mn-cs"/>
+              </a:rPr>
+              <a:t> looks clearly cheaper than </a:t>
+            </a:r>
+            <a:r>
+              <a:rPr lang="en-US" sz="1200" kern="1200" dirty="0" err="1" smtClean="0">
+                <a:solidFill>
+                  <a:schemeClr val="tx1"/>
+                </a:solidFill>
+                <a:latin typeface="+mn-lt"/>
+                <a:ea typeface="+mn-ea"/>
+                <a:cs typeface="+mn-cs"/>
+              </a:rPr>
+              <a:t>Uber</a:t>
+            </a:r>
+            <a:r>
+              <a:rPr lang="en-US" sz="1200" kern="1200" dirty="0" smtClean="0">
+                <a:solidFill>
+                  <a:schemeClr val="tx1"/>
+                </a:solidFill>
+                <a:latin typeface="+mn-lt"/>
+                <a:ea typeface="+mn-ea"/>
+                <a:cs typeface="+mn-cs"/>
+              </a:rPr>
+              <a:t>. In the evening rush hour, the two service look kind of similar, with </a:t>
+            </a:r>
+            <a:r>
+              <a:rPr lang="en-US" sz="1200" kern="1200" dirty="0" err="1" smtClean="0">
+                <a:solidFill>
+                  <a:schemeClr val="tx1"/>
+                </a:solidFill>
+                <a:latin typeface="+mn-lt"/>
+                <a:ea typeface="+mn-ea"/>
+                <a:cs typeface="+mn-cs"/>
+              </a:rPr>
+              <a:t>Lyft</a:t>
+            </a:r>
+            <a:r>
+              <a:rPr lang="en-US" sz="1200" kern="1200" dirty="0" smtClean="0">
+                <a:solidFill>
+                  <a:schemeClr val="tx1"/>
+                </a:solidFill>
+                <a:latin typeface="+mn-lt"/>
+                <a:ea typeface="+mn-ea"/>
+                <a:cs typeface="+mn-cs"/>
+              </a:rPr>
+              <a:t> still a little bit cheaper than </a:t>
+            </a:r>
+            <a:r>
+              <a:rPr lang="en-US" sz="1200" kern="1200" dirty="0" err="1" smtClean="0">
+                <a:solidFill>
+                  <a:schemeClr val="tx1"/>
+                </a:solidFill>
+                <a:latin typeface="+mn-lt"/>
+                <a:ea typeface="+mn-ea"/>
+                <a:cs typeface="+mn-cs"/>
+              </a:rPr>
+              <a:t>Uber</a:t>
+            </a:r>
+            <a:r>
+              <a:rPr lang="en-US" sz="1200" kern="1200" dirty="0" smtClean="0">
+                <a:solidFill>
+                  <a:schemeClr val="tx1"/>
+                </a:solidFill>
+                <a:latin typeface="+mn-lt"/>
+                <a:ea typeface="+mn-ea"/>
+                <a:cs typeface="+mn-cs"/>
+              </a:rPr>
+              <a:t>.</a:t>
+            </a:r>
+            <a:endParaRPr lang="en-US" dirty="0"/>
+          </a:p>
+        </p:txBody>
+      </p:sp>
+      <p:sp>
+        <p:nvSpPr>
+          <p:cNvPr id="4" name="Slide Number Placeholder 3"/>
+          <p:cNvSpPr>
+            <a:spLocks noGrp="1"/>
+          </p:cNvSpPr>
+          <p:nvPr>
+            <p:ph type="sldNum" sz="quarter" idx="10"/>
+          </p:nvPr>
+        </p:nvSpPr>
+        <p:spPr/>
+        <p:txBody>
+          <a:bodyPr/>
+          <a:lstStyle/>
+          <a:p>
+            <a:fld id="{852F0A82-AFCF-AD4E-B0BE-96B91B3E53B3}" type="slidenum">
+              <a:rPr lang="en-US" smtClean="0"/>
+              <a:t>8</a:t>
+            </a:fld>
+            <a:endParaRPr lang="en-US"/>
+          </a:p>
+        </p:txBody>
+      </p:sp>
+    </p:spTree>
+    <p:extLst>
+      <p:ext uri="{BB962C8B-B14F-4D97-AF65-F5344CB8AC3E}">
+        <p14:creationId xmlns:p14="http://schemas.microsoft.com/office/powerpoint/2010/main" val="1749435519"/>
+      </p:ext>
+    </p:extLst>
+  </p:cSld>
+  <p:clrMapOvr>
+    <a:masterClrMapping/>
+  </p:clrMapOvr>
+</p:notes>
+</file>
+
+<file path=ppt/notesSlides/notesSlide9.xml><?xml version="1.0" encoding="utf-8"?>
+<p:notes xmlns:a="http://schemas.openxmlformats.org/drawingml/2006/main" xmlns:r="http://schemas.openxmlformats.org/officeDocument/2006/relationships" xmlns:p="http://schemas.openxmlformats.org/presentationml/2006/main">
+  <p:cSld>
+    <p:spTree>
+      <p:nvGrpSpPr>
+        <p:cNvPr id="1" name=""/>
+        <p:cNvGrpSpPr/>
+        <p:nvPr/>
+      </p:nvGrpSpPr>
+      <p:grpSpPr>
+        <a:xfrm>
+          <a:off x="0" y="0"/>
+          <a:ext cx="0" cy="0"/>
+          <a:chOff x="0" y="0"/>
+          <a:chExt cx="0" cy="0"/>
+        </a:xfrm>
+      </p:grpSpPr>
+      <p:sp>
+        <p:nvSpPr>
+          <p:cNvPr id="2" name="Slide Image Placeholder 1"/>
+          <p:cNvSpPr>
+            <a:spLocks noGrp="1" noRot="1" noChangeAspect="1"/>
+          </p:cNvSpPr>
+          <p:nvPr>
+            <p:ph type="sldImg"/>
+          </p:nvPr>
+        </p:nvSpPr>
+        <p:spPr/>
+      </p:sp>
+      <p:sp>
+        <p:nvSpPr>
+          <p:cNvPr id="3" name="Notes Placeholder 2"/>
+          <p:cNvSpPr>
+            <a:spLocks noGrp="1"/>
+          </p:cNvSpPr>
+          <p:nvPr>
+            <p:ph type="body" idx="1"/>
+          </p:nvPr>
+        </p:nvSpPr>
+        <p:spPr/>
+        <p:txBody>
+          <a:bodyPr/>
+          <a:lstStyle/>
+          <a:p>
+            <a:r>
+              <a:rPr lang="en-US" sz="1200" kern="1200" dirty="0" smtClean="0">
+                <a:solidFill>
+                  <a:schemeClr val="tx1"/>
+                </a:solidFill>
+                <a:latin typeface="+mn-lt"/>
+                <a:ea typeface="+mn-ea"/>
+                <a:cs typeface="+mn-cs"/>
+              </a:rPr>
+              <a:t>The boxplot we have is the one that </a:t>
+            </a:r>
+            <a:r>
+              <a:rPr lang="en-US" sz="1200" kern="1200" dirty="0" err="1" smtClean="0">
+                <a:solidFill>
+                  <a:schemeClr val="tx1"/>
+                </a:solidFill>
+                <a:latin typeface="+mn-lt"/>
+                <a:ea typeface="+mn-ea"/>
+                <a:cs typeface="+mn-cs"/>
+              </a:rPr>
+              <a:t>descirbe</a:t>
+            </a:r>
+            <a:r>
+              <a:rPr lang="en-US" sz="1200" kern="1200" dirty="0" smtClean="0">
+                <a:solidFill>
+                  <a:schemeClr val="tx1"/>
+                </a:solidFill>
+                <a:latin typeface="+mn-lt"/>
+                <a:ea typeface="+mn-ea"/>
+                <a:cs typeface="+mn-cs"/>
+              </a:rPr>
+              <a:t> the distribution of total duration by two service during the morning and evening rush hour by using boxplot. We </a:t>
+            </a:r>
+            <a:r>
+              <a:rPr lang="en-US" sz="1200" kern="1200" dirty="0" err="1" smtClean="0">
+                <a:solidFill>
+                  <a:schemeClr val="tx1"/>
+                </a:solidFill>
+                <a:latin typeface="+mn-lt"/>
+                <a:ea typeface="+mn-ea"/>
+                <a:cs typeface="+mn-cs"/>
+              </a:rPr>
+              <a:t>cna</a:t>
+            </a:r>
+            <a:r>
+              <a:rPr lang="en-US" sz="1200" kern="1200" dirty="0" smtClean="0">
+                <a:solidFill>
+                  <a:schemeClr val="tx1"/>
+                </a:solidFill>
+                <a:latin typeface="+mn-lt"/>
+                <a:ea typeface="+mn-ea"/>
+                <a:cs typeface="+mn-cs"/>
+              </a:rPr>
+              <a:t> find that the during the morning rush hour, the mean of the total duration of </a:t>
+            </a:r>
+            <a:r>
+              <a:rPr lang="en-US" sz="1200" kern="1200" dirty="0" err="1" smtClean="0">
+                <a:solidFill>
+                  <a:schemeClr val="tx1"/>
+                </a:solidFill>
+                <a:latin typeface="+mn-lt"/>
+                <a:ea typeface="+mn-ea"/>
+                <a:cs typeface="+mn-cs"/>
+              </a:rPr>
+              <a:t>Lyft</a:t>
+            </a:r>
+            <a:r>
+              <a:rPr lang="en-US" sz="1200" kern="1200" dirty="0" smtClean="0">
+                <a:solidFill>
+                  <a:schemeClr val="tx1"/>
+                </a:solidFill>
+                <a:latin typeface="+mn-lt"/>
+                <a:ea typeface="+mn-ea"/>
+                <a:cs typeface="+mn-cs"/>
+              </a:rPr>
+              <a:t> is same with </a:t>
+            </a:r>
+            <a:r>
+              <a:rPr lang="en-US" sz="1200" kern="1200" dirty="0" err="1" smtClean="0">
+                <a:solidFill>
+                  <a:schemeClr val="tx1"/>
+                </a:solidFill>
+                <a:latin typeface="+mn-lt"/>
+                <a:ea typeface="+mn-ea"/>
+                <a:cs typeface="+mn-cs"/>
+              </a:rPr>
+              <a:t>uber</a:t>
+            </a:r>
+            <a:r>
+              <a:rPr lang="en-US" sz="1200" kern="1200" dirty="0" smtClean="0">
+                <a:solidFill>
+                  <a:schemeClr val="tx1"/>
+                </a:solidFill>
+                <a:latin typeface="+mn-lt"/>
+                <a:ea typeface="+mn-ea"/>
+                <a:cs typeface="+mn-cs"/>
+              </a:rPr>
+              <a:t>, but overall </a:t>
+            </a:r>
+            <a:r>
+              <a:rPr lang="en-US" sz="1200" kern="1200" dirty="0" err="1" smtClean="0">
+                <a:solidFill>
+                  <a:schemeClr val="tx1"/>
+                </a:solidFill>
+                <a:latin typeface="+mn-lt"/>
+                <a:ea typeface="+mn-ea"/>
+                <a:cs typeface="+mn-cs"/>
+              </a:rPr>
+              <a:t>Uber</a:t>
+            </a:r>
+            <a:r>
+              <a:rPr lang="en-US" sz="1200" kern="1200" dirty="0" smtClean="0">
+                <a:solidFill>
+                  <a:schemeClr val="tx1"/>
+                </a:solidFill>
+                <a:latin typeface="+mn-lt"/>
+                <a:ea typeface="+mn-ea"/>
+                <a:cs typeface="+mn-cs"/>
+              </a:rPr>
+              <a:t> takes less total duration time than </a:t>
+            </a:r>
+            <a:r>
+              <a:rPr lang="en-US" sz="1200" kern="1200" dirty="0" err="1" smtClean="0">
+                <a:solidFill>
+                  <a:schemeClr val="tx1"/>
+                </a:solidFill>
+                <a:latin typeface="+mn-lt"/>
+                <a:ea typeface="+mn-ea"/>
+                <a:cs typeface="+mn-cs"/>
+              </a:rPr>
+              <a:t>Lyft</a:t>
+            </a:r>
+            <a:r>
+              <a:rPr lang="en-US" sz="1200" kern="1200" dirty="0" smtClean="0">
+                <a:solidFill>
+                  <a:schemeClr val="tx1"/>
+                </a:solidFill>
+                <a:latin typeface="+mn-lt"/>
+                <a:ea typeface="+mn-ea"/>
+                <a:cs typeface="+mn-cs"/>
+              </a:rPr>
+              <a:t>. During the evening rush hour, the mean of the total duration of </a:t>
+            </a:r>
+            <a:r>
+              <a:rPr lang="en-US" sz="1200" kern="1200" dirty="0" err="1" smtClean="0">
+                <a:solidFill>
+                  <a:schemeClr val="tx1"/>
+                </a:solidFill>
+                <a:latin typeface="+mn-lt"/>
+                <a:ea typeface="+mn-ea"/>
+                <a:cs typeface="+mn-cs"/>
+              </a:rPr>
+              <a:t>Lyft</a:t>
+            </a:r>
+            <a:r>
+              <a:rPr lang="en-US" sz="1200" kern="1200" dirty="0" smtClean="0">
+                <a:solidFill>
+                  <a:schemeClr val="tx1"/>
+                </a:solidFill>
+                <a:latin typeface="+mn-lt"/>
+                <a:ea typeface="+mn-ea"/>
+                <a:cs typeface="+mn-cs"/>
+              </a:rPr>
+              <a:t> is shorter than </a:t>
+            </a:r>
+            <a:r>
+              <a:rPr lang="en-US" sz="1200" kern="1200" dirty="0" err="1" smtClean="0">
+                <a:solidFill>
+                  <a:schemeClr val="tx1"/>
+                </a:solidFill>
+                <a:latin typeface="+mn-lt"/>
+                <a:ea typeface="+mn-ea"/>
+                <a:cs typeface="+mn-cs"/>
+              </a:rPr>
+              <a:t>Uber</a:t>
+            </a:r>
+            <a:r>
+              <a:rPr lang="en-US" sz="1200" kern="1200" dirty="0" smtClean="0">
+                <a:solidFill>
+                  <a:schemeClr val="tx1"/>
+                </a:solidFill>
+                <a:latin typeface="+mn-lt"/>
+                <a:ea typeface="+mn-ea"/>
+                <a:cs typeface="+mn-cs"/>
+              </a:rPr>
+              <a:t>, overall </a:t>
+            </a:r>
+            <a:r>
+              <a:rPr lang="en-US" sz="1200" kern="1200" dirty="0" err="1" smtClean="0">
+                <a:solidFill>
+                  <a:schemeClr val="tx1"/>
+                </a:solidFill>
+                <a:latin typeface="+mn-lt"/>
+                <a:ea typeface="+mn-ea"/>
+                <a:cs typeface="+mn-cs"/>
+              </a:rPr>
+              <a:t>Lyft</a:t>
+            </a:r>
+            <a:r>
+              <a:rPr lang="en-US" sz="1200" kern="1200" dirty="0" smtClean="0">
+                <a:solidFill>
+                  <a:schemeClr val="tx1"/>
+                </a:solidFill>
+                <a:latin typeface="+mn-lt"/>
+                <a:ea typeface="+mn-ea"/>
+                <a:cs typeface="+mn-cs"/>
+              </a:rPr>
+              <a:t> takes less total duration time than </a:t>
+            </a:r>
+            <a:r>
+              <a:rPr lang="en-US" sz="1200" kern="1200" dirty="0" err="1" smtClean="0">
+                <a:solidFill>
+                  <a:schemeClr val="tx1"/>
+                </a:solidFill>
+                <a:latin typeface="+mn-lt"/>
+                <a:ea typeface="+mn-ea"/>
+                <a:cs typeface="+mn-cs"/>
+              </a:rPr>
+              <a:t>Uber</a:t>
+            </a:r>
+            <a:r>
+              <a:rPr lang="en-US" sz="1200" kern="1200" dirty="0" smtClean="0">
+                <a:solidFill>
+                  <a:schemeClr val="tx1"/>
+                </a:solidFill>
+                <a:latin typeface="+mn-lt"/>
+                <a:ea typeface="+mn-ea"/>
+                <a:cs typeface="+mn-cs"/>
+              </a:rPr>
+              <a:t>, this is </a:t>
+            </a:r>
+            <a:r>
+              <a:rPr lang="en-US" sz="1200" kern="1200" dirty="0" err="1" smtClean="0">
+                <a:solidFill>
+                  <a:schemeClr val="tx1"/>
+                </a:solidFill>
+                <a:latin typeface="+mn-lt"/>
+                <a:ea typeface="+mn-ea"/>
+                <a:cs typeface="+mn-cs"/>
+              </a:rPr>
+              <a:t>oppsite</a:t>
+            </a:r>
+            <a:r>
+              <a:rPr lang="en-US" sz="1200" kern="1200" dirty="0" smtClean="0">
+                <a:solidFill>
+                  <a:schemeClr val="tx1"/>
+                </a:solidFill>
+                <a:latin typeface="+mn-lt"/>
+                <a:ea typeface="+mn-ea"/>
+                <a:cs typeface="+mn-cs"/>
+              </a:rPr>
+              <a:t> with the morning rush hour result.</a:t>
+            </a:r>
+            <a:endParaRPr lang="en-US" dirty="0"/>
+          </a:p>
+        </p:txBody>
+      </p:sp>
+      <p:sp>
+        <p:nvSpPr>
+          <p:cNvPr id="4" name="Slide Number Placeholder 3"/>
+          <p:cNvSpPr>
+            <a:spLocks noGrp="1"/>
+          </p:cNvSpPr>
+          <p:nvPr>
+            <p:ph type="sldNum" sz="quarter" idx="10"/>
+          </p:nvPr>
+        </p:nvSpPr>
+        <p:spPr/>
+        <p:txBody>
+          <a:bodyPr/>
+          <a:lstStyle/>
+          <a:p>
+            <a:fld id="{852F0A82-AFCF-AD4E-B0BE-96B91B3E53B3}" type="slidenum">
+              <a:rPr lang="en-US" smtClean="0"/>
+              <a:t>9</a:t>
+            </a:fld>
+            <a:endParaRPr lang="en-US"/>
+          </a:p>
+        </p:txBody>
+      </p:sp>
+    </p:spTree>
+    <p:extLst>
+      <p:ext uri="{BB962C8B-B14F-4D97-AF65-F5344CB8AC3E}">
+        <p14:creationId xmlns:p14="http://schemas.microsoft.com/office/powerpoint/2010/main" val="2785504113"/>
+      </p:ext>
+    </p:extLst>
+  </p:cSld>
+  <p:clrMapOvr>
+    <a:masterClrMapping/>
+  </p:clrMapOvr>
+</p:notes>
 </file>
 
 <file path=ppt/slideLayouts/slideLayout1.xml><?xml version="1.0" encoding="utf-8"?>
@@ -3137,12 +6506,21 @@
         </p:nvSpPr>
         <p:spPr/>
         <p:txBody>
-          <a:bodyPr/>
+          <a:bodyPr>
+            <a:normAutofit fontScale="90000"/>
+          </a:bodyPr>
           <a:lstStyle/>
           <a:p>
             <a:r>
               <a:rPr lang="en-US" dirty="0" smtClean="0"/>
               <a:t>BST260 Final Project</a:t>
+            </a:r>
+            <a:br>
+              <a:rPr lang="en-US" dirty="0" smtClean="0"/>
+            </a:br>
+            <a:r>
+              <a:rPr lang="en-US" dirty="0" smtClean="0"/>
+              <a:t>Kara Higgins &amp; Ray An</a:t>
             </a:r>
             <a:endParaRPr lang="en-US" dirty="0"/>
           </a:p>
@@ -3159,7 +6537,7 @@
           </p:nvPr>
         </p:nvPicPr>
         <p:blipFill>
-          <a:blip r:embed="rId2">
+          <a:blip r:embed="rId3">
             <a:extLst>
               <a:ext uri="{28A0092B-C50C-407E-A947-70E740481C1C}">
                 <a14:useLocalDpi xmlns:a14="http://schemas.microsoft.com/office/drawing/2010/main" val="0"/>
@@ -3183,6 +6561,13 @@
   <p:clrMapOvr>
     <a:masterClrMapping/>
   </p:clrMapOvr>
+  <p:timing>
+    <p:tnLst>
+      <p:par>
+        <p:cTn xmlns:p14="http://schemas.microsoft.com/office/powerpoint/2010/main" id="1" dur="indefinite" restart="never" nodeType="tmRoot"/>
+      </p:par>
+    </p:tnLst>
+  </p:timing>
 </p:sld>
 </file>
 
@@ -3203,32 +6588,9 @@
           <a:chExt cx="0" cy="0"/>
         </a:xfrm>
       </p:grpSpPr>
-      <p:sp>
-        <p:nvSpPr>
-          <p:cNvPr id="2" name="Title 1"/>
-          <p:cNvSpPr>
-            <a:spLocks noGrp="1"/>
-          </p:cNvSpPr>
-          <p:nvPr>
-            <p:ph type="title"/>
-          </p:nvPr>
-        </p:nvSpPr>
-        <p:spPr/>
-        <p:txBody>
-          <a:bodyPr/>
-          <a:lstStyle/>
-          <a:p>
-            <a:r>
-              <a:rPr lang="en-US" dirty="0" smtClean="0"/>
-              <a:t>Exploratory Analysis</a:t>
-            </a:r>
-            <a:endParaRPr lang="en-US" dirty="0"/>
-          </a:p>
-        </p:txBody>
-      </p:sp>
       <p:pic>
         <p:nvPicPr>
-          <p:cNvPr id="4" name="Content Placeholder 3" descr="ridecost_distr_histo.png"/>
+          <p:cNvPr id="8" name="Content Placeholder 7" descr="Screen Shot 2017-12-09 at 8.37.59 PM.png"/>
           <p:cNvPicPr>
             <a:picLocks noGrp="1" noChangeAspect="1"/>
           </p:cNvPicPr>
@@ -3237,24 +6599,29 @@
           </p:nvPr>
         </p:nvPicPr>
         <p:blipFill>
-          <a:blip r:embed="rId2">
+          <a:blip r:embed="rId3">
             <a:extLst>
               <a:ext uri="{28A0092B-C50C-407E-A947-70E740481C1C}">
                 <a14:useLocalDpi xmlns:a14="http://schemas.microsoft.com/office/drawing/2010/main" val="0"/>
               </a:ext>
             </a:extLst>
           </a:blip>
-          <a:srcRect l="-40915" r="-40915"/>
+          <a:srcRect l="1028" r="1028"/>
           <a:stretch>
             <a:fillRect/>
           </a:stretch>
         </p:blipFill>
-        <p:spPr/>
+        <p:spPr>
+          <a:xfrm>
+            <a:off x="457200" y="231775"/>
+            <a:ext cx="8229600" cy="6305550"/>
+          </a:xfrm>
+        </p:spPr>
       </p:pic>
     </p:spTree>
     <p:extLst>
       <p:ext uri="{BB962C8B-B14F-4D97-AF65-F5344CB8AC3E}">
-        <p14:creationId xmlns:p14="http://schemas.microsoft.com/office/powerpoint/2010/main" val="1687656700"/>
+        <p14:creationId xmlns:p14="http://schemas.microsoft.com/office/powerpoint/2010/main" val="1767627036"/>
       </p:ext>
     </p:extLst>
   </p:cSld>
@@ -3281,32 +6648,9 @@
           <a:chExt cx="0" cy="0"/>
         </a:xfrm>
       </p:grpSpPr>
-      <p:sp>
-        <p:nvSpPr>
-          <p:cNvPr id="2" name="Title 1"/>
-          <p:cNvSpPr>
-            <a:spLocks noGrp="1"/>
-          </p:cNvSpPr>
-          <p:nvPr>
-            <p:ph type="title"/>
-          </p:nvPr>
-        </p:nvSpPr>
-        <p:spPr/>
-        <p:txBody>
-          <a:bodyPr/>
-          <a:lstStyle/>
-          <a:p>
-            <a:r>
-              <a:rPr lang="en-US" dirty="0" smtClean="0"/>
-              <a:t>Exploratory Analysis</a:t>
-            </a:r>
-            <a:endParaRPr lang="en-US" dirty="0"/>
-          </a:p>
-        </p:txBody>
-      </p:sp>
       <p:pic>
         <p:nvPicPr>
-          <p:cNvPr id="4" name="Content Placeholder 3" descr="ridereq_distr_boxp.png"/>
+          <p:cNvPr id="4" name="Content Placeholder 3" descr="Screen Shot 2017-12-09 at 8.39.28 PM.png"/>
           <p:cNvPicPr>
             <a:picLocks noGrp="1" noChangeAspect="1"/>
           </p:cNvPicPr>
@@ -3315,24 +6659,29 @@
           </p:nvPr>
         </p:nvPicPr>
         <p:blipFill>
-          <a:blip r:embed="rId2">
+          <a:blip r:embed="rId3">
             <a:extLst>
               <a:ext uri="{28A0092B-C50C-407E-A947-70E740481C1C}">
                 <a14:useLocalDpi xmlns:a14="http://schemas.microsoft.com/office/drawing/2010/main" val="0"/>
               </a:ext>
             </a:extLst>
           </a:blip>
-          <a:srcRect l="-40915" r="-40915"/>
+          <a:srcRect l="475" r="475"/>
           <a:stretch>
             <a:fillRect/>
           </a:stretch>
         </p:blipFill>
-        <p:spPr/>
+        <p:spPr>
+          <a:xfrm>
+            <a:off x="457200" y="309563"/>
+            <a:ext cx="8229600" cy="6273800"/>
+          </a:xfrm>
+        </p:spPr>
       </p:pic>
     </p:spTree>
     <p:extLst>
       <p:ext uri="{BB962C8B-B14F-4D97-AF65-F5344CB8AC3E}">
-        <p14:creationId xmlns:p14="http://schemas.microsoft.com/office/powerpoint/2010/main" val="2981886599"/>
+        <p14:creationId xmlns:p14="http://schemas.microsoft.com/office/powerpoint/2010/main" val="3200486625"/>
       </p:ext>
     </p:extLst>
   </p:cSld>
@@ -3359,32 +6708,9 @@
           <a:chExt cx="0" cy="0"/>
         </a:xfrm>
       </p:grpSpPr>
-      <p:sp>
-        <p:nvSpPr>
-          <p:cNvPr id="2" name="Title 1"/>
-          <p:cNvSpPr>
-            <a:spLocks noGrp="1"/>
-          </p:cNvSpPr>
-          <p:nvPr>
-            <p:ph type="title"/>
-          </p:nvPr>
-        </p:nvSpPr>
-        <p:spPr/>
-        <p:txBody>
-          <a:bodyPr/>
-          <a:lstStyle/>
-          <a:p>
-            <a:r>
-              <a:rPr lang="en-US" dirty="0" smtClean="0"/>
-              <a:t>Exploratory Analysis</a:t>
-            </a:r>
-            <a:endParaRPr lang="en-US" dirty="0"/>
-          </a:p>
-        </p:txBody>
-      </p:sp>
       <p:pic>
         <p:nvPicPr>
-          <p:cNvPr id="4" name="Content Placeholder 3" descr="cost_per_min.png"/>
+          <p:cNvPr id="8" name="Content Placeholder 7" descr="price_pm.png"/>
           <p:cNvPicPr>
             <a:picLocks noGrp="1" noChangeAspect="1"/>
           </p:cNvPicPr>
@@ -3392,25 +6718,28 @@
             <p:ph idx="1"/>
           </p:nvPr>
         </p:nvPicPr>
-        <p:blipFill>
-          <a:blip r:embed="rId2">
+        <p:blipFill rotWithShape="1">
+          <a:blip r:embed="rId3">
             <a:extLst>
               <a:ext uri="{28A0092B-C50C-407E-A947-70E740481C1C}">
                 <a14:useLocalDpi xmlns:a14="http://schemas.microsoft.com/office/drawing/2010/main" val="0"/>
               </a:ext>
             </a:extLst>
           </a:blip>
-          <a:srcRect l="-40915" r="-40915"/>
-          <a:stretch>
-            <a:fillRect/>
-          </a:stretch>
+          <a:srcRect l="-39697" t="-501" r="-34482"/>
+          <a:stretch/>
         </p:blipFill>
-        <p:spPr/>
+        <p:spPr>
+          <a:xfrm>
+            <a:off x="-2664015" y="176825"/>
+            <a:ext cx="13805627" cy="6452575"/>
+          </a:xfrm>
+        </p:spPr>
       </p:pic>
     </p:spTree>
     <p:extLst>
       <p:ext uri="{BB962C8B-B14F-4D97-AF65-F5344CB8AC3E}">
-        <p14:creationId xmlns:p14="http://schemas.microsoft.com/office/powerpoint/2010/main" val="3053014964"/>
+        <p14:creationId xmlns:p14="http://schemas.microsoft.com/office/powerpoint/2010/main" val="3320576613"/>
       </p:ext>
     </p:extLst>
   </p:cSld>
@@ -3437,32 +6766,9 @@
           <a:chExt cx="0" cy="0"/>
         </a:xfrm>
       </p:grpSpPr>
-      <p:sp>
-        <p:nvSpPr>
-          <p:cNvPr id="2" name="Title 1"/>
-          <p:cNvSpPr>
-            <a:spLocks noGrp="1"/>
-          </p:cNvSpPr>
-          <p:nvPr>
-            <p:ph type="title"/>
-          </p:nvPr>
-        </p:nvSpPr>
-        <p:spPr/>
-        <p:txBody>
-          <a:bodyPr/>
-          <a:lstStyle/>
-          <a:p>
-            <a:r>
-              <a:rPr lang="en-US" dirty="0" smtClean="0"/>
-              <a:t>Exploratory Analysis</a:t>
-            </a:r>
-            <a:endParaRPr lang="en-US" dirty="0"/>
-          </a:p>
-        </p:txBody>
-      </p:sp>
       <p:pic>
         <p:nvPicPr>
-          <p:cNvPr id="4" name="Content Placeholder 3" descr="cost_per_min_boxp.png"/>
+          <p:cNvPr id="4" name="Content Placeholder 3" descr="Screen Shot 2017-12-09 at 8.44.48 PM.png"/>
           <p:cNvPicPr>
             <a:picLocks noGrp="1" noChangeAspect="1"/>
           </p:cNvPicPr>
@@ -3471,24 +6777,29 @@
           </p:nvPr>
         </p:nvPicPr>
         <p:blipFill>
-          <a:blip r:embed="rId2">
+          <a:blip r:embed="rId3">
             <a:extLst>
               <a:ext uri="{28A0092B-C50C-407E-A947-70E740481C1C}">
                 <a14:useLocalDpi xmlns:a14="http://schemas.microsoft.com/office/drawing/2010/main" val="0"/>
               </a:ext>
             </a:extLst>
           </a:blip>
-          <a:srcRect l="-40915" r="-40915"/>
+          <a:srcRect l="1855" r="1855"/>
           <a:stretch>
             <a:fillRect/>
           </a:stretch>
         </p:blipFill>
-        <p:spPr/>
+        <p:spPr>
+          <a:xfrm>
+            <a:off x="457200" y="293688"/>
+            <a:ext cx="8229600" cy="6211887"/>
+          </a:xfrm>
+        </p:spPr>
       </p:pic>
     </p:spTree>
     <p:extLst>
       <p:ext uri="{BB962C8B-B14F-4D97-AF65-F5344CB8AC3E}">
-        <p14:creationId xmlns:p14="http://schemas.microsoft.com/office/powerpoint/2010/main" val="2691955938"/>
+        <p14:creationId xmlns:p14="http://schemas.microsoft.com/office/powerpoint/2010/main" val="3341733997"/>
       </p:ext>
     </p:extLst>
   </p:cSld>
@@ -3515,32 +6826,9 @@
           <a:chExt cx="0" cy="0"/>
         </a:xfrm>
       </p:grpSpPr>
-      <p:sp>
-        <p:nvSpPr>
-          <p:cNvPr id="2" name="Title 1"/>
-          <p:cNvSpPr>
-            <a:spLocks noGrp="1"/>
-          </p:cNvSpPr>
-          <p:nvPr>
-            <p:ph type="title"/>
-          </p:nvPr>
-        </p:nvSpPr>
-        <p:spPr/>
-        <p:txBody>
-          <a:bodyPr/>
-          <a:lstStyle/>
-          <a:p>
-            <a:r>
-              <a:rPr lang="en-US" dirty="0" smtClean="0"/>
-              <a:t>Exploratory Analysis</a:t>
-            </a:r>
-            <a:endParaRPr lang="en-US" dirty="0"/>
-          </a:p>
-        </p:txBody>
-      </p:sp>
       <p:pic>
         <p:nvPicPr>
-          <p:cNvPr id="4" name="Content Placeholder 3" descr="waittime_histo.png"/>
+          <p:cNvPr id="4" name="Content Placeholder 3" descr="Screen Shot 2017-12-09 at 8.46.01 PM.png"/>
           <p:cNvPicPr>
             <a:picLocks noGrp="1" noChangeAspect="1"/>
           </p:cNvPicPr>
@@ -3549,24 +6837,29 @@
           </p:nvPr>
         </p:nvPicPr>
         <p:blipFill>
-          <a:blip r:embed="rId2">
+          <a:blip r:embed="rId3">
             <a:extLst>
               <a:ext uri="{28A0092B-C50C-407E-A947-70E740481C1C}">
                 <a14:useLocalDpi xmlns:a14="http://schemas.microsoft.com/office/drawing/2010/main" val="0"/>
               </a:ext>
             </a:extLst>
           </a:blip>
-          <a:srcRect l="-40915" r="-40915"/>
+          <a:srcRect t="611" b="611"/>
           <a:stretch>
             <a:fillRect/>
           </a:stretch>
         </p:blipFill>
-        <p:spPr/>
+        <p:spPr>
+          <a:xfrm>
+            <a:off x="457200" y="217488"/>
+            <a:ext cx="8229600" cy="6365875"/>
+          </a:xfrm>
+        </p:spPr>
       </p:pic>
     </p:spTree>
     <p:extLst>
       <p:ext uri="{BB962C8B-B14F-4D97-AF65-F5344CB8AC3E}">
-        <p14:creationId xmlns:p14="http://schemas.microsoft.com/office/powerpoint/2010/main" val="2608121683"/>
+        <p14:creationId xmlns:p14="http://schemas.microsoft.com/office/powerpoint/2010/main" val="1527239488"/>
       </p:ext>
     </p:extLst>
   </p:cSld>
@@ -3593,32 +6886,9 @@
           <a:chExt cx="0" cy="0"/>
         </a:xfrm>
       </p:grpSpPr>
-      <p:sp>
-        <p:nvSpPr>
-          <p:cNvPr id="2" name="Title 1"/>
-          <p:cNvSpPr>
-            <a:spLocks noGrp="1"/>
-          </p:cNvSpPr>
-          <p:nvPr>
-            <p:ph type="title"/>
-          </p:nvPr>
-        </p:nvSpPr>
-        <p:spPr/>
-        <p:txBody>
-          <a:bodyPr/>
-          <a:lstStyle/>
-          <a:p>
-            <a:r>
-              <a:rPr lang="en-US" dirty="0" smtClean="0"/>
-              <a:t>Exploratory Analysis</a:t>
-            </a:r>
-            <a:endParaRPr lang="en-US" dirty="0"/>
-          </a:p>
-        </p:txBody>
-      </p:sp>
       <p:pic>
         <p:nvPicPr>
-          <p:cNvPr id="4" name="Content Placeholder 3" descr="totalduration_histo.png"/>
+          <p:cNvPr id="4" name="Content Placeholder 3" descr="Screen Shot 2017-12-09 at 8.47.36 PM.png"/>
           <p:cNvPicPr>
             <a:picLocks noGrp="1" noChangeAspect="1"/>
           </p:cNvPicPr>
@@ -3627,24 +6897,29 @@
           </p:nvPr>
         </p:nvPicPr>
         <p:blipFill>
-          <a:blip r:embed="rId2">
+          <a:blip r:embed="rId3">
             <a:extLst>
               <a:ext uri="{28A0092B-C50C-407E-A947-70E740481C1C}">
                 <a14:useLocalDpi xmlns:a14="http://schemas.microsoft.com/office/drawing/2010/main" val="0"/>
               </a:ext>
             </a:extLst>
           </a:blip>
-          <a:srcRect l="-40915" r="-40915"/>
+          <a:srcRect l="2273" r="2273"/>
           <a:stretch>
             <a:fillRect/>
           </a:stretch>
         </p:blipFill>
-        <p:spPr/>
+        <p:spPr>
+          <a:xfrm>
+            <a:off x="457200" y="309563"/>
+            <a:ext cx="8229600" cy="6211887"/>
+          </a:xfrm>
+        </p:spPr>
       </p:pic>
     </p:spTree>
     <p:extLst>
       <p:ext uri="{BB962C8B-B14F-4D97-AF65-F5344CB8AC3E}">
-        <p14:creationId xmlns:p14="http://schemas.microsoft.com/office/powerpoint/2010/main" val="3968603538"/>
+        <p14:creationId xmlns:p14="http://schemas.microsoft.com/office/powerpoint/2010/main" val="212633331"/>
       </p:ext>
     </p:extLst>
   </p:cSld>
@@ -3671,32 +6946,9 @@
           <a:chExt cx="0" cy="0"/>
         </a:xfrm>
       </p:grpSpPr>
-      <p:sp>
-        <p:nvSpPr>
-          <p:cNvPr id="2" name="Title 1"/>
-          <p:cNvSpPr>
-            <a:spLocks noGrp="1"/>
-          </p:cNvSpPr>
-          <p:nvPr>
-            <p:ph type="title"/>
-          </p:nvPr>
-        </p:nvSpPr>
-        <p:spPr/>
-        <p:txBody>
-          <a:bodyPr/>
-          <a:lstStyle/>
-          <a:p>
-            <a:r>
-              <a:rPr lang="en-US" dirty="0" smtClean="0"/>
-              <a:t>Exploratory Analysis</a:t>
-            </a:r>
-            <a:endParaRPr lang="en-US" dirty="0"/>
-          </a:p>
-        </p:txBody>
-      </p:sp>
       <p:pic>
         <p:nvPicPr>
-          <p:cNvPr id="4" name="Content Placeholder 3" descr="totalduration_boxp.png"/>
+          <p:cNvPr id="4" name="Content Placeholder 3" descr="Screen Shot 2017-12-09 at 8.49.29 PM.png"/>
           <p:cNvPicPr>
             <a:picLocks noGrp="1" noChangeAspect="1"/>
           </p:cNvPicPr>
@@ -3705,24 +6957,29 @@
           </p:nvPr>
         </p:nvPicPr>
         <p:blipFill>
-          <a:blip r:embed="rId2">
+          <a:blip r:embed="rId3">
             <a:extLst>
               <a:ext uri="{28A0092B-C50C-407E-A947-70E740481C1C}">
                 <a14:useLocalDpi xmlns:a14="http://schemas.microsoft.com/office/drawing/2010/main" val="0"/>
               </a:ext>
             </a:extLst>
           </a:blip>
-          <a:srcRect l="-40915" r="-40915"/>
+          <a:srcRect l="3395" r="3395"/>
           <a:stretch>
             <a:fillRect/>
           </a:stretch>
         </p:blipFill>
-        <p:spPr/>
+        <p:spPr>
+          <a:xfrm>
+            <a:off x="457200" y="309563"/>
+            <a:ext cx="8229600" cy="6227762"/>
+          </a:xfrm>
+        </p:spPr>
       </p:pic>
     </p:spTree>
     <p:extLst>
       <p:ext uri="{BB962C8B-B14F-4D97-AF65-F5344CB8AC3E}">
-        <p14:creationId xmlns:p14="http://schemas.microsoft.com/office/powerpoint/2010/main" val="3355228474"/>
+        <p14:creationId xmlns:p14="http://schemas.microsoft.com/office/powerpoint/2010/main" val="901280359"/>
       </p:ext>
     </p:extLst>
   </p:cSld>
@@ -3749,32 +7006,9 @@
           <a:chExt cx="0" cy="0"/>
         </a:xfrm>
       </p:grpSpPr>
-      <p:sp>
-        <p:nvSpPr>
-          <p:cNvPr id="2" name="Title 1"/>
-          <p:cNvSpPr>
-            <a:spLocks noGrp="1"/>
-          </p:cNvSpPr>
-          <p:nvPr>
-            <p:ph type="title"/>
-          </p:nvPr>
-        </p:nvSpPr>
-        <p:spPr/>
-        <p:txBody>
-          <a:bodyPr/>
-          <a:lstStyle/>
-          <a:p>
-            <a:r>
-              <a:rPr lang="en-US" dirty="0" smtClean="0"/>
-              <a:t>Exploratory Analysis</a:t>
-            </a:r>
-            <a:endParaRPr lang="en-US" dirty="0"/>
-          </a:p>
-        </p:txBody>
-      </p:sp>
       <p:pic>
         <p:nvPicPr>
-          <p:cNvPr id="4" name="Content Placeholder 3" descr="price_am.png"/>
+          <p:cNvPr id="4" name="Content Placeholder 3" descr="Screen Shot 2017-12-09 at 8.47.52 PM.png"/>
           <p:cNvPicPr>
             <a:picLocks noGrp="1" noChangeAspect="1"/>
           </p:cNvPicPr>
@@ -3783,180 +7017,29 @@
           </p:nvPr>
         </p:nvPicPr>
         <p:blipFill>
-          <a:blip r:embed="rId2">
+          <a:blip r:embed="rId3">
             <a:extLst>
               <a:ext uri="{28A0092B-C50C-407E-A947-70E740481C1C}">
                 <a14:useLocalDpi xmlns:a14="http://schemas.microsoft.com/office/drawing/2010/main" val="0"/>
               </a:ext>
             </a:extLst>
           </a:blip>
-          <a:srcRect l="-40915" r="-40915"/>
+          <a:srcRect l="1487" r="1487"/>
           <a:stretch>
             <a:fillRect/>
           </a:stretch>
         </p:blipFill>
-        <p:spPr/>
+        <p:spPr>
+          <a:xfrm>
+            <a:off x="457200" y="341313"/>
+            <a:ext cx="8229600" cy="6102350"/>
+          </a:xfrm>
+        </p:spPr>
       </p:pic>
     </p:spTree>
     <p:extLst>
       <p:ext uri="{BB962C8B-B14F-4D97-AF65-F5344CB8AC3E}">
-        <p14:creationId xmlns:p14="http://schemas.microsoft.com/office/powerpoint/2010/main" val="4018723100"/>
-      </p:ext>
-    </p:extLst>
-  </p:cSld>
-  <p:clrMapOvr>
-    <a:masterClrMapping/>
-  </p:clrMapOvr>
-</p:sld>
-</file>
-
-<file path=ppt/slides/slide18.xml><?xml version="1.0" encoding="utf-8"?>
-<p:sld xmlns:a="http://schemas.openxmlformats.org/drawingml/2006/main" xmlns:r="http://schemas.openxmlformats.org/officeDocument/2006/relationships" xmlns:p="http://schemas.openxmlformats.org/presentationml/2006/main">
-  <p:cSld>
-    <p:spTree>
-      <p:nvGrpSpPr>
-        <p:cNvPr id="1" name=""/>
-        <p:cNvGrpSpPr/>
-        <p:nvPr/>
-      </p:nvGrpSpPr>
-      <p:grpSpPr>
-        <a:xfrm>
-          <a:off x="0" y="0"/>
-          <a:ext cx="0" cy="0"/>
-          <a:chOff x="0" y="0"/>
-          <a:chExt cx="0" cy="0"/>
-        </a:xfrm>
-      </p:grpSpPr>
-      <p:sp>
-        <p:nvSpPr>
-          <p:cNvPr id="2" name="Title 1"/>
-          <p:cNvSpPr>
-            <a:spLocks noGrp="1"/>
-          </p:cNvSpPr>
-          <p:nvPr>
-            <p:ph type="title"/>
-          </p:nvPr>
-        </p:nvSpPr>
-        <p:spPr/>
-        <p:txBody>
-          <a:bodyPr/>
-          <a:lstStyle/>
-          <a:p>
-            <a:r>
-              <a:rPr lang="en-US" dirty="0" smtClean="0"/>
-              <a:t>Exploratory Analysis</a:t>
-            </a:r>
-            <a:endParaRPr lang="en-US" dirty="0"/>
-          </a:p>
-        </p:txBody>
-      </p:sp>
-      <p:pic>
-        <p:nvPicPr>
-          <p:cNvPr id="4" name="Content Placeholder 3" descr="price_pm.png"/>
-          <p:cNvPicPr>
-            <a:picLocks noGrp="1" noChangeAspect="1"/>
-          </p:cNvPicPr>
-          <p:nvPr>
-            <p:ph idx="1"/>
-          </p:nvPr>
-        </p:nvPicPr>
-        <p:blipFill>
-          <a:blip r:embed="rId2">
-            <a:extLst>
-              <a:ext uri="{28A0092B-C50C-407E-A947-70E740481C1C}">
-                <a14:useLocalDpi xmlns:a14="http://schemas.microsoft.com/office/drawing/2010/main" val="0"/>
-              </a:ext>
-            </a:extLst>
-          </a:blip>
-          <a:srcRect l="-40915" r="-40915"/>
-          <a:stretch>
-            <a:fillRect/>
-          </a:stretch>
-        </p:blipFill>
-        <p:spPr/>
-      </p:pic>
-    </p:spTree>
-    <p:extLst>
-      <p:ext uri="{BB962C8B-B14F-4D97-AF65-F5344CB8AC3E}">
-        <p14:creationId xmlns:p14="http://schemas.microsoft.com/office/powerpoint/2010/main" val="892778185"/>
-      </p:ext>
-    </p:extLst>
-  </p:cSld>
-  <p:clrMapOvr>
-    <a:masterClrMapping/>
-  </p:clrMapOvr>
-</p:sld>
-</file>
-
-<file path=ppt/slides/slide19.xml><?xml version="1.0" encoding="utf-8"?>
-<p:sld xmlns:a="http://schemas.openxmlformats.org/drawingml/2006/main" xmlns:r="http://schemas.openxmlformats.org/officeDocument/2006/relationships" xmlns:p="http://schemas.openxmlformats.org/presentationml/2006/main">
-  <p:cSld>
-    <p:spTree>
-      <p:nvGrpSpPr>
-        <p:cNvPr id="1" name=""/>
-        <p:cNvGrpSpPr/>
-        <p:nvPr/>
-      </p:nvGrpSpPr>
-      <p:grpSpPr>
-        <a:xfrm>
-          <a:off x="0" y="0"/>
-          <a:ext cx="0" cy="0"/>
-          <a:chOff x="0" y="0"/>
-          <a:chExt cx="0" cy="0"/>
-        </a:xfrm>
-      </p:grpSpPr>
-      <p:sp>
-        <p:nvSpPr>
-          <p:cNvPr id="2" name="Title 1"/>
-          <p:cNvSpPr>
-            <a:spLocks noGrp="1"/>
-          </p:cNvSpPr>
-          <p:nvPr>
-            <p:ph type="title"/>
-          </p:nvPr>
-        </p:nvSpPr>
-        <p:spPr/>
-        <p:txBody>
-          <a:bodyPr/>
-          <a:lstStyle/>
-          <a:p>
-            <a:r>
-              <a:rPr lang="en-US" dirty="0" smtClean="0"/>
-              <a:t>Exploratory Analysis</a:t>
-            </a:r>
-            <a:endParaRPr lang="en-US" dirty="0"/>
-          </a:p>
-        </p:txBody>
-      </p:sp>
-      <p:pic>
-        <p:nvPicPr>
-          <p:cNvPr id="4" name="Content Placeholder 3" descr="pricein15min.png"/>
-          <p:cNvPicPr>
-            <a:picLocks noGrp="1" noChangeAspect="1"/>
-          </p:cNvPicPr>
-          <p:nvPr>
-            <p:ph idx="1"/>
-          </p:nvPr>
-        </p:nvPicPr>
-        <p:blipFill>
-          <a:blip r:embed="rId2">
-            <a:extLst>
-              <a:ext uri="{28A0092B-C50C-407E-A947-70E740481C1C}">
-                <a14:useLocalDpi xmlns:a14="http://schemas.microsoft.com/office/drawing/2010/main" val="0"/>
-              </a:ext>
-            </a:extLst>
-          </a:blip>
-          <a:srcRect l="-40915" r="-40915"/>
-          <a:stretch>
-            <a:fillRect/>
-          </a:stretch>
-        </p:blipFill>
-        <p:spPr/>
-      </p:pic>
-    </p:spTree>
-    <p:extLst>
-      <p:ext uri="{BB962C8B-B14F-4D97-AF65-F5344CB8AC3E}">
-        <p14:creationId xmlns:p14="http://schemas.microsoft.com/office/powerpoint/2010/main" val="3380680195"/>
+        <p14:creationId xmlns:p14="http://schemas.microsoft.com/office/powerpoint/2010/main" val="2656611199"/>
       </p:ext>
     </p:extLst>
   </p:cSld>
@@ -3983,975 +7066,53 @@
           <a:chExt cx="0" cy="0"/>
         </a:xfrm>
       </p:grpSpPr>
-      <p:sp>
-        <p:nvSpPr>
-          <p:cNvPr id="2" name="Title 1"/>
-          <p:cNvSpPr>
-            <a:spLocks noGrp="1"/>
-          </p:cNvSpPr>
-          <p:nvPr>
-            <p:ph type="ctrTitle"/>
-          </p:nvPr>
-        </p:nvSpPr>
-        <p:spPr/>
-        <p:txBody>
-          <a:bodyPr>
-            <a:normAutofit/>
-          </a:bodyPr>
-          <a:lstStyle/>
-          <a:p>
-            <a:r>
-              <a:rPr lang="en-US" sz="3600" b="1" dirty="0" err="1" smtClean="0"/>
-              <a:t>Uber</a:t>
-            </a:r>
-            <a:r>
-              <a:rPr lang="en-US" sz="3600" b="1" dirty="0" smtClean="0"/>
-              <a:t> or </a:t>
-            </a:r>
-            <a:r>
-              <a:rPr lang="en-US" sz="3600" b="1" dirty="0" err="1" smtClean="0"/>
-              <a:t>Lyft</a:t>
-            </a:r>
-            <a:r>
-              <a:rPr lang="en-US" sz="3600" b="1" dirty="0" smtClean="0"/>
-              <a:t>: Which is the Better Option from Longwood to Harvard Square?</a:t>
-            </a:r>
-            <a:endParaRPr lang="en-US" sz="3600" b="1" dirty="0"/>
-          </a:p>
-        </p:txBody>
-      </p:sp>
-      <p:sp>
-        <p:nvSpPr>
-          <p:cNvPr id="3" name="Subtitle 2"/>
-          <p:cNvSpPr>
-            <a:spLocks noGrp="1"/>
-          </p:cNvSpPr>
-          <p:nvPr>
-            <p:ph type="subTitle" idx="1"/>
-          </p:nvPr>
-        </p:nvSpPr>
-        <p:spPr/>
-        <p:txBody>
-          <a:bodyPr/>
-          <a:lstStyle/>
-          <a:p>
-            <a:r>
-              <a:rPr lang="en-US" dirty="0" smtClean="0"/>
-              <a:t>Kara Higgins and Ray An</a:t>
-            </a:r>
-          </a:p>
-          <a:p>
-            <a:r>
-              <a:rPr lang="en-US" dirty="0" smtClean="0"/>
-              <a:t>BST260</a:t>
-            </a:r>
-            <a:endParaRPr lang="en-US" dirty="0"/>
-          </a:p>
-        </p:txBody>
-      </p:sp>
+      <p:pic>
+        <p:nvPicPr>
+          <p:cNvPr id="4" name="Content Placeholder 3" descr="Screen Shot 2017-12-09 at 6.00.38 PM.png"/>
+          <p:cNvPicPr>
+            <a:picLocks noGrp="1" noChangeAspect="1"/>
+          </p:cNvPicPr>
+          <p:nvPr>
+            <p:ph idx="1"/>
+          </p:nvPr>
+        </p:nvPicPr>
+        <p:blipFill>
+          <a:blip r:embed="rId3">
+            <a:extLst>
+              <a:ext uri="{28A0092B-C50C-407E-A947-70E740481C1C}">
+                <a14:useLocalDpi xmlns:a14="http://schemas.microsoft.com/office/drawing/2010/main" val="0"/>
+              </a:ext>
+            </a:extLst>
+          </a:blip>
+          <a:srcRect t="2141" b="2141"/>
+          <a:stretch>
+            <a:fillRect/>
+          </a:stretch>
+        </p:blipFill>
+        <p:spPr>
+          <a:xfrm>
+            <a:off x="543019" y="171450"/>
+            <a:ext cx="8229600" cy="6532563"/>
+          </a:xfrm>
+        </p:spPr>
+      </p:pic>
     </p:spTree>
     <p:extLst>
       <p:ext uri="{BB962C8B-B14F-4D97-AF65-F5344CB8AC3E}">
-        <p14:creationId xmlns:p14="http://schemas.microsoft.com/office/powerpoint/2010/main" val="2188580605"/>
+        <p14:creationId xmlns:p14="http://schemas.microsoft.com/office/powerpoint/2010/main" val="1189956508"/>
       </p:ext>
     </p:extLst>
   </p:cSld>
   <p:clrMapOvr>
     <a:masterClrMapping/>
   </p:clrMapOvr>
-</p:sld>
-</file>
-
-<file path=ppt/slides/slide20.xml><?xml version="1.0" encoding="utf-8"?>
-<p:sld xmlns:a="http://schemas.openxmlformats.org/drawingml/2006/main" xmlns:r="http://schemas.openxmlformats.org/officeDocument/2006/relationships" xmlns:p="http://schemas.openxmlformats.org/presentationml/2006/main">
-  <p:cSld>
-    <p:spTree>
-      <p:nvGrpSpPr>
-        <p:cNvPr id="1" name=""/>
-        <p:cNvGrpSpPr/>
-        <p:nvPr/>
-      </p:nvGrpSpPr>
-      <p:grpSpPr>
-        <a:xfrm>
-          <a:off x="0" y="0"/>
-          <a:ext cx="0" cy="0"/>
-          <a:chOff x="0" y="0"/>
-          <a:chExt cx="0" cy="0"/>
-        </a:xfrm>
-      </p:grpSpPr>
-      <p:sp>
-        <p:nvSpPr>
-          <p:cNvPr id="2" name="Title 1"/>
-          <p:cNvSpPr>
-            <a:spLocks noGrp="1"/>
-          </p:cNvSpPr>
-          <p:nvPr>
-            <p:ph type="title"/>
-          </p:nvPr>
-        </p:nvSpPr>
-        <p:spPr/>
-        <p:txBody>
-          <a:bodyPr/>
-          <a:lstStyle/>
-          <a:p>
-            <a:r>
-              <a:rPr lang="en-US" dirty="0" smtClean="0"/>
-              <a:t>Exploratory Analysis</a:t>
-            </a:r>
-            <a:endParaRPr lang="en-US" dirty="0"/>
-          </a:p>
-        </p:txBody>
-      </p:sp>
-      <p:pic>
-        <p:nvPicPr>
-          <p:cNvPr id="4" name="Content Placeholder 3" descr="cost_totalduration.png"/>
-          <p:cNvPicPr>
-            <a:picLocks noGrp="1" noChangeAspect="1"/>
-          </p:cNvPicPr>
-          <p:nvPr>
-            <p:ph idx="1"/>
-          </p:nvPr>
-        </p:nvPicPr>
-        <p:blipFill>
-          <a:blip r:embed="rId2">
-            <a:extLst>
-              <a:ext uri="{28A0092B-C50C-407E-A947-70E740481C1C}">
-                <a14:useLocalDpi xmlns:a14="http://schemas.microsoft.com/office/drawing/2010/main" val="0"/>
-              </a:ext>
-            </a:extLst>
-          </a:blip>
-          <a:srcRect l="-40915" r="-40915"/>
-          <a:stretch>
-            <a:fillRect/>
-          </a:stretch>
-        </p:blipFill>
-        <p:spPr/>
-      </p:pic>
-    </p:spTree>
-    <p:extLst>
-      <p:ext uri="{BB962C8B-B14F-4D97-AF65-F5344CB8AC3E}">
-        <p14:creationId xmlns:p14="http://schemas.microsoft.com/office/powerpoint/2010/main" val="1912312666"/>
-      </p:ext>
-    </p:extLst>
-  </p:cSld>
-  <p:clrMapOvr>
-    <a:masterClrMapping/>
-  </p:clrMapOvr>
-</p:sld>
-</file>
-
-<file path=ppt/slides/slide21.xml><?xml version="1.0" encoding="utf-8"?>
-<p:sld xmlns:a="http://schemas.openxmlformats.org/drawingml/2006/main" xmlns:r="http://schemas.openxmlformats.org/officeDocument/2006/relationships" xmlns:p="http://schemas.openxmlformats.org/presentationml/2006/main">
-  <p:cSld>
-    <p:spTree>
-      <p:nvGrpSpPr>
-        <p:cNvPr id="1" name=""/>
-        <p:cNvGrpSpPr/>
-        <p:nvPr/>
-      </p:nvGrpSpPr>
-      <p:grpSpPr>
-        <a:xfrm>
-          <a:off x="0" y="0"/>
-          <a:ext cx="0" cy="0"/>
-          <a:chOff x="0" y="0"/>
-          <a:chExt cx="0" cy="0"/>
-        </a:xfrm>
-      </p:grpSpPr>
-      <p:sp>
-        <p:nvSpPr>
-          <p:cNvPr id="2" name="Title 1"/>
-          <p:cNvSpPr>
-            <a:spLocks noGrp="1"/>
-          </p:cNvSpPr>
-          <p:nvPr>
-            <p:ph type="title"/>
-          </p:nvPr>
-        </p:nvSpPr>
-        <p:spPr/>
-        <p:txBody>
-          <a:bodyPr/>
-          <a:lstStyle/>
-          <a:p>
-            <a:r>
-              <a:rPr lang="en-US" dirty="0" smtClean="0"/>
-              <a:t>Exploratory Analysis</a:t>
-            </a:r>
-            <a:endParaRPr lang="en-US" dirty="0"/>
-          </a:p>
-        </p:txBody>
-      </p:sp>
-      <p:pic>
-        <p:nvPicPr>
-          <p:cNvPr id="4" name="Content Placeholder 3" descr="cost_totaldur.png"/>
-          <p:cNvPicPr>
-            <a:picLocks noGrp="1" noChangeAspect="1"/>
-          </p:cNvPicPr>
-          <p:nvPr>
-            <p:ph idx="1"/>
-          </p:nvPr>
-        </p:nvPicPr>
-        <p:blipFill>
-          <a:blip r:embed="rId2">
-            <a:extLst>
-              <a:ext uri="{28A0092B-C50C-407E-A947-70E740481C1C}">
-                <a14:useLocalDpi xmlns:a14="http://schemas.microsoft.com/office/drawing/2010/main" val="0"/>
-              </a:ext>
-            </a:extLst>
-          </a:blip>
-          <a:srcRect l="-40915" r="-40915"/>
-          <a:stretch>
-            <a:fillRect/>
-          </a:stretch>
-        </p:blipFill>
-        <p:spPr/>
-      </p:pic>
-    </p:spTree>
-    <p:extLst>
-      <p:ext uri="{BB962C8B-B14F-4D97-AF65-F5344CB8AC3E}">
-        <p14:creationId xmlns:p14="http://schemas.microsoft.com/office/powerpoint/2010/main" val="1151259265"/>
-      </p:ext>
-    </p:extLst>
-  </p:cSld>
-  <p:clrMapOvr>
-    <a:masterClrMapping/>
-  </p:clrMapOvr>
-</p:sld>
-</file>
-
-<file path=ppt/slides/slide22.xml><?xml version="1.0" encoding="utf-8"?>
-<p:sld xmlns:a="http://schemas.openxmlformats.org/drawingml/2006/main" xmlns:r="http://schemas.openxmlformats.org/officeDocument/2006/relationships" xmlns:p="http://schemas.openxmlformats.org/presentationml/2006/main">
-  <p:cSld>
-    <p:spTree>
-      <p:nvGrpSpPr>
-        <p:cNvPr id="1" name=""/>
-        <p:cNvGrpSpPr/>
-        <p:nvPr/>
-      </p:nvGrpSpPr>
-      <p:grpSpPr>
-        <a:xfrm>
-          <a:off x="0" y="0"/>
-          <a:ext cx="0" cy="0"/>
-          <a:chOff x="0" y="0"/>
-          <a:chExt cx="0" cy="0"/>
-        </a:xfrm>
-      </p:grpSpPr>
-      <p:sp>
-        <p:nvSpPr>
-          <p:cNvPr id="2" name="Title 1"/>
-          <p:cNvSpPr>
-            <a:spLocks noGrp="1"/>
-          </p:cNvSpPr>
-          <p:nvPr>
-            <p:ph type="title"/>
-          </p:nvPr>
-        </p:nvSpPr>
-        <p:spPr/>
-        <p:txBody>
-          <a:bodyPr/>
-          <a:lstStyle/>
-          <a:p>
-            <a:r>
-              <a:rPr lang="en-US" dirty="0" smtClean="0"/>
-              <a:t>Exploratory Analysis</a:t>
-            </a:r>
-            <a:endParaRPr lang="en-US" dirty="0"/>
-          </a:p>
-        </p:txBody>
-      </p:sp>
-      <p:pic>
-        <p:nvPicPr>
-          <p:cNvPr id="4" name="Content Placeholder 3" descr="cost_dur.png"/>
-          <p:cNvPicPr>
-            <a:picLocks noGrp="1" noChangeAspect="1"/>
-          </p:cNvPicPr>
-          <p:nvPr>
-            <p:ph idx="1"/>
-          </p:nvPr>
-        </p:nvPicPr>
-        <p:blipFill>
-          <a:blip r:embed="rId2">
-            <a:extLst>
-              <a:ext uri="{28A0092B-C50C-407E-A947-70E740481C1C}">
-                <a14:useLocalDpi xmlns:a14="http://schemas.microsoft.com/office/drawing/2010/main" val="0"/>
-              </a:ext>
-            </a:extLst>
-          </a:blip>
-          <a:srcRect l="-40915" r="-40915"/>
-          <a:stretch>
-            <a:fillRect/>
-          </a:stretch>
-        </p:blipFill>
-        <p:spPr/>
-      </p:pic>
-    </p:spTree>
-    <p:extLst>
-      <p:ext uri="{BB962C8B-B14F-4D97-AF65-F5344CB8AC3E}">
-        <p14:creationId xmlns:p14="http://schemas.microsoft.com/office/powerpoint/2010/main" val="3139980021"/>
-      </p:ext>
-    </p:extLst>
-  </p:cSld>
-  <p:clrMapOvr>
-    <a:masterClrMapping/>
-  </p:clrMapOvr>
-</p:sld>
-</file>
-
-<file path=ppt/slides/slide23.xml><?xml version="1.0" encoding="utf-8"?>
-<p:sld xmlns:a="http://schemas.openxmlformats.org/drawingml/2006/main" xmlns:r="http://schemas.openxmlformats.org/officeDocument/2006/relationships" xmlns:p="http://schemas.openxmlformats.org/presentationml/2006/main">
-  <p:cSld>
-    <p:spTree>
-      <p:nvGrpSpPr>
-        <p:cNvPr id="1" name=""/>
-        <p:cNvGrpSpPr/>
-        <p:nvPr/>
-      </p:nvGrpSpPr>
-      <p:grpSpPr>
-        <a:xfrm>
-          <a:off x="0" y="0"/>
-          <a:ext cx="0" cy="0"/>
-          <a:chOff x="0" y="0"/>
-          <a:chExt cx="0" cy="0"/>
-        </a:xfrm>
-      </p:grpSpPr>
-      <p:sp>
-        <p:nvSpPr>
-          <p:cNvPr id="2" name="Title 1"/>
-          <p:cNvSpPr>
-            <a:spLocks noGrp="1"/>
-          </p:cNvSpPr>
-          <p:nvPr>
-            <p:ph type="title"/>
-          </p:nvPr>
-        </p:nvSpPr>
-        <p:spPr/>
-        <p:txBody>
-          <a:bodyPr/>
-          <a:lstStyle/>
-          <a:p>
-            <a:r>
-              <a:rPr lang="en-US" dirty="0" smtClean="0"/>
-              <a:t>Exploratory Analysis</a:t>
-            </a:r>
-            <a:endParaRPr lang="en-US" dirty="0"/>
-          </a:p>
-        </p:txBody>
-      </p:sp>
-      <p:pic>
-        <p:nvPicPr>
-          <p:cNvPr id="4" name="Content Placeholder 3" descr="am_cost.png"/>
-          <p:cNvPicPr>
-            <a:picLocks noGrp="1" noChangeAspect="1"/>
-          </p:cNvPicPr>
-          <p:nvPr>
-            <p:ph idx="1"/>
-          </p:nvPr>
-        </p:nvPicPr>
-        <p:blipFill>
-          <a:blip r:embed="rId2">
-            <a:extLst>
-              <a:ext uri="{28A0092B-C50C-407E-A947-70E740481C1C}">
-                <a14:useLocalDpi xmlns:a14="http://schemas.microsoft.com/office/drawing/2010/main" val="0"/>
-              </a:ext>
-            </a:extLst>
-          </a:blip>
-          <a:srcRect l="-40915" r="-40915"/>
-          <a:stretch>
-            <a:fillRect/>
-          </a:stretch>
-        </p:blipFill>
-        <p:spPr>
-          <a:xfrm>
-            <a:off x="457200" y="1417638"/>
-            <a:ext cx="8229600" cy="5664289"/>
-          </a:xfrm>
-        </p:spPr>
-      </p:pic>
-    </p:spTree>
-    <p:extLst>
-      <p:ext uri="{BB962C8B-B14F-4D97-AF65-F5344CB8AC3E}">
-        <p14:creationId xmlns:p14="http://schemas.microsoft.com/office/powerpoint/2010/main" val="550144216"/>
-      </p:ext>
-    </p:extLst>
-  </p:cSld>
-  <p:clrMapOvr>
-    <a:masterClrMapping/>
-  </p:clrMapOvr>
-</p:sld>
-</file>
-
-<file path=ppt/slides/slide24.xml><?xml version="1.0" encoding="utf-8"?>
-<p:sld xmlns:a="http://schemas.openxmlformats.org/drawingml/2006/main" xmlns:r="http://schemas.openxmlformats.org/officeDocument/2006/relationships" xmlns:p="http://schemas.openxmlformats.org/presentationml/2006/main">
-  <p:cSld>
-    <p:spTree>
-      <p:nvGrpSpPr>
-        <p:cNvPr id="1" name=""/>
-        <p:cNvGrpSpPr/>
-        <p:nvPr/>
-      </p:nvGrpSpPr>
-      <p:grpSpPr>
-        <a:xfrm>
-          <a:off x="0" y="0"/>
-          <a:ext cx="0" cy="0"/>
-          <a:chOff x="0" y="0"/>
-          <a:chExt cx="0" cy="0"/>
-        </a:xfrm>
-      </p:grpSpPr>
-      <p:sp>
-        <p:nvSpPr>
-          <p:cNvPr id="2" name="Title 1"/>
-          <p:cNvSpPr>
-            <a:spLocks noGrp="1"/>
-          </p:cNvSpPr>
-          <p:nvPr>
-            <p:ph type="title"/>
-          </p:nvPr>
-        </p:nvSpPr>
-        <p:spPr/>
-        <p:txBody>
-          <a:bodyPr/>
-          <a:lstStyle/>
-          <a:p>
-            <a:r>
-              <a:rPr lang="en-US" dirty="0" smtClean="0"/>
-              <a:t>Exploratory Analysis</a:t>
-            </a:r>
-            <a:endParaRPr lang="en-US" dirty="0"/>
-          </a:p>
-        </p:txBody>
-      </p:sp>
-      <p:pic>
-        <p:nvPicPr>
-          <p:cNvPr id="4" name="Content Placeholder 3" descr="pm_cost.png"/>
-          <p:cNvPicPr>
-            <a:picLocks noGrp="1" noChangeAspect="1"/>
-          </p:cNvPicPr>
-          <p:nvPr>
-            <p:ph idx="1"/>
-          </p:nvPr>
-        </p:nvPicPr>
-        <p:blipFill>
-          <a:blip r:embed="rId2">
-            <a:extLst>
-              <a:ext uri="{28A0092B-C50C-407E-A947-70E740481C1C}">
-                <a14:useLocalDpi xmlns:a14="http://schemas.microsoft.com/office/drawing/2010/main" val="0"/>
-              </a:ext>
-            </a:extLst>
-          </a:blip>
-          <a:srcRect l="-40915" r="-40915"/>
-          <a:stretch>
-            <a:fillRect/>
-          </a:stretch>
-        </p:blipFill>
-        <p:spPr/>
-      </p:pic>
-    </p:spTree>
-    <p:extLst>
-      <p:ext uri="{BB962C8B-B14F-4D97-AF65-F5344CB8AC3E}">
-        <p14:creationId xmlns:p14="http://schemas.microsoft.com/office/powerpoint/2010/main" val="2136842086"/>
-      </p:ext>
-    </p:extLst>
-  </p:cSld>
-  <p:clrMapOvr>
-    <a:masterClrMapping/>
-  </p:clrMapOvr>
-</p:sld>
-</file>
-
-<file path=ppt/slides/slide25.xml><?xml version="1.0" encoding="utf-8"?>
-<p:sld xmlns:a="http://schemas.openxmlformats.org/drawingml/2006/main" xmlns:r="http://schemas.openxmlformats.org/officeDocument/2006/relationships" xmlns:p="http://schemas.openxmlformats.org/presentationml/2006/main">
-  <p:cSld>
-    <p:spTree>
-      <p:nvGrpSpPr>
-        <p:cNvPr id="1" name=""/>
-        <p:cNvGrpSpPr/>
-        <p:nvPr/>
-      </p:nvGrpSpPr>
-      <p:grpSpPr>
-        <a:xfrm>
-          <a:off x="0" y="0"/>
-          <a:ext cx="0" cy="0"/>
-          <a:chOff x="0" y="0"/>
-          <a:chExt cx="0" cy="0"/>
-        </a:xfrm>
-      </p:grpSpPr>
-      <p:sp>
-        <p:nvSpPr>
-          <p:cNvPr id="2" name="Title 1"/>
-          <p:cNvSpPr>
-            <a:spLocks noGrp="1"/>
-          </p:cNvSpPr>
-          <p:nvPr>
-            <p:ph type="title"/>
-          </p:nvPr>
-        </p:nvSpPr>
-        <p:spPr/>
-        <p:txBody>
-          <a:bodyPr/>
-          <a:lstStyle/>
-          <a:p>
-            <a:r>
-              <a:rPr lang="en-US" dirty="0" smtClean="0"/>
-              <a:t>Final Analysis</a:t>
-            </a:r>
-            <a:endParaRPr lang="en-US" dirty="0"/>
-          </a:p>
-        </p:txBody>
-      </p:sp>
-      <p:sp>
-        <p:nvSpPr>
-          <p:cNvPr id="3" name="Content Placeholder 2"/>
-          <p:cNvSpPr>
-            <a:spLocks noGrp="1"/>
-          </p:cNvSpPr>
-          <p:nvPr>
-            <p:ph idx="1"/>
-          </p:nvPr>
-        </p:nvSpPr>
-        <p:spPr/>
-        <p:txBody>
-          <a:bodyPr/>
-          <a:lstStyle/>
-          <a:p>
-            <a:r>
-              <a:rPr lang="en-US" dirty="0" smtClean="0"/>
-              <a:t>We want to know whether total ride duration and total cost are correlated, we decide to use the SPEARMAN AND MANN-WHITNEY U TEST, and based on the result of the </a:t>
-            </a:r>
-            <a:r>
-              <a:rPr lang="en-US" dirty="0" err="1" smtClean="0"/>
-              <a:t>tes</a:t>
-            </a:r>
-            <a:r>
-              <a:rPr lang="en-US" dirty="0" smtClean="0"/>
-              <a:t>, we find that the total ride duration and total cost are correlated, the r=0.585. the p-value is less than 0.05.</a:t>
-            </a:r>
-            <a:endParaRPr lang="en-US" dirty="0"/>
-          </a:p>
-        </p:txBody>
-      </p:sp>
-    </p:spTree>
-    <p:extLst>
-      <p:ext uri="{BB962C8B-B14F-4D97-AF65-F5344CB8AC3E}">
-        <p14:creationId xmlns:p14="http://schemas.microsoft.com/office/powerpoint/2010/main" val="269595343"/>
-      </p:ext>
-    </p:extLst>
-  </p:cSld>
-  <p:clrMapOvr>
-    <a:masterClrMapping/>
-  </p:clrMapOvr>
-</p:sld>
-</file>
-
-<file path=ppt/slides/slide26.xml><?xml version="1.0" encoding="utf-8"?>
-<p:sld xmlns:a="http://schemas.openxmlformats.org/drawingml/2006/main" xmlns:r="http://schemas.openxmlformats.org/officeDocument/2006/relationships" xmlns:p="http://schemas.openxmlformats.org/presentationml/2006/main">
-  <p:cSld>
-    <p:spTree>
-      <p:nvGrpSpPr>
-        <p:cNvPr id="1" name=""/>
-        <p:cNvGrpSpPr/>
-        <p:nvPr/>
-      </p:nvGrpSpPr>
-      <p:grpSpPr>
-        <a:xfrm>
-          <a:off x="0" y="0"/>
-          <a:ext cx="0" cy="0"/>
-          <a:chOff x="0" y="0"/>
-          <a:chExt cx="0" cy="0"/>
-        </a:xfrm>
-      </p:grpSpPr>
-      <p:sp>
-        <p:nvSpPr>
-          <p:cNvPr id="2" name="Title 1"/>
-          <p:cNvSpPr>
-            <a:spLocks noGrp="1"/>
-          </p:cNvSpPr>
-          <p:nvPr>
-            <p:ph type="title"/>
-          </p:nvPr>
-        </p:nvSpPr>
-        <p:spPr/>
-        <p:txBody>
-          <a:bodyPr/>
-          <a:lstStyle/>
-          <a:p>
-            <a:r>
-              <a:rPr lang="en-US" dirty="0" smtClean="0"/>
-              <a:t>Final Analysis</a:t>
-            </a:r>
-            <a:endParaRPr lang="en-US" dirty="0"/>
-          </a:p>
-        </p:txBody>
-      </p:sp>
-      <p:sp>
-        <p:nvSpPr>
-          <p:cNvPr id="3" name="Content Placeholder 2"/>
-          <p:cNvSpPr>
-            <a:spLocks noGrp="1"/>
-          </p:cNvSpPr>
-          <p:nvPr>
-            <p:ph idx="1"/>
-          </p:nvPr>
-        </p:nvSpPr>
-        <p:spPr/>
-        <p:txBody>
-          <a:bodyPr/>
-          <a:lstStyle/>
-          <a:p>
-            <a:r>
-              <a:rPr lang="en-US" dirty="0" smtClean="0"/>
-              <a:t>We want to know whether whether wait time and total cost are correlated, we decide to use the SPEARMAN AND MANN-WHITNEY U TEST, and based on the result of the </a:t>
-            </a:r>
-            <a:r>
-              <a:rPr lang="en-US" dirty="0" err="1" smtClean="0"/>
-              <a:t>tes</a:t>
-            </a:r>
-            <a:r>
-              <a:rPr lang="en-US" dirty="0" smtClean="0"/>
-              <a:t>, we find that the wait time and total cost are correlated, the r=0.528. the p-value is less than 0.05.</a:t>
-            </a:r>
-          </a:p>
-          <a:p>
-            <a:endParaRPr lang="en-US" dirty="0"/>
-          </a:p>
-        </p:txBody>
-      </p:sp>
-    </p:spTree>
-    <p:extLst>
-      <p:ext uri="{BB962C8B-B14F-4D97-AF65-F5344CB8AC3E}">
-        <p14:creationId xmlns:p14="http://schemas.microsoft.com/office/powerpoint/2010/main" val="2160666516"/>
-      </p:ext>
-    </p:extLst>
-  </p:cSld>
-  <p:clrMapOvr>
-    <a:masterClrMapping/>
-  </p:clrMapOvr>
-</p:sld>
-</file>
-
-<file path=ppt/slides/slide27.xml><?xml version="1.0" encoding="utf-8"?>
-<p:sld xmlns:a="http://schemas.openxmlformats.org/drawingml/2006/main" xmlns:r="http://schemas.openxmlformats.org/officeDocument/2006/relationships" xmlns:p="http://schemas.openxmlformats.org/presentationml/2006/main">
-  <p:cSld>
-    <p:spTree>
-      <p:nvGrpSpPr>
-        <p:cNvPr id="1" name=""/>
-        <p:cNvGrpSpPr/>
-        <p:nvPr/>
-      </p:nvGrpSpPr>
-      <p:grpSpPr>
-        <a:xfrm>
-          <a:off x="0" y="0"/>
-          <a:ext cx="0" cy="0"/>
-          <a:chOff x="0" y="0"/>
-          <a:chExt cx="0" cy="0"/>
-        </a:xfrm>
-      </p:grpSpPr>
-      <p:sp>
-        <p:nvSpPr>
-          <p:cNvPr id="2" name="Title 1"/>
-          <p:cNvSpPr>
-            <a:spLocks noGrp="1"/>
-          </p:cNvSpPr>
-          <p:nvPr>
-            <p:ph type="title"/>
-          </p:nvPr>
-        </p:nvSpPr>
-        <p:spPr/>
-        <p:txBody>
-          <a:bodyPr/>
-          <a:lstStyle/>
-          <a:p>
-            <a:r>
-              <a:rPr lang="en-US" dirty="0" smtClean="0"/>
-              <a:t>Final Analysis</a:t>
-            </a:r>
-            <a:endParaRPr lang="en-US" dirty="0"/>
-          </a:p>
-        </p:txBody>
-      </p:sp>
-      <p:sp>
-        <p:nvSpPr>
-          <p:cNvPr id="3" name="Content Placeholder 2"/>
-          <p:cNvSpPr>
-            <a:spLocks noGrp="1"/>
-          </p:cNvSpPr>
-          <p:nvPr>
-            <p:ph idx="1"/>
-          </p:nvPr>
-        </p:nvSpPr>
-        <p:spPr/>
-        <p:txBody>
-          <a:bodyPr/>
-          <a:lstStyle/>
-          <a:p>
-            <a:r>
-              <a:rPr lang="en-US" dirty="0" smtClean="0"/>
-              <a:t>We want to know whether whether wait time and total cost/min are correlated, we decide to use the SPEARMAN AND MANN-WHITNEY U TEST, and based on the result of the </a:t>
-            </a:r>
-            <a:r>
-              <a:rPr lang="en-US" dirty="0" err="1" smtClean="0"/>
-              <a:t>tes</a:t>
-            </a:r>
-            <a:r>
-              <a:rPr lang="en-US" dirty="0" smtClean="0"/>
-              <a:t>, we find that the wait time and total cost are not that correlated, the r=-0.0268. the p-value is more than 0.05.</a:t>
-            </a:r>
-            <a:endParaRPr lang="en-US" dirty="0"/>
-          </a:p>
-        </p:txBody>
-      </p:sp>
-    </p:spTree>
-    <p:extLst>
-      <p:ext uri="{BB962C8B-B14F-4D97-AF65-F5344CB8AC3E}">
-        <p14:creationId xmlns:p14="http://schemas.microsoft.com/office/powerpoint/2010/main" val="2142088344"/>
-      </p:ext>
-    </p:extLst>
-  </p:cSld>
-  <p:clrMapOvr>
-    <a:masterClrMapping/>
-  </p:clrMapOvr>
-</p:sld>
-</file>
-
-<file path=ppt/slides/slide28.xml><?xml version="1.0" encoding="utf-8"?>
-<p:sld xmlns:a="http://schemas.openxmlformats.org/drawingml/2006/main" xmlns:r="http://schemas.openxmlformats.org/officeDocument/2006/relationships" xmlns:p="http://schemas.openxmlformats.org/presentationml/2006/main">
-  <p:cSld>
-    <p:spTree>
-      <p:nvGrpSpPr>
-        <p:cNvPr id="1" name=""/>
-        <p:cNvGrpSpPr/>
-        <p:nvPr/>
-      </p:nvGrpSpPr>
-      <p:grpSpPr>
-        <a:xfrm>
-          <a:off x="0" y="0"/>
-          <a:ext cx="0" cy="0"/>
-          <a:chOff x="0" y="0"/>
-          <a:chExt cx="0" cy="0"/>
-        </a:xfrm>
-      </p:grpSpPr>
-      <p:sp>
-        <p:nvSpPr>
-          <p:cNvPr id="2" name="Title 1"/>
-          <p:cNvSpPr>
-            <a:spLocks noGrp="1"/>
-          </p:cNvSpPr>
-          <p:nvPr>
-            <p:ph type="title"/>
-          </p:nvPr>
-        </p:nvSpPr>
-        <p:spPr/>
-        <p:txBody>
-          <a:bodyPr/>
-          <a:lstStyle/>
-          <a:p>
-            <a:r>
-              <a:rPr lang="en-US" dirty="0" smtClean="0"/>
-              <a:t>Final Analysis</a:t>
-            </a:r>
-            <a:endParaRPr lang="en-US" dirty="0"/>
-          </a:p>
-        </p:txBody>
-      </p:sp>
-      <p:sp>
-        <p:nvSpPr>
-          <p:cNvPr id="3" name="Content Placeholder 2"/>
-          <p:cNvSpPr>
-            <a:spLocks noGrp="1"/>
-          </p:cNvSpPr>
-          <p:nvPr>
-            <p:ph idx="1"/>
-          </p:nvPr>
-        </p:nvSpPr>
-        <p:spPr/>
-        <p:txBody>
-          <a:bodyPr/>
-          <a:lstStyle/>
-          <a:p>
-            <a:r>
-              <a:rPr lang="en-US" dirty="0" smtClean="0"/>
-              <a:t>we want to tests </a:t>
-            </a:r>
-            <a:r>
-              <a:rPr lang="en-US" dirty="0" err="1" smtClean="0"/>
-              <a:t>probaility</a:t>
-            </a:r>
-            <a:r>
-              <a:rPr lang="en-US" dirty="0" smtClean="0"/>
-              <a:t> that a randomly selected </a:t>
-            </a:r>
-            <a:r>
-              <a:rPr lang="en-US" dirty="0" err="1" smtClean="0"/>
-              <a:t>Uber</a:t>
-            </a:r>
-            <a:r>
-              <a:rPr lang="en-US" dirty="0" smtClean="0"/>
-              <a:t> price is greater than a randomly selected </a:t>
-            </a:r>
-            <a:r>
-              <a:rPr lang="en-US" dirty="0" err="1" smtClean="0"/>
-              <a:t>Lyft</a:t>
-            </a:r>
-            <a:r>
-              <a:rPr lang="en-US" dirty="0" smtClean="0"/>
-              <a:t> price, than the test result told us that a randomly selected </a:t>
-            </a:r>
-            <a:r>
-              <a:rPr lang="en-US" dirty="0" err="1" smtClean="0"/>
-              <a:t>Uber</a:t>
-            </a:r>
-            <a:r>
-              <a:rPr lang="en-US" dirty="0" smtClean="0"/>
-              <a:t> price is greater than a randomly selected </a:t>
-            </a:r>
-            <a:r>
-              <a:rPr lang="en-US" dirty="0" err="1" smtClean="0"/>
-              <a:t>Lyft</a:t>
-            </a:r>
-            <a:r>
-              <a:rPr lang="en-US" dirty="0" smtClean="0"/>
-              <a:t> price. </a:t>
-            </a:r>
-          </a:p>
-          <a:p>
-            <a:endParaRPr lang="en-US" dirty="0"/>
-          </a:p>
-        </p:txBody>
-      </p:sp>
-    </p:spTree>
-    <p:extLst>
-      <p:ext uri="{BB962C8B-B14F-4D97-AF65-F5344CB8AC3E}">
-        <p14:creationId xmlns:p14="http://schemas.microsoft.com/office/powerpoint/2010/main" val="787394413"/>
-      </p:ext>
-    </p:extLst>
-  </p:cSld>
-  <p:clrMapOvr>
-    <a:masterClrMapping/>
-  </p:clrMapOvr>
-</p:sld>
-</file>
-
-<file path=ppt/slides/slide29.xml><?xml version="1.0" encoding="utf-8"?>
-<p:sld xmlns:a="http://schemas.openxmlformats.org/drawingml/2006/main" xmlns:r="http://schemas.openxmlformats.org/officeDocument/2006/relationships" xmlns:p="http://schemas.openxmlformats.org/presentationml/2006/main">
-  <p:cSld>
-    <p:spTree>
-      <p:nvGrpSpPr>
-        <p:cNvPr id="1" name=""/>
-        <p:cNvGrpSpPr/>
-        <p:nvPr/>
-      </p:nvGrpSpPr>
-      <p:grpSpPr>
-        <a:xfrm>
-          <a:off x="0" y="0"/>
-          <a:ext cx="0" cy="0"/>
-          <a:chOff x="0" y="0"/>
-          <a:chExt cx="0" cy="0"/>
-        </a:xfrm>
-      </p:grpSpPr>
-      <p:sp>
-        <p:nvSpPr>
-          <p:cNvPr id="2" name="Title 1"/>
-          <p:cNvSpPr>
-            <a:spLocks noGrp="1"/>
-          </p:cNvSpPr>
-          <p:nvPr>
-            <p:ph type="title"/>
-          </p:nvPr>
-        </p:nvSpPr>
-        <p:spPr/>
-        <p:txBody>
-          <a:bodyPr/>
-          <a:lstStyle/>
-          <a:p>
-            <a:r>
-              <a:rPr lang="en-US" dirty="0" smtClean="0"/>
-              <a:t>Final Analysis</a:t>
-            </a:r>
-            <a:endParaRPr lang="en-US" dirty="0"/>
-          </a:p>
-        </p:txBody>
-      </p:sp>
-      <p:sp>
-        <p:nvSpPr>
-          <p:cNvPr id="3" name="Content Placeholder 2"/>
-          <p:cNvSpPr>
-            <a:spLocks noGrp="1"/>
-          </p:cNvSpPr>
-          <p:nvPr>
-            <p:ph idx="1"/>
-          </p:nvPr>
-        </p:nvSpPr>
-        <p:spPr/>
-        <p:txBody>
-          <a:bodyPr/>
-          <a:lstStyle/>
-          <a:p>
-            <a:r>
-              <a:rPr lang="en-US" dirty="0" smtClean="0"/>
-              <a:t>we want to tests </a:t>
-            </a:r>
-            <a:r>
-              <a:rPr lang="en-US" dirty="0" err="1" smtClean="0"/>
-              <a:t>probaility</a:t>
-            </a:r>
-            <a:r>
-              <a:rPr lang="en-US" dirty="0" smtClean="0"/>
-              <a:t> that a randomly selected </a:t>
-            </a:r>
-            <a:r>
-              <a:rPr lang="en-US" dirty="0" err="1" smtClean="0"/>
-              <a:t>Uber</a:t>
-            </a:r>
-            <a:r>
-              <a:rPr lang="en-US" dirty="0" smtClean="0"/>
-              <a:t> price is greater than a randomly selected </a:t>
-            </a:r>
-            <a:r>
-              <a:rPr lang="en-US" dirty="0" err="1" smtClean="0"/>
-              <a:t>Lyft</a:t>
-            </a:r>
-            <a:r>
-              <a:rPr lang="en-US" dirty="0" smtClean="0"/>
-              <a:t> price </a:t>
-            </a:r>
-            <a:r>
-              <a:rPr lang="en-US" dirty="0" err="1" smtClean="0"/>
-              <a:t>duing</a:t>
-            </a:r>
-            <a:r>
-              <a:rPr lang="en-US" dirty="0" smtClean="0"/>
-              <a:t> the morning rush hour, than the test result told us that a randomly selected </a:t>
-            </a:r>
-            <a:r>
-              <a:rPr lang="en-US" dirty="0" err="1" smtClean="0"/>
-              <a:t>Uber</a:t>
-            </a:r>
-            <a:r>
-              <a:rPr lang="en-US" dirty="0" smtClean="0"/>
-              <a:t> price is greater than a randomly selected </a:t>
-            </a:r>
-            <a:r>
-              <a:rPr lang="en-US" dirty="0" err="1" smtClean="0"/>
-              <a:t>Lyft</a:t>
-            </a:r>
-            <a:r>
-              <a:rPr lang="en-US" dirty="0" smtClean="0"/>
-              <a:t> price during the morning rush hour. </a:t>
-            </a:r>
-          </a:p>
-          <a:p>
-            <a:endParaRPr lang="en-US" dirty="0"/>
-          </a:p>
-        </p:txBody>
-      </p:sp>
-    </p:spTree>
-    <p:extLst>
-      <p:ext uri="{BB962C8B-B14F-4D97-AF65-F5344CB8AC3E}">
-        <p14:creationId xmlns:p14="http://schemas.microsoft.com/office/powerpoint/2010/main" val="2657895210"/>
-      </p:ext>
-    </p:extLst>
-  </p:cSld>
-  <p:clrMapOvr>
-    <a:masterClrMapping/>
-  </p:clrMapOvr>
+  <p:timing>
+    <p:tnLst>
+      <p:par>
+        <p:cTn xmlns:p14="http://schemas.microsoft.com/office/powerpoint/2010/main" id="1" dur="indefinite" restart="never" nodeType="tmRoot"/>
+      </p:par>
+    </p:tnLst>
+  </p:timing>
 </p:sld>
 </file>
 
@@ -4972,32 +7133,9 @@
           <a:chExt cx="0" cy="0"/>
         </a:xfrm>
       </p:grpSpPr>
-      <p:sp>
-        <p:nvSpPr>
-          <p:cNvPr id="2" name="Title 1"/>
-          <p:cNvSpPr>
-            <a:spLocks noGrp="1"/>
-          </p:cNvSpPr>
-          <p:nvPr>
-            <p:ph type="title"/>
-          </p:nvPr>
-        </p:nvSpPr>
-        <p:spPr/>
-        <p:txBody>
-          <a:bodyPr/>
-          <a:lstStyle/>
-          <a:p>
-            <a:r>
-              <a:rPr lang="en-US" dirty="0" smtClean="0"/>
-              <a:t>Start and End point</a:t>
-            </a:r>
-            <a:endParaRPr lang="en-US" dirty="0"/>
-          </a:p>
-        </p:txBody>
-      </p:sp>
       <p:pic>
         <p:nvPicPr>
-          <p:cNvPr id="4" name="Content Placeholder 3" descr="UberLyftGoogleMap.JPG"/>
+          <p:cNvPr id="4" name="Content Placeholder 3" descr="LMA M2 Bus.JPG"/>
           <p:cNvPicPr>
             <a:picLocks noGrp="1" noChangeAspect="1"/>
           </p:cNvPicPr>
@@ -5006,264 +7144,42 @@
           </p:nvPr>
         </p:nvPicPr>
         <p:blipFill>
-          <a:blip r:embed="rId2">
+          <a:blip r:embed="rId3">
             <a:extLst>
               <a:ext uri="{28A0092B-C50C-407E-A947-70E740481C1C}">
                 <a14:useLocalDpi xmlns:a14="http://schemas.microsoft.com/office/drawing/2010/main" val="0"/>
               </a:ext>
             </a:extLst>
           </a:blip>
-          <a:srcRect l="-58069" r="-58069"/>
+          <a:srcRect l="2269" r="2269"/>
           <a:stretch>
             <a:fillRect/>
           </a:stretch>
         </p:blipFill>
-        <p:spPr/>
+        <p:spPr>
+          <a:xfrm>
+            <a:off x="457200" y="686444"/>
+            <a:ext cx="8229600" cy="5560192"/>
+          </a:xfrm>
+        </p:spPr>
       </p:pic>
     </p:spTree>
     <p:extLst>
       <p:ext uri="{BB962C8B-B14F-4D97-AF65-F5344CB8AC3E}">
-        <p14:creationId xmlns:p14="http://schemas.microsoft.com/office/powerpoint/2010/main" val="2359077725"/>
+        <p14:creationId xmlns:p14="http://schemas.microsoft.com/office/powerpoint/2010/main" val="3305548330"/>
       </p:ext>
     </p:extLst>
   </p:cSld>
   <p:clrMapOvr>
     <a:masterClrMapping/>
   </p:clrMapOvr>
-</p:sld>
-</file>
-
-<file path=ppt/slides/slide30.xml><?xml version="1.0" encoding="utf-8"?>
-<p:sld xmlns:a="http://schemas.openxmlformats.org/drawingml/2006/main" xmlns:r="http://schemas.openxmlformats.org/officeDocument/2006/relationships" xmlns:p="http://schemas.openxmlformats.org/presentationml/2006/main">
-  <p:cSld>
-    <p:spTree>
-      <p:nvGrpSpPr>
-        <p:cNvPr id="1" name=""/>
-        <p:cNvGrpSpPr/>
-        <p:nvPr/>
-      </p:nvGrpSpPr>
-      <p:grpSpPr>
-        <a:xfrm>
-          <a:off x="0" y="0"/>
-          <a:ext cx="0" cy="0"/>
-          <a:chOff x="0" y="0"/>
-          <a:chExt cx="0" cy="0"/>
-        </a:xfrm>
-      </p:grpSpPr>
-      <p:sp>
-        <p:nvSpPr>
-          <p:cNvPr id="2" name="Title 1"/>
-          <p:cNvSpPr>
-            <a:spLocks noGrp="1"/>
-          </p:cNvSpPr>
-          <p:nvPr>
-            <p:ph type="title"/>
-          </p:nvPr>
-        </p:nvSpPr>
-        <p:spPr/>
-        <p:txBody>
-          <a:bodyPr/>
-          <a:lstStyle/>
-          <a:p>
-            <a:r>
-              <a:rPr lang="en-US" dirty="0" smtClean="0"/>
-              <a:t>Final Analysis</a:t>
-            </a:r>
-            <a:endParaRPr lang="en-US" dirty="0"/>
-          </a:p>
-        </p:txBody>
-      </p:sp>
-      <p:sp>
-        <p:nvSpPr>
-          <p:cNvPr id="3" name="Content Placeholder 2"/>
-          <p:cNvSpPr>
-            <a:spLocks noGrp="1"/>
-          </p:cNvSpPr>
-          <p:nvPr>
-            <p:ph idx="1"/>
-          </p:nvPr>
-        </p:nvSpPr>
-        <p:spPr/>
-        <p:txBody>
-          <a:bodyPr/>
-          <a:lstStyle/>
-          <a:p>
-            <a:r>
-              <a:rPr lang="en-US" dirty="0" smtClean="0"/>
-              <a:t>we want to tests </a:t>
-            </a:r>
-            <a:r>
-              <a:rPr lang="en-US" dirty="0" err="1" smtClean="0"/>
-              <a:t>probaility</a:t>
-            </a:r>
-            <a:r>
-              <a:rPr lang="en-US" dirty="0" smtClean="0"/>
-              <a:t> that a randomly selected </a:t>
-            </a:r>
-            <a:r>
-              <a:rPr lang="en-US" dirty="0" err="1" smtClean="0"/>
-              <a:t>Uber</a:t>
-            </a:r>
-            <a:r>
-              <a:rPr lang="en-US" dirty="0" smtClean="0"/>
-              <a:t> price is greater than a randomly selected </a:t>
-            </a:r>
-            <a:r>
-              <a:rPr lang="en-US" dirty="0" err="1" smtClean="0"/>
-              <a:t>Lyft</a:t>
-            </a:r>
-            <a:r>
-              <a:rPr lang="en-US" dirty="0" smtClean="0"/>
-              <a:t> price during the evening rush hour, than the test result told us that a randomly selected </a:t>
-            </a:r>
-            <a:r>
-              <a:rPr lang="en-US" dirty="0" err="1" smtClean="0"/>
-              <a:t>Uber</a:t>
-            </a:r>
-            <a:r>
-              <a:rPr lang="en-US" dirty="0" smtClean="0"/>
-              <a:t> price is not greater than a randomly selected </a:t>
-            </a:r>
-            <a:r>
-              <a:rPr lang="en-US" dirty="0" err="1" smtClean="0"/>
-              <a:t>Lyft</a:t>
-            </a:r>
-            <a:r>
-              <a:rPr lang="en-US" dirty="0" smtClean="0"/>
-              <a:t> price during the evening rush hour. </a:t>
-            </a:r>
-            <a:endParaRPr lang="en-US" dirty="0"/>
-          </a:p>
-        </p:txBody>
-      </p:sp>
-    </p:spTree>
-    <p:extLst>
-      <p:ext uri="{BB962C8B-B14F-4D97-AF65-F5344CB8AC3E}">
-        <p14:creationId xmlns:p14="http://schemas.microsoft.com/office/powerpoint/2010/main" val="3132213760"/>
-      </p:ext>
-    </p:extLst>
-  </p:cSld>
-  <p:clrMapOvr>
-    <a:masterClrMapping/>
-  </p:clrMapOvr>
-</p:sld>
-</file>
-
-<file path=ppt/slides/slide31.xml><?xml version="1.0" encoding="utf-8"?>
-<p:sld xmlns:a="http://schemas.openxmlformats.org/drawingml/2006/main" xmlns:r="http://schemas.openxmlformats.org/officeDocument/2006/relationships" xmlns:p="http://schemas.openxmlformats.org/presentationml/2006/main">
-  <p:cSld>
-    <p:spTree>
-      <p:nvGrpSpPr>
-        <p:cNvPr id="1" name=""/>
-        <p:cNvGrpSpPr/>
-        <p:nvPr/>
-      </p:nvGrpSpPr>
-      <p:grpSpPr>
-        <a:xfrm>
-          <a:off x="0" y="0"/>
-          <a:ext cx="0" cy="0"/>
-          <a:chOff x="0" y="0"/>
-          <a:chExt cx="0" cy="0"/>
-        </a:xfrm>
-      </p:grpSpPr>
-      <p:sp>
-        <p:nvSpPr>
-          <p:cNvPr id="2" name="Title 1"/>
-          <p:cNvSpPr>
-            <a:spLocks noGrp="1"/>
-          </p:cNvSpPr>
-          <p:nvPr>
-            <p:ph type="title"/>
-          </p:nvPr>
-        </p:nvSpPr>
-        <p:spPr/>
-        <p:txBody>
-          <a:bodyPr/>
-          <a:lstStyle/>
-          <a:p>
-            <a:r>
-              <a:rPr lang="en-US" dirty="0" smtClean="0"/>
-              <a:t>Final Analysis</a:t>
-            </a:r>
-            <a:endParaRPr lang="en-US" dirty="0"/>
-          </a:p>
-        </p:txBody>
-      </p:sp>
-      <p:sp>
-        <p:nvSpPr>
-          <p:cNvPr id="3" name="Content Placeholder 2"/>
-          <p:cNvSpPr>
-            <a:spLocks noGrp="1"/>
-          </p:cNvSpPr>
-          <p:nvPr>
-            <p:ph idx="1"/>
-          </p:nvPr>
-        </p:nvSpPr>
-        <p:spPr/>
-        <p:txBody>
-          <a:bodyPr/>
-          <a:lstStyle/>
-          <a:p>
-            <a:r>
-              <a:rPr lang="en-US" dirty="0" smtClean="0"/>
-              <a:t>we want to tests </a:t>
-            </a:r>
-            <a:r>
-              <a:rPr lang="en-US" dirty="0" err="1" smtClean="0"/>
-              <a:t>prob</a:t>
-            </a:r>
-            <a:r>
-              <a:rPr lang="en-US" dirty="0" smtClean="0"/>
-              <a:t> that a randomly selected </a:t>
-            </a:r>
-            <a:r>
-              <a:rPr lang="en-US" dirty="0" err="1" smtClean="0"/>
-              <a:t>Uber's</a:t>
-            </a:r>
-            <a:r>
-              <a:rPr lang="en-US" dirty="0" smtClean="0"/>
-              <a:t> cost per minute is greater than a rand selected </a:t>
-            </a:r>
-            <a:r>
-              <a:rPr lang="en-US" dirty="0" err="1" smtClean="0"/>
-              <a:t>Lyft's</a:t>
-            </a:r>
-            <a:r>
-              <a:rPr lang="en-US" dirty="0" smtClean="0"/>
-              <a:t>  cost per minute, than the test result told us that a randomly selected </a:t>
-            </a:r>
-            <a:r>
-              <a:rPr lang="en-US" dirty="0" err="1" smtClean="0"/>
-              <a:t>Uber's</a:t>
-            </a:r>
-            <a:r>
-              <a:rPr lang="en-US" dirty="0" smtClean="0"/>
-              <a:t> cost per minute is greater than a randomly selected </a:t>
-            </a:r>
-            <a:r>
-              <a:rPr lang="en-US" dirty="0" err="1" smtClean="0"/>
-              <a:t>Lyft's</a:t>
-            </a:r>
-            <a:r>
-              <a:rPr lang="en-US" dirty="0" smtClean="0"/>
-              <a:t>  cost per minute.</a:t>
-            </a:r>
-          </a:p>
-          <a:p>
-            <a:endParaRPr lang="en-US" dirty="0"/>
-          </a:p>
-        </p:txBody>
-      </p:sp>
-    </p:spTree>
-    <p:extLst>
-      <p:ext uri="{BB962C8B-B14F-4D97-AF65-F5344CB8AC3E}">
-        <p14:creationId xmlns:p14="http://schemas.microsoft.com/office/powerpoint/2010/main" val="3993116094"/>
-      </p:ext>
-    </p:extLst>
-  </p:cSld>
-  <p:clrMapOvr>
-    <a:masterClrMapping/>
-  </p:clrMapOvr>
+  <p:timing>
+    <p:tnLst>
+      <p:par>
+        <p:cTn xmlns:p14="http://schemas.microsoft.com/office/powerpoint/2010/main" id="1" dur="indefinite" restart="never" nodeType="tmRoot"/>
+      </p:par>
+    </p:tnLst>
+  </p:timing>
 </p:sld>
 </file>
 
@@ -5284,96 +7200,53 @@
           <a:chExt cx="0" cy="0"/>
         </a:xfrm>
       </p:grpSpPr>
-      <p:sp>
-        <p:nvSpPr>
-          <p:cNvPr id="2" name="Title 1"/>
-          <p:cNvSpPr>
-            <a:spLocks noGrp="1"/>
-          </p:cNvSpPr>
-          <p:nvPr>
-            <p:ph type="title"/>
-          </p:nvPr>
-        </p:nvSpPr>
-        <p:spPr/>
-        <p:txBody>
-          <a:bodyPr>
-            <a:normAutofit/>
-          </a:bodyPr>
-          <a:lstStyle/>
-          <a:p>
-            <a:r>
-              <a:rPr lang="en-US" dirty="0" smtClean="0"/>
-              <a:t>Overview &amp; Motivation</a:t>
-            </a:r>
-            <a:endParaRPr lang="en-US" dirty="0"/>
-          </a:p>
-        </p:txBody>
-      </p:sp>
-      <p:sp>
-        <p:nvSpPr>
-          <p:cNvPr id="3" name="Content Placeholder 2"/>
-          <p:cNvSpPr>
-            <a:spLocks noGrp="1"/>
-          </p:cNvSpPr>
+      <p:pic>
+        <p:nvPicPr>
+          <p:cNvPr id="6" name="Content Placeholder 5" descr="Screen Shot 2017-12-09 at 6.08.38 PM.png"/>
+          <p:cNvPicPr>
+            <a:picLocks noGrp="1" noChangeAspect="1"/>
+          </p:cNvPicPr>
           <p:nvPr>
             <p:ph idx="1"/>
           </p:nvPr>
-        </p:nvSpPr>
-        <p:spPr/>
-        <p:txBody>
-          <a:bodyPr>
-            <a:normAutofit lnSpcReduction="10000"/>
-          </a:bodyPr>
-          <a:lstStyle/>
-          <a:p>
-            <a:r>
-              <a:rPr lang="en-US" sz="2800" dirty="0" smtClean="0"/>
-              <a:t>Many Harvard Chan students, staff, and faculty choose to live in Cambridge, and others cross-register for classes or attend events that are offered on the main campus</a:t>
-            </a:r>
-          </a:p>
-          <a:p>
-            <a:r>
-              <a:rPr lang="en-US" sz="2800" dirty="0" smtClean="0"/>
-              <a:t>M2 shuttle: free option but can be unreliable, crowded, inflexible </a:t>
-            </a:r>
-          </a:p>
-          <a:p>
-            <a:r>
-              <a:rPr lang="en-US" sz="2800" dirty="0" smtClean="0"/>
-              <a:t>The MBTA: inefficient and can experience heavy traffic</a:t>
-            </a:r>
-          </a:p>
-          <a:p>
-            <a:r>
-              <a:rPr lang="en-US" sz="2800" dirty="0" err="1" smtClean="0"/>
-              <a:t>Uber</a:t>
-            </a:r>
-            <a:r>
-              <a:rPr lang="en-US" sz="2800" dirty="0" smtClean="0"/>
-              <a:t> or </a:t>
-            </a:r>
-            <a:r>
-              <a:rPr lang="en-US" sz="2800" dirty="0" err="1" smtClean="0"/>
-              <a:t>Lyft</a:t>
-            </a:r>
-            <a:r>
-              <a:rPr lang="en-US" sz="2800" dirty="0" smtClean="0"/>
-              <a:t>: may save time that could better be spent studying or working</a:t>
-            </a:r>
-            <a:endParaRPr lang="en-US" sz="2800" dirty="0"/>
-          </a:p>
-        </p:txBody>
-      </p:sp>
+        </p:nvPicPr>
+        <p:blipFill>
+          <a:blip r:embed="rId3">
+            <a:extLst>
+              <a:ext uri="{28A0092B-C50C-407E-A947-70E740481C1C}">
+                <a14:useLocalDpi xmlns:a14="http://schemas.microsoft.com/office/drawing/2010/main" val="0"/>
+              </a:ext>
+            </a:extLst>
+          </a:blip>
+          <a:srcRect l="-14565" r="-14565"/>
+          <a:stretch>
+            <a:fillRect/>
+          </a:stretch>
+        </p:blipFill>
+        <p:spPr>
+          <a:xfrm>
+            <a:off x="446259" y="617075"/>
+            <a:ext cx="8229600" cy="5354638"/>
+          </a:xfrm>
+        </p:spPr>
+      </p:pic>
     </p:spTree>
     <p:extLst>
       <p:ext uri="{BB962C8B-B14F-4D97-AF65-F5344CB8AC3E}">
-        <p14:creationId xmlns:p14="http://schemas.microsoft.com/office/powerpoint/2010/main" val="1303093637"/>
+        <p14:creationId xmlns:p14="http://schemas.microsoft.com/office/powerpoint/2010/main" val="3579710988"/>
       </p:ext>
     </p:extLst>
   </p:cSld>
   <p:clrMapOvr>
     <a:masterClrMapping/>
   </p:clrMapOvr>
+  <p:timing>
+    <p:tnLst>
+      <p:par>
+        <p:cTn xmlns:p14="http://schemas.microsoft.com/office/powerpoint/2010/main" id="1" dur="indefinite" restart="never" nodeType="tmRoot"/>
+      </p:par>
+    </p:tnLst>
+  </p:timing>
 </p:sld>
 </file>
 
@@ -5394,98 +7267,53 @@
           <a:chExt cx="0" cy="0"/>
         </a:xfrm>
       </p:grpSpPr>
-      <p:sp>
-        <p:nvSpPr>
-          <p:cNvPr id="2" name="Title 1"/>
-          <p:cNvSpPr>
-            <a:spLocks noGrp="1"/>
-          </p:cNvSpPr>
-          <p:nvPr>
-            <p:ph type="title"/>
-          </p:nvPr>
-        </p:nvSpPr>
-        <p:spPr/>
-        <p:txBody>
-          <a:bodyPr/>
-          <a:lstStyle/>
-          <a:p>
-            <a:r>
-              <a:rPr lang="en-US" dirty="0" smtClean="0"/>
-              <a:t>Initial Questions</a:t>
-            </a:r>
-            <a:endParaRPr lang="en-US" dirty="0"/>
-          </a:p>
-        </p:txBody>
-      </p:sp>
-      <p:sp>
-        <p:nvSpPr>
-          <p:cNvPr id="3" name="Content Placeholder 2"/>
-          <p:cNvSpPr>
-            <a:spLocks noGrp="1"/>
-          </p:cNvSpPr>
+      <p:pic>
+        <p:nvPicPr>
+          <p:cNvPr id="4" name="Content Placeholder 3" descr="tenor.gif"/>
+          <p:cNvPicPr>
+            <a:picLocks noGrp="1" noChangeAspect="1"/>
+          </p:cNvPicPr>
           <p:nvPr>
             <p:ph idx="1"/>
           </p:nvPr>
-        </p:nvSpPr>
-        <p:spPr/>
-        <p:txBody>
-          <a:bodyPr>
-            <a:normAutofit lnSpcReduction="10000"/>
-          </a:bodyPr>
-          <a:lstStyle/>
-          <a:p>
-            <a:r>
-              <a:rPr lang="en-US" sz="2800" dirty="0" smtClean="0"/>
-              <a:t>Which service is cheaper overall for our chosen route?</a:t>
-            </a:r>
-          </a:p>
-          <a:p>
-            <a:r>
-              <a:rPr lang="en-US" sz="2800" dirty="0" smtClean="0"/>
-              <a:t>What do the time of day/day of week trends in fares look like for each service?</a:t>
-            </a:r>
-          </a:p>
-          <a:p>
-            <a:r>
-              <a:rPr lang="en-US" sz="2800" dirty="0" smtClean="0"/>
-              <a:t>Which service is preferable based on cost and wait time during morning and evening rush hour?</a:t>
-            </a:r>
-          </a:p>
-          <a:p>
-            <a:r>
-              <a:rPr lang="en-US" sz="2800" dirty="0" smtClean="0"/>
-              <a:t>Which service has a shorter wait time and/or </a:t>
-            </a:r>
-            <a:r>
-              <a:rPr lang="en-US" sz="2800" dirty="0" err="1" smtClean="0"/>
-              <a:t>expectated</a:t>
-            </a:r>
-            <a:r>
-              <a:rPr lang="en-US" sz="2800" dirty="0" smtClean="0"/>
-              <a:t> time to destination?</a:t>
-            </a:r>
-          </a:p>
-          <a:p>
-            <a:r>
-              <a:rPr lang="en-US" sz="2800" dirty="0" smtClean="0"/>
-              <a:t>How does the cost per expected minute of travel compare for each service?</a:t>
-            </a:r>
-          </a:p>
-          <a:p>
-            <a:endParaRPr lang="en-US" sz="2400" dirty="0"/>
-          </a:p>
-        </p:txBody>
-      </p:sp>
+        </p:nvPicPr>
+        <p:blipFill>
+          <a:blip r:embed="rId3">
+            <a:extLst>
+              <a:ext uri="{28A0092B-C50C-407E-A947-70E740481C1C}">
+                <a14:useLocalDpi xmlns:a14="http://schemas.microsoft.com/office/drawing/2010/main" val="0"/>
+              </a:ext>
+            </a:extLst>
+          </a:blip>
+          <a:srcRect l="4360" r="4360"/>
+          <a:stretch>
+            <a:fillRect/>
+          </a:stretch>
+        </p:blipFill>
+        <p:spPr>
+          <a:xfrm>
+            <a:off x="457200" y="909538"/>
+            <a:ext cx="8229600" cy="5216625"/>
+          </a:xfrm>
+        </p:spPr>
+      </p:pic>
     </p:spTree>
     <p:extLst>
       <p:ext uri="{BB962C8B-B14F-4D97-AF65-F5344CB8AC3E}">
-        <p14:creationId xmlns:p14="http://schemas.microsoft.com/office/powerpoint/2010/main" val="1271840226"/>
+        <p14:creationId xmlns:p14="http://schemas.microsoft.com/office/powerpoint/2010/main" val="1643687887"/>
       </p:ext>
     </p:extLst>
   </p:cSld>
   <p:clrMapOvr>
     <a:masterClrMapping/>
   </p:clrMapOvr>
+  <p:timing>
+    <p:tnLst>
+      <p:par>
+        <p:cTn xmlns:p14="http://schemas.microsoft.com/office/powerpoint/2010/main" id="1" dur="indefinite" restart="never" nodeType="tmRoot"/>
+      </p:par>
+    </p:tnLst>
+  </p:timing>
 </p:sld>
 </file>
 
@@ -5506,124 +7334,70 @@
           <a:chExt cx="0" cy="0"/>
         </a:xfrm>
       </p:grpSpPr>
-      <p:sp>
-        <p:nvSpPr>
-          <p:cNvPr id="2" name="Title 1"/>
-          <p:cNvSpPr>
-            <a:spLocks noGrp="1"/>
-          </p:cNvSpPr>
-          <p:nvPr>
-            <p:ph type="title"/>
-          </p:nvPr>
-        </p:nvSpPr>
-        <p:spPr/>
-        <p:txBody>
-          <a:bodyPr/>
-          <a:lstStyle/>
-          <a:p>
-            <a:r>
-              <a:rPr lang="en-US" dirty="0" smtClean="0"/>
-              <a:t>Data Collection &amp; Cleaning</a:t>
-            </a:r>
-            <a:endParaRPr lang="en-US" dirty="0"/>
-          </a:p>
-        </p:txBody>
-      </p:sp>
-      <p:sp>
-        <p:nvSpPr>
-          <p:cNvPr id="3" name="Content Placeholder 2"/>
-          <p:cNvSpPr>
-            <a:spLocks noGrp="1"/>
-          </p:cNvSpPr>
+      <p:pic>
+        <p:nvPicPr>
+          <p:cNvPr id="4" name="Content Placeholder 3" descr="Uber_Screenshot_Resized.png"/>
+          <p:cNvPicPr>
+            <a:picLocks noGrp="1" noChangeAspect="1"/>
+          </p:cNvPicPr>
           <p:nvPr>
             <p:ph idx="1"/>
           </p:nvPr>
-        </p:nvSpPr>
-        <p:spPr/>
-        <p:txBody>
-          <a:bodyPr>
-            <a:normAutofit/>
-          </a:bodyPr>
-          <a:lstStyle/>
-          <a:p>
-            <a:r>
-              <a:rPr lang="en-US" sz="2400" dirty="0" smtClean="0"/>
-              <a:t>The 4-week collection period ran Monday-Friday from November 6 - December 1. </a:t>
-            </a:r>
-          </a:p>
-          <a:p>
-            <a:r>
-              <a:rPr lang="en-US" sz="2400" dirty="0" smtClean="0"/>
-              <a:t>We aimed to collect a total of 16 data points each day (8 </a:t>
-            </a:r>
-            <a:r>
-              <a:rPr lang="en-US" sz="2400" dirty="0" err="1" smtClean="0"/>
-              <a:t>Uber</a:t>
-            </a:r>
-            <a:r>
-              <a:rPr lang="en-US" sz="2400" dirty="0" smtClean="0"/>
-              <a:t>/</a:t>
-            </a:r>
-            <a:r>
-              <a:rPr lang="en-US" sz="2400" dirty="0" err="1" smtClean="0"/>
-              <a:t>Lyft</a:t>
-            </a:r>
-            <a:r>
-              <a:rPr lang="en-US" sz="2400" dirty="0" smtClean="0"/>
-              <a:t> pairs) for a total goal of 320 data points. </a:t>
-            </a:r>
-          </a:p>
-          <a:p>
-            <a:r>
-              <a:rPr lang="en-US" sz="2400" dirty="0" smtClean="0"/>
-              <a:t>Each team member used screenshots on his/her phone to collect the data each day: 1 </a:t>
-            </a:r>
-            <a:r>
-              <a:rPr lang="en-US" sz="2400" dirty="0" err="1" smtClean="0"/>
-              <a:t>Uber</a:t>
-            </a:r>
-            <a:r>
-              <a:rPr lang="en-US" sz="2400" dirty="0" smtClean="0"/>
-              <a:t> observation and 1 </a:t>
-            </a:r>
-            <a:r>
-              <a:rPr lang="en-US" sz="2400" dirty="0" err="1" smtClean="0"/>
-              <a:t>Lyft</a:t>
-            </a:r>
-            <a:r>
-              <a:rPr lang="en-US" sz="2400" dirty="0" smtClean="0"/>
-              <a:t> observation at random times between 8-9am, 9-10am, 5-6pm, and 6-7pm.</a:t>
-            </a:r>
-          </a:p>
-          <a:p>
-            <a:r>
-              <a:rPr lang="en-US" sz="2400" dirty="0" smtClean="0"/>
-              <a:t>Use the </a:t>
-            </a:r>
-            <a:r>
-              <a:rPr lang="en-US" sz="2400" dirty="0" err="1" smtClean="0"/>
-              <a:t>Uber</a:t>
-            </a:r>
-            <a:r>
-              <a:rPr lang="en-US" sz="2400" dirty="0" smtClean="0"/>
-              <a:t> and </a:t>
-            </a:r>
-            <a:r>
-              <a:rPr lang="en-US" sz="2400" dirty="0" err="1" smtClean="0"/>
-              <a:t>Lyft</a:t>
-            </a:r>
-            <a:r>
-              <a:rPr lang="en-US" sz="2400" dirty="0" smtClean="0"/>
-              <a:t> App to set the position from Vanderbilt Hall to Widener Gate. Then, screenshot of the estimated price, wait time, and duration time.</a:t>
-            </a:r>
-            <a:endParaRPr lang="en-US" sz="2400" dirty="0"/>
-          </a:p>
-        </p:txBody>
-      </p:sp>
+        </p:nvPicPr>
+        <p:blipFill>
+          <a:blip r:embed="rId3">
+            <a:extLst>
+              <a:ext uri="{28A0092B-C50C-407E-A947-70E740481C1C}">
+                <a14:useLocalDpi xmlns:a14="http://schemas.microsoft.com/office/drawing/2010/main" val="0"/>
+              </a:ext>
+            </a:extLst>
+          </a:blip>
+          <a:srcRect l="-111537" r="-111537"/>
+          <a:stretch>
+            <a:fillRect/>
+          </a:stretch>
+        </p:blipFill>
+        <p:spPr>
+          <a:xfrm>
+            <a:off x="-1316518" y="1737489"/>
+            <a:ext cx="9308564" cy="4461452"/>
+          </a:xfrm>
+        </p:spPr>
+      </p:pic>
+      <p:pic>
+        <p:nvPicPr>
+          <p:cNvPr id="5" name="Picture 4" descr="Lyft_Screenshot_Resized.png"/>
+          <p:cNvPicPr>
+            <a:picLocks noChangeAspect="1"/>
+          </p:cNvPicPr>
+          <p:nvPr/>
+        </p:nvPicPr>
+        <p:blipFill>
+          <a:blip r:embed="rId4">
+            <a:extLst>
+              <a:ext uri="{28A0092B-C50C-407E-A947-70E740481C1C}">
+                <a14:useLocalDpi xmlns:a14="http://schemas.microsoft.com/office/drawing/2010/main" val="0"/>
+              </a:ext>
+            </a:extLst>
+          </a:blip>
+          <a:stretch>
+            <a:fillRect/>
+          </a:stretch>
+        </p:blipFill>
+        <p:spPr>
+          <a:xfrm>
+            <a:off x="4785935" y="1737489"/>
+            <a:ext cx="2834388" cy="4337536"/>
+          </a:xfrm>
+          <a:prstGeom prst="rect">
+            <a:avLst/>
+          </a:prstGeom>
+        </p:spPr>
+      </p:pic>
     </p:spTree>
     <p:extLst>
       <p:ext uri="{BB962C8B-B14F-4D97-AF65-F5344CB8AC3E}">
-        <p14:creationId xmlns:p14="http://schemas.microsoft.com/office/powerpoint/2010/main" val="3957239749"/>
+        <p14:creationId xmlns:p14="http://schemas.microsoft.com/office/powerpoint/2010/main" val="2715391703"/>
       </p:ext>
     </p:extLst>
   </p:cSld>
@@ -5650,66 +7424,15 @@
           <a:chExt cx="0" cy="0"/>
         </a:xfrm>
       </p:grpSpPr>
-      <p:sp>
-        <p:nvSpPr>
-          <p:cNvPr id="2" name="Title 1"/>
-          <p:cNvSpPr>
-            <a:spLocks noGrp="1"/>
-          </p:cNvSpPr>
-          <p:nvPr>
-            <p:ph type="title"/>
-          </p:nvPr>
-        </p:nvSpPr>
-        <p:spPr/>
-        <p:txBody>
-          <a:bodyPr/>
-          <a:lstStyle/>
-          <a:p>
-            <a:r>
-              <a:rPr lang="en-US" dirty="0" smtClean="0"/>
-              <a:t>Screenshot Data Collection</a:t>
-            </a:r>
-            <a:endParaRPr lang="en-US" dirty="0"/>
-          </a:p>
-        </p:txBody>
-      </p:sp>
       <p:pic>
         <p:nvPicPr>
-          <p:cNvPr id="4" name="Content Placeholder 3" descr="Uber_Screenshot_Resized.png"/>
+          <p:cNvPr id="4" name="Content Placeholder 3" descr="Screen Shot 2017-12-09 at 8.31.22 PM.png"/>
           <p:cNvPicPr>
             <a:picLocks noGrp="1" noChangeAspect="1"/>
           </p:cNvPicPr>
           <p:nvPr>
             <p:ph idx="1"/>
           </p:nvPr>
-        </p:nvPicPr>
-        <p:blipFill>
-          <a:blip r:embed="rId2">
-            <a:extLst>
-              <a:ext uri="{28A0092B-C50C-407E-A947-70E740481C1C}">
-                <a14:useLocalDpi xmlns:a14="http://schemas.microsoft.com/office/drawing/2010/main" val="0"/>
-              </a:ext>
-            </a:extLst>
-          </a:blip>
-          <a:srcRect l="-111537" r="-111537"/>
-          <a:stretch>
-            <a:fillRect/>
-          </a:stretch>
-        </p:blipFill>
-        <p:spPr>
-          <a:xfrm>
-            <a:off x="154474" y="1737489"/>
-            <a:ext cx="7337011" cy="4525963"/>
-          </a:xfrm>
-        </p:spPr>
-      </p:pic>
-      <p:pic>
-        <p:nvPicPr>
-          <p:cNvPr id="5" name="Picture 4" descr="Lyft_Screenshot_Resized.png"/>
-          <p:cNvPicPr>
-            <a:picLocks noChangeAspect="1"/>
-          </p:cNvPicPr>
-          <p:nvPr/>
         </p:nvPicPr>
         <p:blipFill>
           <a:blip r:embed="rId3">
@@ -5719,24 +7442,22 @@
               </a:ext>
             </a:extLst>
           </a:blip>
+          <a:srcRect t="6376" b="6376"/>
           <a:stretch>
             <a:fillRect/>
           </a:stretch>
         </p:blipFill>
         <p:spPr>
           <a:xfrm>
-            <a:off x="4908839" y="1737489"/>
-            <a:ext cx="2359516" cy="4337536"/>
+            <a:off x="457200" y="557213"/>
+            <a:ext cx="8229600" cy="5918200"/>
           </a:xfrm>
-          <a:prstGeom prst="rect">
-            <a:avLst/>
-          </a:prstGeom>
         </p:spPr>
       </p:pic>
     </p:spTree>
     <p:extLst>
       <p:ext uri="{BB962C8B-B14F-4D97-AF65-F5344CB8AC3E}">
-        <p14:creationId xmlns:p14="http://schemas.microsoft.com/office/powerpoint/2010/main" val="2715391703"/>
+        <p14:creationId xmlns:p14="http://schemas.microsoft.com/office/powerpoint/2010/main" val="86745747"/>
       </p:ext>
     </p:extLst>
   </p:cSld>
@@ -5763,32 +7484,9 @@
           <a:chExt cx="0" cy="0"/>
         </a:xfrm>
       </p:grpSpPr>
-      <p:sp>
-        <p:nvSpPr>
-          <p:cNvPr id="2" name="Title 1"/>
-          <p:cNvSpPr>
-            <a:spLocks noGrp="1"/>
-          </p:cNvSpPr>
-          <p:nvPr>
-            <p:ph type="title"/>
-          </p:nvPr>
-        </p:nvSpPr>
-        <p:spPr/>
-        <p:txBody>
-          <a:bodyPr/>
-          <a:lstStyle/>
-          <a:p>
-            <a:r>
-              <a:rPr lang="en-US" dirty="0" smtClean="0"/>
-              <a:t>Exploratory Analysis</a:t>
-            </a:r>
-            <a:endParaRPr lang="en-US" dirty="0"/>
-          </a:p>
-        </p:txBody>
-      </p:sp>
       <p:pic>
         <p:nvPicPr>
-          <p:cNvPr id="4" name="Content Placeholder 3" descr="ridereq_distr.png"/>
+          <p:cNvPr id="7" name="Content Placeholder 6" descr="Screen Shot 2017-12-09 at 8.33.30 PM.png"/>
           <p:cNvPicPr>
             <a:picLocks noGrp="1" noChangeAspect="1"/>
           </p:cNvPicPr>
@@ -5797,29 +7495,29 @@
           </p:nvPr>
         </p:nvPicPr>
         <p:blipFill>
-          <a:blip r:embed="rId2">
+          <a:blip r:embed="rId3">
             <a:extLst>
               <a:ext uri="{28A0092B-C50C-407E-A947-70E740481C1C}">
                 <a14:useLocalDpi xmlns:a14="http://schemas.microsoft.com/office/drawing/2010/main" val="0"/>
               </a:ext>
             </a:extLst>
           </a:blip>
-          <a:srcRect l="-34164" r="-34164"/>
+          <a:srcRect l="3201" r="3201"/>
           <a:stretch>
             <a:fillRect/>
           </a:stretch>
         </p:blipFill>
         <p:spPr>
           <a:xfrm>
-            <a:off x="457200" y="1237162"/>
-            <a:ext cx="8229600" cy="4889001"/>
+            <a:off x="457200" y="263525"/>
+            <a:ext cx="8229600" cy="6365875"/>
           </a:xfrm>
         </p:spPr>
       </p:pic>
     </p:spTree>
     <p:extLst>
       <p:ext uri="{BB962C8B-B14F-4D97-AF65-F5344CB8AC3E}">
-        <p14:creationId xmlns:p14="http://schemas.microsoft.com/office/powerpoint/2010/main" val="2475377008"/>
+        <p14:creationId xmlns:p14="http://schemas.microsoft.com/office/powerpoint/2010/main" val="1513484233"/>
       </p:ext>
     </p:extLst>
   </p:cSld>
@@ -5846,32 +7544,9 @@
           <a:chExt cx="0" cy="0"/>
         </a:xfrm>
       </p:grpSpPr>
-      <p:sp>
-        <p:nvSpPr>
-          <p:cNvPr id="2" name="Title 1"/>
-          <p:cNvSpPr>
-            <a:spLocks noGrp="1"/>
-          </p:cNvSpPr>
-          <p:nvPr>
-            <p:ph type="title"/>
-          </p:nvPr>
-        </p:nvSpPr>
-        <p:spPr/>
-        <p:txBody>
-          <a:bodyPr/>
-          <a:lstStyle/>
-          <a:p>
-            <a:r>
-              <a:rPr lang="en-US" dirty="0" smtClean="0"/>
-              <a:t>Exploratory Analysis</a:t>
-            </a:r>
-            <a:endParaRPr lang="en-US" dirty="0"/>
-          </a:p>
-        </p:txBody>
-      </p:sp>
       <p:pic>
         <p:nvPicPr>
-          <p:cNvPr id="4" name="Content Placeholder 3" descr="ridereq_distr_coll.png"/>
+          <p:cNvPr id="4" name="Content Placeholder 3" descr="Screen Shot 2017-12-09 at 8.36.03 PM.png"/>
           <p:cNvPicPr>
             <a:picLocks noGrp="1" noChangeAspect="1"/>
           </p:cNvPicPr>
@@ -5880,24 +7555,29 @@
           </p:nvPr>
         </p:nvPicPr>
         <p:blipFill>
-          <a:blip r:embed="rId2">
+          <a:blip r:embed="rId3">
             <a:extLst>
               <a:ext uri="{28A0092B-C50C-407E-A947-70E740481C1C}">
                 <a14:useLocalDpi xmlns:a14="http://schemas.microsoft.com/office/drawing/2010/main" val="0"/>
               </a:ext>
             </a:extLst>
           </a:blip>
-          <a:srcRect l="-40915" r="-40915"/>
+          <a:srcRect l="2891" r="2891"/>
           <a:stretch>
             <a:fillRect/>
           </a:stretch>
         </p:blipFill>
-        <p:spPr/>
+        <p:spPr>
+          <a:xfrm>
+            <a:off x="457200" y="387350"/>
+            <a:ext cx="8229600" cy="6335713"/>
+          </a:xfrm>
+        </p:spPr>
       </p:pic>
     </p:spTree>
     <p:extLst>
       <p:ext uri="{BB962C8B-B14F-4D97-AF65-F5344CB8AC3E}">
-        <p14:creationId xmlns:p14="http://schemas.microsoft.com/office/powerpoint/2010/main" val="1513484233"/>
+        <p14:creationId xmlns:p14="http://schemas.microsoft.com/office/powerpoint/2010/main" val="3536885099"/>
       </p:ext>
     </p:extLst>
   </p:cSld>
@@ -6225,4 +7905,324 @@
   </a:objectDefaults>
   <a:extraClrSchemeLst/>
 </a:theme>
+</file>
+
+<file path=ppt/theme/theme2.xml><?xml version="1.0" encoding="utf-8"?>
+<a:theme xmlns:a="http://schemas.openxmlformats.org/drawingml/2006/main" name="Office Theme">
+  <a:themeElements>
+    <a:clrScheme name="Office">
+      <a:dk1>
+        <a:sysClr val="windowText" lastClr="000000"/>
+      </a:dk1>
+      <a:lt1>
+        <a:sysClr val="window" lastClr="FFFFFF"/>
+      </a:lt1>
+      <a:dk2>
+        <a:srgbClr val="1F497D"/>
+      </a:dk2>
+      <a:lt2>
+        <a:srgbClr val="EEECE1"/>
+      </a:lt2>
+      <a:accent1>
+        <a:srgbClr val="4F81BD"/>
+      </a:accent1>
+      <a:accent2>
+        <a:srgbClr val="C0504D"/>
+      </a:accent2>
+      <a:accent3>
+        <a:srgbClr val="9BBB59"/>
+      </a:accent3>
+      <a:accent4>
+        <a:srgbClr val="8064A2"/>
+      </a:accent4>
+      <a:accent5>
+        <a:srgbClr val="4BACC6"/>
+      </a:accent5>
+      <a:accent6>
+        <a:srgbClr val="F79646"/>
+      </a:accent6>
+      <a:hlink>
+        <a:srgbClr val="0000FF"/>
+      </a:hlink>
+      <a:folHlink>
+        <a:srgbClr val="800080"/>
+      </a:folHlink>
+    </a:clrScheme>
+    <a:fontScheme name="Office">
+      <a:majorFont>
+        <a:latin typeface="Calibri"/>
+        <a:ea typeface=""/>
+        <a:cs typeface=""/>
+        <a:font script="Jpan" typeface="ＭＳ Ｐゴシック"/>
+        <a:font script="Hang" typeface="맑은 고딕"/>
+        <a:font script="Hans" typeface="宋体"/>
+        <a:font script="Hant" typeface="新細明體"/>
+        <a:font script="Arab" typeface="Times New Roman"/>
+        <a:font script="Hebr" typeface="Times New Roman"/>
+        <a:font script="Thai" typeface="Angsana New"/>
+        <a:font script="Ethi" typeface="Nyala"/>
+        <a:font script="Beng" typeface="Vrinda"/>
+        <a:font script="Gujr" typeface="Shruti"/>
+        <a:font script="Khmr" typeface="MoolBoran"/>
+        <a:font script="Knda" typeface="Tunga"/>
+        <a:font script="Guru" typeface="Raavi"/>
+        <a:font script="Cans" typeface="Euphemia"/>
+        <a:font script="Cher" typeface="Plantagenet Cherokee"/>
+        <a:font script="Yiii" typeface="Microsoft Yi Baiti"/>
+        <a:font script="Tibt" typeface="Microsoft Himalaya"/>
+        <a:font script="Thaa" typeface="MV Boli"/>
+        <a:font script="Deva" typeface="Mangal"/>
+        <a:font script="Telu" typeface="Gautami"/>
+        <a:font script="Taml" typeface="Latha"/>
+        <a:font script="Syrc" typeface="Estrangelo Edessa"/>
+        <a:font script="Orya" typeface="Kalinga"/>
+        <a:font script="Mlym" typeface="Kartika"/>
+        <a:font script="Laoo" typeface="DokChampa"/>
+        <a:font script="Sinh" typeface="Iskoola Pota"/>
+        <a:font script="Mong" typeface="Mongolian Baiti"/>
+        <a:font script="Viet" typeface="Times New Roman"/>
+        <a:font script="Uigh" typeface="Microsoft Uighur"/>
+        <a:font script="Geor" typeface="Sylfaen"/>
+      </a:majorFont>
+      <a:minorFont>
+        <a:latin typeface="Calibri"/>
+        <a:ea typeface=""/>
+        <a:cs typeface=""/>
+        <a:font script="Jpan" typeface="ＭＳ Ｐゴシック"/>
+        <a:font script="Hang" typeface="맑은 고딕"/>
+        <a:font script="Hans" typeface="宋体"/>
+        <a:font script="Hant" typeface="新細明體"/>
+        <a:font script="Arab" typeface="Arial"/>
+        <a:font script="Hebr" typeface="Arial"/>
+        <a:font script="Thai" typeface="Cordia New"/>
+        <a:font script="Ethi" typeface="Nyala"/>
+        <a:font script="Beng" typeface="Vrinda"/>
+        <a:font script="Gujr" typeface="Shruti"/>
+        <a:font script="Khmr" typeface="DaunPenh"/>
+        <a:font script="Knda" typeface="Tunga"/>
+        <a:font script="Guru" typeface="Raavi"/>
+        <a:font script="Cans" typeface="Euphemia"/>
+        <a:font script="Cher" typeface="Plantagenet Cherokee"/>
+        <a:font script="Yiii" typeface="Microsoft Yi Baiti"/>
+        <a:font script="Tibt" typeface="Microsoft Himalaya"/>
+        <a:font script="Thaa" typeface="MV Boli"/>
+        <a:font script="Deva" typeface="Mangal"/>
+        <a:font script="Telu" typeface="Gautami"/>
+        <a:font script="Taml" typeface="Latha"/>
+        <a:font script="Syrc" typeface="Estrangelo Edessa"/>
+        <a:font script="Orya" typeface="Kalinga"/>
+        <a:font script="Mlym" typeface="Kartika"/>
+        <a:font script="Laoo" typeface="DokChampa"/>
+        <a:font script="Sinh" typeface="Iskoola Pota"/>
+        <a:font script="Mong" typeface="Mongolian Baiti"/>
+        <a:font script="Viet" typeface="Arial"/>
+        <a:font script="Uigh" typeface="Microsoft Uighur"/>
+        <a:font script="Geor" typeface="Sylfaen"/>
+      </a:minorFont>
+    </a:fontScheme>
+    <a:fmtScheme name="Office">
+      <a:fillStyleLst>
+        <a:solidFill>
+          <a:schemeClr val="phClr"/>
+        </a:solidFill>
+        <a:gradFill rotWithShape="1">
+          <a:gsLst>
+            <a:gs pos="0">
+              <a:schemeClr val="phClr">
+                <a:tint val="50000"/>
+                <a:satMod val="300000"/>
+              </a:schemeClr>
+            </a:gs>
+            <a:gs pos="35000">
+              <a:schemeClr val="phClr">
+                <a:tint val="37000"/>
+                <a:satMod val="300000"/>
+              </a:schemeClr>
+            </a:gs>
+            <a:gs pos="100000">
+              <a:schemeClr val="phClr">
+                <a:tint val="15000"/>
+                <a:satMod val="350000"/>
+              </a:schemeClr>
+            </a:gs>
+          </a:gsLst>
+          <a:lin ang="16200000" scaled="1"/>
+        </a:gradFill>
+        <a:gradFill rotWithShape="1">
+          <a:gsLst>
+            <a:gs pos="0">
+              <a:schemeClr val="phClr">
+                <a:tint val="100000"/>
+                <a:shade val="100000"/>
+                <a:satMod val="130000"/>
+              </a:schemeClr>
+            </a:gs>
+            <a:gs pos="100000">
+              <a:schemeClr val="phClr">
+                <a:tint val="50000"/>
+                <a:shade val="100000"/>
+                <a:satMod val="350000"/>
+              </a:schemeClr>
+            </a:gs>
+          </a:gsLst>
+          <a:lin ang="16200000" scaled="0"/>
+        </a:gradFill>
+      </a:fillStyleLst>
+      <a:lnStyleLst>
+        <a:ln w="9525" cap="flat" cmpd="sng" algn="ctr">
+          <a:solidFill>
+            <a:schemeClr val="phClr">
+              <a:shade val="95000"/>
+              <a:satMod val="105000"/>
+            </a:schemeClr>
+          </a:solidFill>
+          <a:prstDash val="solid"/>
+        </a:ln>
+        <a:ln w="25400" cap="flat" cmpd="sng" algn="ctr">
+          <a:solidFill>
+            <a:schemeClr val="phClr"/>
+          </a:solidFill>
+          <a:prstDash val="solid"/>
+        </a:ln>
+        <a:ln w="38100" cap="flat" cmpd="sng" algn="ctr">
+          <a:solidFill>
+            <a:schemeClr val="phClr"/>
+          </a:solidFill>
+          <a:prstDash val="solid"/>
+        </a:ln>
+      </a:lnStyleLst>
+      <a:effectStyleLst>
+        <a:effectStyle>
+          <a:effectLst>
+            <a:outerShdw blurRad="40000" dist="20000" dir="5400000" rotWithShape="0">
+              <a:srgbClr val="000000">
+                <a:alpha val="38000"/>
+              </a:srgbClr>
+            </a:outerShdw>
+          </a:effectLst>
+        </a:effectStyle>
+        <a:effectStyle>
+          <a:effectLst>
+            <a:outerShdw blurRad="40000" dist="23000" dir="5400000" rotWithShape="0">
+              <a:srgbClr val="000000">
+                <a:alpha val="35000"/>
+              </a:srgbClr>
+            </a:outerShdw>
+          </a:effectLst>
+        </a:effectStyle>
+        <a:effectStyle>
+          <a:effectLst>
+            <a:outerShdw blurRad="40000" dist="23000" dir="5400000" rotWithShape="0">
+              <a:srgbClr val="000000">
+                <a:alpha val="35000"/>
+              </a:srgbClr>
+            </a:outerShdw>
+          </a:effectLst>
+          <a:scene3d>
+            <a:camera prst="orthographicFront">
+              <a:rot lat="0" lon="0" rev="0"/>
+            </a:camera>
+            <a:lightRig rig="threePt" dir="t">
+              <a:rot lat="0" lon="0" rev="1200000"/>
+            </a:lightRig>
+          </a:scene3d>
+          <a:sp3d>
+            <a:bevelT w="63500" h="25400"/>
+          </a:sp3d>
+        </a:effectStyle>
+      </a:effectStyleLst>
+      <a:bgFillStyleLst>
+        <a:solidFill>
+          <a:schemeClr val="phClr"/>
+        </a:solidFill>
+        <a:gradFill rotWithShape="1">
+          <a:gsLst>
+            <a:gs pos="0">
+              <a:schemeClr val="phClr">
+                <a:tint val="40000"/>
+                <a:satMod val="350000"/>
+              </a:schemeClr>
+            </a:gs>
+            <a:gs pos="40000">
+              <a:schemeClr val="phClr">
+                <a:tint val="45000"/>
+                <a:shade val="99000"/>
+                <a:satMod val="350000"/>
+              </a:schemeClr>
+            </a:gs>
+            <a:gs pos="100000">
+              <a:schemeClr val="phClr">
+                <a:shade val="20000"/>
+                <a:satMod val="255000"/>
+              </a:schemeClr>
+            </a:gs>
+          </a:gsLst>
+          <a:path path="circle">
+            <a:fillToRect l="50000" t="-80000" r="50000" b="180000"/>
+          </a:path>
+        </a:gradFill>
+        <a:gradFill rotWithShape="1">
+          <a:gsLst>
+            <a:gs pos="0">
+              <a:schemeClr val="phClr">
+                <a:tint val="80000"/>
+                <a:satMod val="300000"/>
+              </a:schemeClr>
+            </a:gs>
+            <a:gs pos="100000">
+              <a:schemeClr val="phClr">
+                <a:shade val="30000"/>
+                <a:satMod val="200000"/>
+              </a:schemeClr>
+            </a:gs>
+          </a:gsLst>
+          <a:path path="circle">
+            <a:fillToRect l="50000" t="50000" r="50000" b="50000"/>
+          </a:path>
+        </a:gradFill>
+      </a:bgFillStyleLst>
+    </a:fmtScheme>
+  </a:themeElements>
+  <a:objectDefaults>
+    <a:spDef>
+      <a:spPr/>
+      <a:bodyPr/>
+      <a:lstStyle/>
+      <a:style>
+        <a:lnRef idx="1">
+          <a:schemeClr val="accent1"/>
+        </a:lnRef>
+        <a:fillRef idx="3">
+          <a:schemeClr val="accent1"/>
+        </a:fillRef>
+        <a:effectRef idx="2">
+          <a:schemeClr val="accent1"/>
+        </a:effectRef>
+        <a:fontRef idx="minor">
+          <a:schemeClr val="lt1"/>
+        </a:fontRef>
+      </a:style>
+    </a:spDef>
+    <a:lnDef>
+      <a:spPr/>
+      <a:bodyPr/>
+      <a:lstStyle/>
+      <a:style>
+        <a:lnRef idx="2">
+          <a:schemeClr val="accent1"/>
+        </a:lnRef>
+        <a:fillRef idx="0">
+          <a:schemeClr val="accent1"/>
+        </a:fillRef>
+        <a:effectRef idx="1">
+          <a:schemeClr val="accent1"/>
+        </a:effectRef>
+        <a:fontRef idx="minor">
+          <a:schemeClr val="tx1"/>
+        </a:fontRef>
+      </a:style>
+    </a:lnDef>
+  </a:objectDefaults>
+  <a:extraClrSchemeLst/>
+</a:theme>
 </file>
--- a/260finalPresentation.pptx
+++ b/260finalPresentation.pptx
@@ -6590,7 +6590,7 @@
       </p:grpSpPr>
       <p:pic>
         <p:nvPicPr>
-          <p:cNvPr id="8" name="Content Placeholder 7" descr="Screen Shot 2017-12-09 at 8.37.59 PM.png"/>
+          <p:cNvPr id="10" name="Content Placeholder 9" descr="waittime_histo.png"/>
           <p:cNvPicPr>
             <a:picLocks noGrp="1" noChangeAspect="1"/>
           </p:cNvPicPr>
@@ -6606,15 +6606,15 @@
               </a:ext>
             </a:extLst>
           </a:blip>
-          <a:srcRect l="1028" r="1028"/>
+          <a:srcRect l="-13858" r="-13858"/>
           <a:stretch>
             <a:fillRect/>
           </a:stretch>
         </p:blipFill>
         <p:spPr>
           <a:xfrm>
-            <a:off x="457200" y="231775"/>
-            <a:ext cx="8229600" cy="6305550"/>
+            <a:off x="457200" y="201613"/>
+            <a:ext cx="8229600" cy="6443662"/>
           </a:xfrm>
         </p:spPr>
       </p:pic>
@@ -6628,6 +6628,13 @@
   <p:clrMapOvr>
     <a:masterClrMapping/>
   </p:clrMapOvr>
+  <p:timing>
+    <p:tnLst>
+      <p:par>
+        <p:cTn xmlns:p14="http://schemas.microsoft.com/office/powerpoint/2010/main" id="1" dur="indefinite" restart="never" nodeType="tmRoot"/>
+      </p:par>
+    </p:tnLst>
+  </p:timing>
 </p:sld>
 </file>
 
@@ -6650,7 +6657,7 @@
       </p:grpSpPr>
       <p:pic>
         <p:nvPicPr>
-          <p:cNvPr id="4" name="Content Placeholder 3" descr="Screen Shot 2017-12-09 at 8.39.28 PM.png"/>
+          <p:cNvPr id="6" name="Content Placeholder 5" descr="price_am.png"/>
           <p:cNvPicPr>
             <a:picLocks noGrp="1" noChangeAspect="1"/>
           </p:cNvPicPr>
@@ -6666,15 +6673,15 @@
               </a:ext>
             </a:extLst>
           </a:blip>
-          <a:srcRect l="475" r="475"/>
+          <a:srcRect l="-13545" r="-13545"/>
           <a:stretch>
             <a:fillRect/>
           </a:stretch>
         </p:blipFill>
         <p:spPr>
           <a:xfrm>
-            <a:off x="457200" y="309563"/>
-            <a:ext cx="8229600" cy="6273800"/>
+            <a:off x="457200" y="231775"/>
+            <a:ext cx="8229600" cy="6475413"/>
           </a:xfrm>
         </p:spPr>
       </p:pic>
@@ -6688,6 +6695,13 @@
   <p:clrMapOvr>
     <a:masterClrMapping/>
   </p:clrMapOvr>
+  <p:timing>
+    <p:tnLst>
+      <p:par>
+        <p:cTn xmlns:p14="http://schemas.microsoft.com/office/powerpoint/2010/main" id="1" dur="indefinite" restart="never" nodeType="tmRoot"/>
+      </p:par>
+    </p:tnLst>
+  </p:timing>
 </p:sld>
 </file>
 
@@ -6710,7 +6724,7 @@
       </p:grpSpPr>
       <p:pic>
         <p:nvPicPr>
-          <p:cNvPr id="8" name="Content Placeholder 7" descr="price_pm.png"/>
+          <p:cNvPr id="10" name="Content Placeholder 9" descr="price_pm.png"/>
           <p:cNvPicPr>
             <a:picLocks noGrp="1" noChangeAspect="1"/>
           </p:cNvPicPr>
@@ -6718,7 +6732,7 @@
             <p:ph idx="1"/>
           </p:nvPr>
         </p:nvPicPr>
-        <p:blipFill rotWithShape="1">
+        <p:blipFill>
           <a:blip r:embed="rId3">
             <a:extLst>
               <a:ext uri="{28A0092B-C50C-407E-A947-70E740481C1C}">
@@ -6726,13 +6740,15 @@
               </a:ext>
             </a:extLst>
           </a:blip>
-          <a:srcRect l="-39697" t="-501" r="-34482"/>
-          <a:stretch/>
+          <a:srcRect l="-13670" r="-13670"/>
+          <a:stretch>
+            <a:fillRect/>
+          </a:stretch>
         </p:blipFill>
         <p:spPr>
           <a:xfrm>
-            <a:off x="-2664015" y="176825"/>
-            <a:ext cx="13805627" cy="6452575"/>
+            <a:off x="457200" y="160338"/>
+            <a:ext cx="8229600" cy="6462712"/>
           </a:xfrm>
         </p:spPr>
       </p:pic>
@@ -6746,6 +6762,13 @@
   <p:clrMapOvr>
     <a:masterClrMapping/>
   </p:clrMapOvr>
+  <p:timing>
+    <p:tnLst>
+      <p:par>
+        <p:cTn xmlns:p14="http://schemas.microsoft.com/office/powerpoint/2010/main" id="1" dur="indefinite" restart="never" nodeType="tmRoot"/>
+      </p:par>
+    </p:tnLst>
+  </p:timing>
 </p:sld>
 </file>
 
@@ -6768,7 +6791,7 @@
       </p:grpSpPr>
       <p:pic>
         <p:nvPicPr>
-          <p:cNvPr id="4" name="Content Placeholder 3" descr="Screen Shot 2017-12-09 at 8.44.48 PM.png"/>
+          <p:cNvPr id="6" name="Content Placeholder 5" descr="cost_totalduration.png"/>
           <p:cNvPicPr>
             <a:picLocks noGrp="1" noChangeAspect="1"/>
           </p:cNvPicPr>
@@ -6784,15 +6807,15 @@
               </a:ext>
             </a:extLst>
           </a:blip>
-          <a:srcRect l="1855" r="1855"/>
+          <a:srcRect l="-13858" r="-13858"/>
           <a:stretch>
             <a:fillRect/>
           </a:stretch>
         </p:blipFill>
         <p:spPr>
           <a:xfrm>
-            <a:off x="457200" y="293688"/>
-            <a:ext cx="8229600" cy="6211887"/>
+            <a:off x="457200" y="185738"/>
+            <a:ext cx="8229600" cy="6443662"/>
           </a:xfrm>
         </p:spPr>
       </p:pic>
@@ -6806,6 +6829,13 @@
   <p:clrMapOvr>
     <a:masterClrMapping/>
   </p:clrMapOvr>
+  <p:timing>
+    <p:tnLst>
+      <p:par>
+        <p:cTn xmlns:p14="http://schemas.microsoft.com/office/powerpoint/2010/main" id="1" dur="indefinite" restart="never" nodeType="tmRoot"/>
+      </p:par>
+    </p:tnLst>
+  </p:timing>
 </p:sld>
 </file>
 
@@ -6828,7 +6858,7 @@
       </p:grpSpPr>
       <p:pic>
         <p:nvPicPr>
-          <p:cNvPr id="4" name="Content Placeholder 3" descr="Screen Shot 2017-12-09 at 8.46.01 PM.png"/>
+          <p:cNvPr id="6" name="Content Placeholder 5" descr="cost_dur.png"/>
           <p:cNvPicPr>
             <a:picLocks noGrp="1" noChangeAspect="1"/>
           </p:cNvPicPr>
@@ -6844,15 +6874,15 @@
               </a:ext>
             </a:extLst>
           </a:blip>
-          <a:srcRect t="611" b="611"/>
+          <a:srcRect l="-14478" r="-14478"/>
           <a:stretch>
             <a:fillRect/>
           </a:stretch>
         </p:blipFill>
         <p:spPr>
           <a:xfrm>
-            <a:off x="457200" y="217488"/>
-            <a:ext cx="8229600" cy="6365875"/>
+            <a:off x="457200" y="247650"/>
+            <a:ext cx="8229600" cy="6381750"/>
           </a:xfrm>
         </p:spPr>
       </p:pic>
@@ -6866,6 +6896,13 @@
   <p:clrMapOvr>
     <a:masterClrMapping/>
   </p:clrMapOvr>
+  <p:timing>
+    <p:tnLst>
+      <p:par>
+        <p:cTn xmlns:p14="http://schemas.microsoft.com/office/powerpoint/2010/main" id="1" dur="indefinite" restart="never" nodeType="tmRoot"/>
+      </p:par>
+    </p:tnLst>
+  </p:timing>
 </p:sld>
 </file>
 
@@ -6888,7 +6925,7 @@
       </p:grpSpPr>
       <p:pic>
         <p:nvPicPr>
-          <p:cNvPr id="4" name="Content Placeholder 3" descr="Screen Shot 2017-12-09 at 8.47.36 PM.png"/>
+          <p:cNvPr id="6" name="Content Placeholder 5" descr="cost_per_min_boxp.png"/>
           <p:cNvPicPr>
             <a:picLocks noGrp="1" noChangeAspect="1"/>
           </p:cNvPicPr>
@@ -6904,15 +6941,15 @@
               </a:ext>
             </a:extLst>
           </a:blip>
-          <a:srcRect l="2273" r="2273"/>
+          <a:srcRect l="-14784" r="-14784"/>
           <a:stretch>
             <a:fillRect/>
           </a:stretch>
         </p:blipFill>
         <p:spPr>
           <a:xfrm>
-            <a:off x="457200" y="309563"/>
-            <a:ext cx="8229600" cy="6211887"/>
+            <a:off x="457200" y="231775"/>
+            <a:ext cx="8229600" cy="6351588"/>
           </a:xfrm>
         </p:spPr>
       </p:pic>
@@ -6926,6 +6963,13 @@
   <p:clrMapOvr>
     <a:masterClrMapping/>
   </p:clrMapOvr>
+  <p:timing>
+    <p:tnLst>
+      <p:par>
+        <p:cTn xmlns:p14="http://schemas.microsoft.com/office/powerpoint/2010/main" id="1" dur="indefinite" restart="never" nodeType="tmRoot"/>
+      </p:par>
+    </p:tnLst>
+  </p:timing>
 </p:sld>
 </file>
 
@@ -6948,7 +6992,7 @@
       </p:grpSpPr>
       <p:pic>
         <p:nvPicPr>
-          <p:cNvPr id="4" name="Content Placeholder 3" descr="Screen Shot 2017-12-09 at 8.49.29 PM.png"/>
+          <p:cNvPr id="6" name="Content Placeholder 5" descr="pricein15min.png"/>
           <p:cNvPicPr>
             <a:picLocks noGrp="1" noChangeAspect="1"/>
           </p:cNvPicPr>
@@ -6964,15 +7008,15 @@
               </a:ext>
             </a:extLst>
           </a:blip>
-          <a:srcRect l="3395" r="3395"/>
+          <a:srcRect l="-14478" r="-14478"/>
           <a:stretch>
             <a:fillRect/>
           </a:stretch>
         </p:blipFill>
         <p:spPr>
           <a:xfrm>
-            <a:off x="457200" y="309563"/>
-            <a:ext cx="8229600" cy="6227762"/>
+            <a:off x="457200" y="231775"/>
+            <a:ext cx="8229600" cy="6381750"/>
           </a:xfrm>
         </p:spPr>
       </p:pic>
@@ -6986,6 +7030,13 @@
   <p:clrMapOvr>
     <a:masterClrMapping/>
   </p:clrMapOvr>
+  <p:timing>
+    <p:tnLst>
+      <p:par>
+        <p:cTn xmlns:p14="http://schemas.microsoft.com/office/powerpoint/2010/main" id="1" dur="indefinite" restart="never" nodeType="tmRoot"/>
+      </p:par>
+    </p:tnLst>
+  </p:timing>
 </p:sld>
 </file>
 
@@ -7008,7 +7059,7 @@
       </p:grpSpPr>
       <p:pic>
         <p:nvPicPr>
-          <p:cNvPr id="4" name="Content Placeholder 3" descr="Screen Shot 2017-12-09 at 8.47.52 PM.png"/>
+          <p:cNvPr id="6" name="Content Placeholder 5" descr="choicescheme_lyft.png"/>
           <p:cNvPicPr>
             <a:picLocks noGrp="1" noChangeAspect="1"/>
           </p:cNvPicPr>
@@ -7024,15 +7075,15 @@
               </a:ext>
             </a:extLst>
           </a:blip>
-          <a:srcRect l="1487" r="1487"/>
+          <a:srcRect l="-15587" r="-15587"/>
           <a:stretch>
             <a:fillRect/>
           </a:stretch>
         </p:blipFill>
         <p:spPr>
           <a:xfrm>
-            <a:off x="457200" y="341313"/>
-            <a:ext cx="8229600" cy="6102350"/>
+            <a:off x="457200" y="293688"/>
+            <a:ext cx="8229600" cy="6273800"/>
           </a:xfrm>
         </p:spPr>
       </p:pic>
@@ -7046,6 +7097,13 @@
   <p:clrMapOvr>
     <a:masterClrMapping/>
   </p:clrMapOvr>
+  <p:timing>
+    <p:tnLst>
+      <p:par>
+        <p:cTn xmlns:p14="http://schemas.microsoft.com/office/powerpoint/2010/main" id="1" dur="indefinite" restart="never" nodeType="tmRoot"/>
+      </p:par>
+    </p:tnLst>
+  </p:timing>
 </p:sld>
 </file>
 
@@ -7404,6 +7462,13 @@
   <p:clrMapOvr>
     <a:masterClrMapping/>
   </p:clrMapOvr>
+  <p:timing>
+    <p:tnLst>
+      <p:par>
+        <p:cTn xmlns:p14="http://schemas.microsoft.com/office/powerpoint/2010/main" id="1" dur="indefinite" restart="never" nodeType="tmRoot"/>
+      </p:par>
+    </p:tnLst>
+  </p:timing>
 </p:sld>
 </file>
 
@@ -7426,7 +7491,7 @@
       </p:grpSpPr>
       <p:pic>
         <p:nvPicPr>
-          <p:cNvPr id="4" name="Content Placeholder 3" descr="Screen Shot 2017-12-09 at 8.31.22 PM.png"/>
+          <p:cNvPr id="7" name="Content Placeholder 6" descr="ridereq_distr.png"/>
           <p:cNvPicPr>
             <a:picLocks noGrp="1" noChangeAspect="1"/>
           </p:cNvPicPr>
@@ -7442,15 +7507,15 @@
               </a:ext>
             </a:extLst>
           </a:blip>
-          <a:srcRect t="6376" b="6376"/>
+          <a:srcRect l="-12353" r="-12353"/>
           <a:stretch>
             <a:fillRect/>
           </a:stretch>
         </p:blipFill>
         <p:spPr>
           <a:xfrm>
-            <a:off x="457200" y="557213"/>
-            <a:ext cx="8229600" cy="5918200"/>
+            <a:off x="457200" y="123825"/>
+            <a:ext cx="8229600" cy="6599238"/>
           </a:xfrm>
         </p:spPr>
       </p:pic>
@@ -7464,6 +7529,13 @@
   <p:clrMapOvr>
     <a:masterClrMapping/>
   </p:clrMapOvr>
+  <p:timing>
+    <p:tnLst>
+      <p:par>
+        <p:cTn xmlns:p14="http://schemas.microsoft.com/office/powerpoint/2010/main" id="1" dur="indefinite" restart="never" nodeType="tmRoot"/>
+      </p:par>
+    </p:tnLst>
+  </p:timing>
 </p:sld>
 </file>
 
@@ -7486,7 +7558,7 @@
       </p:grpSpPr>
       <p:pic>
         <p:nvPicPr>
-          <p:cNvPr id="7" name="Content Placeholder 6" descr="Screen Shot 2017-12-09 at 8.33.30 PM.png"/>
+          <p:cNvPr id="9" name="Content Placeholder 8" descr="ridecost_distr_boxp.png"/>
           <p:cNvPicPr>
             <a:picLocks noGrp="1" noChangeAspect="1"/>
           </p:cNvPicPr>
@@ -7502,15 +7574,15 @@
               </a:ext>
             </a:extLst>
           </a:blip>
-          <a:srcRect l="3201" r="3201"/>
+          <a:srcRect l="-13561" r="-13561"/>
           <a:stretch>
             <a:fillRect/>
           </a:stretch>
         </p:blipFill>
         <p:spPr>
           <a:xfrm>
-            <a:off x="457200" y="263525"/>
-            <a:ext cx="8229600" cy="6365875"/>
+            <a:off x="457200" y="155575"/>
+            <a:ext cx="8229600" cy="6473825"/>
           </a:xfrm>
         </p:spPr>
       </p:pic>
@@ -7524,6 +7596,13 @@
   <p:clrMapOvr>
     <a:masterClrMapping/>
   </p:clrMapOvr>
+  <p:timing>
+    <p:tnLst>
+      <p:par>
+        <p:cTn xmlns:p14="http://schemas.microsoft.com/office/powerpoint/2010/main" id="1" dur="indefinite" restart="never" nodeType="tmRoot"/>
+      </p:par>
+    </p:tnLst>
+  </p:timing>
 </p:sld>
 </file>
 
@@ -7546,7 +7625,7 @@
       </p:grpSpPr>
       <p:pic>
         <p:nvPicPr>
-          <p:cNvPr id="4" name="Content Placeholder 3" descr="Screen Shot 2017-12-09 at 8.36.03 PM.png"/>
+          <p:cNvPr id="6" name="Content Placeholder 5" descr="totalduration_boxp.png"/>
           <p:cNvPicPr>
             <a:picLocks noGrp="1" noChangeAspect="1"/>
           </p:cNvPicPr>
@@ -7562,15 +7641,15 @@
               </a:ext>
             </a:extLst>
           </a:blip>
-          <a:srcRect l="2891" r="2891"/>
+          <a:srcRect l="-13112" r="-13112"/>
           <a:stretch>
             <a:fillRect/>
           </a:stretch>
         </p:blipFill>
         <p:spPr>
           <a:xfrm>
-            <a:off x="457200" y="387350"/>
-            <a:ext cx="8229600" cy="6335713"/>
+            <a:off x="457200" y="155575"/>
+            <a:ext cx="8229600" cy="6519863"/>
           </a:xfrm>
         </p:spPr>
       </p:pic>
@@ -7584,6 +7663,13 @@
   <p:clrMapOvr>
     <a:masterClrMapping/>
   </p:clrMapOvr>
+  <p:timing>
+    <p:tnLst>
+      <p:par>
+        <p:cTn xmlns:p14="http://schemas.microsoft.com/office/powerpoint/2010/main" id="1" dur="indefinite" restart="never" nodeType="tmRoot"/>
+      </p:par>
+    </p:tnLst>
+  </p:timing>
 </p:sld>
 </file>
 
